--- a/master_files/materials/01_DES.pptx
+++ b/master_files/materials/01_DES.pptx
@@ -5,29 +5,31 @@
     <p:sldMasterId id="2147483648" r:id="rId4"/>
   </p:sldMasterIdLst>
   <p:notesMasterIdLst>
-    <p:notesMasterId r:id="rId25"/>
+    <p:notesMasterId r:id="rId27"/>
   </p:notesMasterIdLst>
   <p:sldIdLst>
-    <p:sldId id="1046" r:id="rId5"/>
-    <p:sldId id="1094" r:id="rId6"/>
-    <p:sldId id="1025" r:id="rId7"/>
-    <p:sldId id="1081" r:id="rId8"/>
-    <p:sldId id="1052" r:id="rId9"/>
-    <p:sldId id="1080" r:id="rId10"/>
-    <p:sldId id="1082" r:id="rId11"/>
-    <p:sldId id="1083" r:id="rId12"/>
-    <p:sldId id="1084" r:id="rId13"/>
-    <p:sldId id="1085" r:id="rId14"/>
-    <p:sldId id="1086" r:id="rId15"/>
-    <p:sldId id="1088" r:id="rId16"/>
-    <p:sldId id="1087" r:id="rId17"/>
-    <p:sldId id="1089" r:id="rId18"/>
-    <p:sldId id="1091" r:id="rId19"/>
-    <p:sldId id="1090" r:id="rId20"/>
-    <p:sldId id="1092" r:id="rId21"/>
-    <p:sldId id="1093" r:id="rId22"/>
-    <p:sldId id="1095" r:id="rId23"/>
-    <p:sldId id="1079" r:id="rId24"/>
+    <p:sldId id="257" r:id="rId5"/>
+    <p:sldId id="1046" r:id="rId6"/>
+    <p:sldId id="1094" r:id="rId7"/>
+    <p:sldId id="1025" r:id="rId8"/>
+    <p:sldId id="1081" r:id="rId9"/>
+    <p:sldId id="1052" r:id="rId10"/>
+    <p:sldId id="1080" r:id="rId11"/>
+    <p:sldId id="1082" r:id="rId12"/>
+    <p:sldId id="1083" r:id="rId13"/>
+    <p:sldId id="1084" r:id="rId14"/>
+    <p:sldId id="1085" r:id="rId15"/>
+    <p:sldId id="1086" r:id="rId16"/>
+    <p:sldId id="1088" r:id="rId17"/>
+    <p:sldId id="1087" r:id="rId18"/>
+    <p:sldId id="1089" r:id="rId19"/>
+    <p:sldId id="1091" r:id="rId20"/>
+    <p:sldId id="1090" r:id="rId21"/>
+    <p:sldId id="1092" r:id="rId22"/>
+    <p:sldId id="1093" r:id="rId23"/>
+    <p:sldId id="1095" r:id="rId24"/>
+    <p:sldId id="1079" r:id="rId25"/>
+    <p:sldId id="1096" r:id="rId26"/>
   </p:sldIdLst>
   <p:sldSz cx="12192000" cy="6858000"/>
   <p:notesSz cx="6858000" cy="9144000"/>
@@ -216,7 +218,7 @@
           <a:p>
             <a:fld id="{E033252C-ECEF-0044-BF19-FBFB46CE84A2}" type="datetimeFigureOut">
               <a:rPr lang="en-US" smtClean="0"/>
-              <a:t>10/25/24</a:t>
+              <a:t>10/26/24</a:t>
             </a:fld>
             <a:endParaRPr lang="en-US"/>
           </a:p>
@@ -551,7 +553,7 @@
           <a:p>
             <a:fld id="{7ABBCDC5-E9FF-3D40-95AD-B1BB55908906}" type="slidenum">
               <a:rPr lang="en-US" smtClean="0"/>
-              <a:t>3</a:t>
+              <a:t>4</a:t>
             </a:fld>
             <a:endParaRPr lang="en-US"/>
           </a:p>
@@ -561,6 +563,186 @@
     <p:extLst>
       <p:ext uri="{BB962C8B-B14F-4D97-AF65-F5344CB8AC3E}">
         <p14:creationId xmlns:p14="http://schemas.microsoft.com/office/powerpoint/2010/main" val="1575202907"/>
+      </p:ext>
+    </p:extLst>
+  </p:cSld>
+  <p:clrMapOvr>
+    <a:masterClrMapping/>
+  </p:clrMapOvr>
+</p:notes>
+</file>
+
+<file path=ppt/notesSlides/notesSlide2.xml><?xml version="1.0" encoding="utf-8"?>
+<p:notes xmlns:a="http://schemas.openxmlformats.org/drawingml/2006/main" xmlns:r="http://schemas.openxmlformats.org/officeDocument/2006/relationships" xmlns:p="http://schemas.openxmlformats.org/presentationml/2006/main">
+  <p:cSld>
+    <p:spTree>
+      <p:nvGrpSpPr>
+        <p:cNvPr id="1" name=""/>
+        <p:cNvGrpSpPr/>
+        <p:nvPr/>
+      </p:nvGrpSpPr>
+      <p:grpSpPr>
+        <a:xfrm>
+          <a:off x="0" y="0"/>
+          <a:ext cx="0" cy="0"/>
+          <a:chOff x="0" y="0"/>
+          <a:chExt cx="0" cy="0"/>
+        </a:xfrm>
+      </p:grpSpPr>
+      <p:sp>
+        <p:nvSpPr>
+          <p:cNvPr id="2" name="Slide Image Placeholder 1"/>
+          <p:cNvSpPr>
+            <a:spLocks noGrp="1" noRot="1" noChangeAspect="1"/>
+          </p:cNvSpPr>
+          <p:nvPr>
+            <p:ph type="sldImg"/>
+          </p:nvPr>
+        </p:nvSpPr>
+        <p:spPr/>
+      </p:sp>
+      <p:sp>
+        <p:nvSpPr>
+          <p:cNvPr id="3" name="Notes Placeholder 2"/>
+          <p:cNvSpPr>
+            <a:spLocks noGrp="1"/>
+          </p:cNvSpPr>
+          <p:nvPr>
+            <p:ph type="body" idx="1"/>
+          </p:nvPr>
+        </p:nvSpPr>
+        <p:spPr/>
+        <p:txBody>
+          <a:bodyPr/>
+          <a:lstStyle/>
+          <a:p>
+            <a:r>
+              <a:rPr lang="en-US" dirty="0"/>
+              <a:t>Left: some people may never die. </a:t>
+            </a:r>
+          </a:p>
+          <a:p>
+            <a:r>
+              <a:rPr lang="en-US" dirty="0"/>
+              <a:t>Right: all people will die. </a:t>
+            </a:r>
+          </a:p>
+        </p:txBody>
+      </p:sp>
+      <p:sp>
+        <p:nvSpPr>
+          <p:cNvPr id="4" name="Slide Number Placeholder 3"/>
+          <p:cNvSpPr>
+            <a:spLocks noGrp="1"/>
+          </p:cNvSpPr>
+          <p:nvPr>
+            <p:ph type="sldNum" sz="quarter" idx="5"/>
+          </p:nvPr>
+        </p:nvSpPr>
+        <p:spPr/>
+        <p:txBody>
+          <a:bodyPr/>
+          <a:lstStyle/>
+          <a:p>
+            <a:fld id="{96010A50-4423-6040-9AE0-885D13F9C550}" type="slidenum">
+              <a:rPr lang="en-US" smtClean="0"/>
+              <a:t>15</a:t>
+            </a:fld>
+            <a:endParaRPr lang="en-US"/>
+          </a:p>
+        </p:txBody>
+      </p:sp>
+    </p:spTree>
+    <p:extLst>
+      <p:ext uri="{BB962C8B-B14F-4D97-AF65-F5344CB8AC3E}">
+        <p14:creationId xmlns:p14="http://schemas.microsoft.com/office/powerpoint/2010/main" val="2421636405"/>
+      </p:ext>
+    </p:extLst>
+  </p:cSld>
+  <p:clrMapOvr>
+    <a:masterClrMapping/>
+  </p:clrMapOvr>
+</p:notes>
+</file>
+
+<file path=ppt/notesSlides/notesSlide3.xml><?xml version="1.0" encoding="utf-8"?>
+<p:notes xmlns:a="http://schemas.openxmlformats.org/drawingml/2006/main" xmlns:r="http://schemas.openxmlformats.org/officeDocument/2006/relationships" xmlns:p="http://schemas.openxmlformats.org/presentationml/2006/main">
+  <p:cSld>
+    <p:spTree>
+      <p:nvGrpSpPr>
+        <p:cNvPr id="1" name=""/>
+        <p:cNvGrpSpPr/>
+        <p:nvPr/>
+      </p:nvGrpSpPr>
+      <p:grpSpPr>
+        <a:xfrm>
+          <a:off x="0" y="0"/>
+          <a:ext cx="0" cy="0"/>
+          <a:chOff x="0" y="0"/>
+          <a:chExt cx="0" cy="0"/>
+        </a:xfrm>
+      </p:grpSpPr>
+      <p:sp>
+        <p:nvSpPr>
+          <p:cNvPr id="2" name="Slide Image Placeholder 1"/>
+          <p:cNvSpPr>
+            <a:spLocks noGrp="1" noRot="1" noChangeAspect="1"/>
+          </p:cNvSpPr>
+          <p:nvPr>
+            <p:ph type="sldImg"/>
+          </p:nvPr>
+        </p:nvSpPr>
+        <p:spPr/>
+      </p:sp>
+      <p:sp>
+        <p:nvSpPr>
+          <p:cNvPr id="3" name="Notes Placeholder 2"/>
+          <p:cNvSpPr>
+            <a:spLocks noGrp="1"/>
+          </p:cNvSpPr>
+          <p:nvPr>
+            <p:ph type="body" idx="1"/>
+          </p:nvPr>
+        </p:nvSpPr>
+        <p:spPr/>
+        <p:txBody>
+          <a:bodyPr/>
+          <a:lstStyle/>
+          <a:p>
+            <a:r>
+              <a:rPr lang="en-US" dirty="0"/>
+              <a:t>The at risk interval for death cancer ends at the end of the simulation window on the left panel or the “death (other)” on the right panel.</a:t>
+            </a:r>
+          </a:p>
+        </p:txBody>
+      </p:sp>
+      <p:sp>
+        <p:nvSpPr>
+          <p:cNvPr id="4" name="Slide Number Placeholder 3"/>
+          <p:cNvSpPr>
+            <a:spLocks noGrp="1"/>
+          </p:cNvSpPr>
+          <p:nvPr>
+            <p:ph type="sldNum" sz="quarter" idx="5"/>
+          </p:nvPr>
+        </p:nvSpPr>
+        <p:spPr/>
+        <p:txBody>
+          <a:bodyPr/>
+          <a:lstStyle/>
+          <a:p>
+            <a:fld id="{96010A50-4423-6040-9AE0-885D13F9C550}" type="slidenum">
+              <a:rPr lang="en-US" smtClean="0"/>
+              <a:t>16</a:t>
+            </a:fld>
+            <a:endParaRPr lang="en-US"/>
+          </a:p>
+        </p:txBody>
+      </p:sp>
+    </p:spTree>
+    <p:extLst>
+      <p:ext uri="{BB962C8B-B14F-4D97-AF65-F5344CB8AC3E}">
+        <p14:creationId xmlns:p14="http://schemas.microsoft.com/office/powerpoint/2010/main" val="2392692894"/>
       </p:ext>
     </p:extLst>
   </p:cSld>
@@ -717,7 +899,7 @@
           <a:p>
             <a:fld id="{6A8FB48A-BFC4-2846-8228-6201ABA4D0C5}" type="datetimeFigureOut">
               <a:rPr lang="en-US" smtClean="0"/>
-              <a:t>10/25/24</a:t>
+              <a:t>10/26/24</a:t>
             </a:fld>
             <a:endParaRPr lang="en-US"/>
           </a:p>
@@ -915,7 +1097,7 @@
           <a:p>
             <a:fld id="{6A8FB48A-BFC4-2846-8228-6201ABA4D0C5}" type="datetimeFigureOut">
               <a:rPr lang="en-US" smtClean="0"/>
-              <a:t>10/25/24</a:t>
+              <a:t>10/26/24</a:t>
             </a:fld>
             <a:endParaRPr lang="en-US"/>
           </a:p>
@@ -1123,7 +1305,7 @@
           <a:p>
             <a:fld id="{6A8FB48A-BFC4-2846-8228-6201ABA4D0C5}" type="datetimeFigureOut">
               <a:rPr lang="en-US" smtClean="0"/>
-              <a:t>10/25/24</a:t>
+              <a:t>10/26/24</a:t>
             </a:fld>
             <a:endParaRPr lang="en-US"/>
           </a:p>
@@ -1321,7 +1503,7 @@
           <a:p>
             <a:fld id="{6A8FB48A-BFC4-2846-8228-6201ABA4D0C5}" type="datetimeFigureOut">
               <a:rPr lang="en-US" smtClean="0"/>
-              <a:t>10/25/24</a:t>
+              <a:t>10/26/24</a:t>
             </a:fld>
             <a:endParaRPr lang="en-US"/>
           </a:p>
@@ -1596,7 +1778,7 @@
           <a:p>
             <a:fld id="{6A8FB48A-BFC4-2846-8228-6201ABA4D0C5}" type="datetimeFigureOut">
               <a:rPr lang="en-US" smtClean="0"/>
-              <a:t>10/25/24</a:t>
+              <a:t>10/26/24</a:t>
             </a:fld>
             <a:endParaRPr lang="en-US"/>
           </a:p>
@@ -1861,7 +2043,7 @@
           <a:p>
             <a:fld id="{6A8FB48A-BFC4-2846-8228-6201ABA4D0C5}" type="datetimeFigureOut">
               <a:rPr lang="en-US" smtClean="0"/>
-              <a:t>10/25/24</a:t>
+              <a:t>10/26/24</a:t>
             </a:fld>
             <a:endParaRPr lang="en-US"/>
           </a:p>
@@ -2273,7 +2455,7 @@
           <a:p>
             <a:fld id="{6A8FB48A-BFC4-2846-8228-6201ABA4D0C5}" type="datetimeFigureOut">
               <a:rPr lang="en-US" smtClean="0"/>
-              <a:t>10/25/24</a:t>
+              <a:t>10/26/24</a:t>
             </a:fld>
             <a:endParaRPr lang="en-US"/>
           </a:p>
@@ -2414,7 +2596,7 @@
           <a:p>
             <a:fld id="{6A8FB48A-BFC4-2846-8228-6201ABA4D0C5}" type="datetimeFigureOut">
               <a:rPr lang="en-US" smtClean="0"/>
-              <a:t>10/25/24</a:t>
+              <a:t>10/26/24</a:t>
             </a:fld>
             <a:endParaRPr lang="en-US"/>
           </a:p>
@@ -2527,7 +2709,7 @@
           <a:p>
             <a:fld id="{6A8FB48A-BFC4-2846-8228-6201ABA4D0C5}" type="datetimeFigureOut">
               <a:rPr lang="en-US" smtClean="0"/>
-              <a:t>10/25/24</a:t>
+              <a:t>10/26/24</a:t>
             </a:fld>
             <a:endParaRPr lang="en-US"/>
           </a:p>
@@ -2838,7 +3020,7 @@
           <a:p>
             <a:fld id="{6A8FB48A-BFC4-2846-8228-6201ABA4D0C5}" type="datetimeFigureOut">
               <a:rPr lang="en-US" smtClean="0"/>
-              <a:t>10/25/24</a:t>
+              <a:t>10/26/24</a:t>
             </a:fld>
             <a:endParaRPr lang="en-US"/>
           </a:p>
@@ -3126,7 +3308,7 @@
           <a:p>
             <a:fld id="{6A8FB48A-BFC4-2846-8228-6201ABA4D0C5}" type="datetimeFigureOut">
               <a:rPr lang="en-US" smtClean="0"/>
-              <a:t>10/25/24</a:t>
+              <a:t>10/26/24</a:t>
             </a:fld>
             <a:endParaRPr lang="en-US"/>
           </a:p>
@@ -3367,7 +3549,7 @@
           <a:p>
             <a:fld id="{6A8FB48A-BFC4-2846-8228-6201ABA4D0C5}" type="datetimeFigureOut">
               <a:rPr lang="en-US" smtClean="0"/>
-              <a:t>10/25/24</a:t>
+              <a:t>10/26/24</a:t>
             </a:fld>
             <a:endParaRPr lang="en-US"/>
           </a:p>
@@ -3784,63 +3966,768 @@
           <a:chExt cx="0" cy="0"/>
         </a:xfrm>
       </p:grpSpPr>
-      <p:sp>
-        <p:nvSpPr>
-          <p:cNvPr id="2" name="Title 1">
-            <a:extLst>
-              <a:ext uri="{FF2B5EF4-FFF2-40B4-BE49-F238E27FC236}">
-                <a16:creationId xmlns:a16="http://schemas.microsoft.com/office/drawing/2014/main" id="{AE911888-4659-FF99-A69A-6AF8166101D8}"/>
-              </a:ext>
-            </a:extLst>
-          </p:cNvPr>
-          <p:cNvSpPr>
-            <a:spLocks noGrp="1"/>
-          </p:cNvSpPr>
-          <p:nvPr>
-            <p:ph type="ctrTitle"/>
-          </p:nvPr>
-        </p:nvSpPr>
-        <p:spPr/>
-        <p:txBody>
-          <a:bodyPr/>
+      <p:graphicFrame>
+        <p:nvGraphicFramePr>
+          <p:cNvPr id="4" name="Content Placeholder 3">
+            <a:extLst>
+              <a:ext uri="{FF2B5EF4-FFF2-40B4-BE49-F238E27FC236}">
+                <a16:creationId xmlns:a16="http://schemas.microsoft.com/office/drawing/2014/main" id="{672125A1-A8AB-CFA0-C54F-8A364765CC43}"/>
+              </a:ext>
+            </a:extLst>
+          </p:cNvPr>
+          <p:cNvGraphicFramePr>
+            <a:graphicFrameLocks noGrp="1"/>
+          </p:cNvGraphicFramePr>
+          <p:nvPr>
+            <p:ph idx="1"/>
+          </p:nvPr>
+        </p:nvGraphicFramePr>
+        <p:xfrm>
+          <a:off x="1208690" y="942340"/>
+          <a:ext cx="10720551" cy="4973320"/>
+        </p:xfrm>
+        <a:graphic>
+          <a:graphicData uri="http://schemas.openxmlformats.org/drawingml/2006/table">
+            <a:tbl>
+              <a:tblPr firstRow="1" bandRow="1">
+                <a:tableStyleId>{21E4AEA4-8DFA-4A89-87EB-49C32662AFE0}</a:tableStyleId>
+              </a:tblPr>
+              <a:tblGrid>
+                <a:gridCol w="1717110">
+                  <a:extLst>
+                    <a:ext uri="{9D8B030D-6E8A-4147-A177-3AD203B41FA5}">
+                      <a16:colId xmlns:a16="http://schemas.microsoft.com/office/drawing/2014/main" val="4182014441"/>
+                    </a:ext>
+                  </a:extLst>
+                </a:gridCol>
+                <a:gridCol w="5976462">
+                  <a:extLst>
+                    <a:ext uri="{9D8B030D-6E8A-4147-A177-3AD203B41FA5}">
+                      <a16:colId xmlns:a16="http://schemas.microsoft.com/office/drawing/2014/main" val="906180283"/>
+                    </a:ext>
+                  </a:extLst>
+                </a:gridCol>
+                <a:gridCol w="3026979">
+                  <a:extLst>
+                    <a:ext uri="{9D8B030D-6E8A-4147-A177-3AD203B41FA5}">
+                      <a16:colId xmlns:a16="http://schemas.microsoft.com/office/drawing/2014/main" val="2769721792"/>
+                    </a:ext>
+                  </a:extLst>
+                </a:gridCol>
+              </a:tblGrid>
+              <a:tr h="370840">
+                <a:tc>
+                  <a:txBody>
+                    <a:bodyPr/>
+                    <a:lstStyle/>
+                    <a:p>
+                      <a:r>
+                        <a:rPr lang="en-US" dirty="0"/>
+                        <a:t>Time</a:t>
+                      </a:r>
+                    </a:p>
+                  </a:txBody>
+                  <a:tcPr/>
+                </a:tc>
+                <a:tc>
+                  <a:txBody>
+                    <a:bodyPr/>
+                    <a:lstStyle/>
+                    <a:p>
+                      <a:r>
+                        <a:rPr lang="en-US" dirty="0"/>
+                        <a:t>Description</a:t>
+                      </a:r>
+                    </a:p>
+                  </a:txBody>
+                  <a:tcPr/>
+                </a:tc>
+                <a:tc>
+                  <a:txBody>
+                    <a:bodyPr/>
+                    <a:lstStyle/>
+                    <a:p>
+                      <a:r>
+                        <a:rPr lang="en-US" dirty="0"/>
+                        <a:t>Discussant</a:t>
+                      </a:r>
+                    </a:p>
+                  </a:txBody>
+                  <a:tcPr/>
+                </a:tc>
+                <a:extLst>
+                  <a:ext uri="{0D108BD9-81ED-4DB2-BD59-A6C34878D82A}">
+                    <a16:rowId xmlns:a16="http://schemas.microsoft.com/office/drawing/2014/main" val="1700444250"/>
+                  </a:ext>
+                </a:extLst>
+              </a:tr>
+              <a:tr h="370840">
+                <a:tc>
+                  <a:txBody>
+                    <a:bodyPr/>
+                    <a:lstStyle/>
+                    <a:p>
+                      <a:r>
+                        <a:rPr lang="en-US" dirty="0"/>
+                        <a:t>[15 min]</a:t>
+                      </a:r>
+                    </a:p>
+                  </a:txBody>
+                  <a:tcPr/>
+                </a:tc>
+                <a:tc>
+                  <a:txBody>
+                    <a:bodyPr/>
+                    <a:lstStyle/>
+                    <a:p>
+                      <a:r>
+                        <a:rPr lang="en-US" sz="1800" kern="1200" dirty="0">
+                          <a:solidFill>
+                            <a:schemeClr val="dk1"/>
+                          </a:solidFill>
+                          <a:effectLst/>
+                          <a:latin typeface="+mn-lt"/>
+                          <a:ea typeface="+mn-ea"/>
+                          <a:cs typeface="+mn-cs"/>
+                        </a:rPr>
+                        <a:t>(0) Introductions and administrivia </a:t>
+                      </a:r>
+                      <a:endParaRPr lang="en-US" dirty="0"/>
+                    </a:p>
+                  </a:txBody>
+                  <a:tcPr/>
+                </a:tc>
+                <a:tc>
+                  <a:txBody>
+                    <a:bodyPr/>
+                    <a:lstStyle/>
+                    <a:p>
+                      <a:r>
+                        <a:rPr lang="en-US" dirty="0" err="1"/>
+                        <a:t>Trikalinos</a:t>
+                      </a:r>
+                      <a:endParaRPr lang="en-US" dirty="0"/>
+                    </a:p>
+                  </a:txBody>
+                  <a:tcPr/>
+                </a:tc>
+                <a:extLst>
+                  <a:ext uri="{0D108BD9-81ED-4DB2-BD59-A6C34878D82A}">
+                    <a16:rowId xmlns:a16="http://schemas.microsoft.com/office/drawing/2014/main" val="2490995723"/>
+                  </a:ext>
+                </a:extLst>
+              </a:tr>
+              <a:tr h="370840">
+                <a:tc>
+                  <a:txBody>
+                    <a:bodyPr/>
+                    <a:lstStyle/>
+                    <a:p>
+                      <a:r>
+                        <a:rPr lang="en-US" dirty="0"/>
+                        <a:t>[25 min]</a:t>
+                      </a:r>
+                    </a:p>
+                  </a:txBody>
+                  <a:tcPr/>
+                </a:tc>
+                <a:tc>
+                  <a:txBody>
+                    <a:bodyPr/>
+                    <a:lstStyle/>
+                    <a:p>
+                      <a:r>
+                        <a:rPr lang="en-US" sz="1800" kern="1200" dirty="0">
+                          <a:solidFill>
+                            <a:schemeClr val="dk1"/>
+                          </a:solidFill>
+                          <a:effectLst/>
+                          <a:latin typeface="+mn-lt"/>
+                          <a:ea typeface="+mn-ea"/>
+                          <a:cs typeface="+mn-cs"/>
+                        </a:rPr>
+                        <a:t>(1) DES as a composition of point processes</a:t>
+                      </a:r>
+                    </a:p>
+                  </a:txBody>
+                  <a:tcPr/>
+                </a:tc>
+                <a:tc>
+                  <a:txBody>
+                    <a:bodyPr/>
+                    <a:lstStyle/>
+                    <a:p>
+                      <a:r>
+                        <a:rPr lang="en-US" dirty="0" err="1"/>
+                        <a:t>Alarid</a:t>
+                      </a:r>
+                      <a:r>
+                        <a:rPr lang="en-US" dirty="0"/>
+                        <a:t>-Escudero</a:t>
+                      </a:r>
+                    </a:p>
+                  </a:txBody>
+                  <a:tcPr/>
+                </a:tc>
+                <a:extLst>
+                  <a:ext uri="{0D108BD9-81ED-4DB2-BD59-A6C34878D82A}">
+                    <a16:rowId xmlns:a16="http://schemas.microsoft.com/office/drawing/2014/main" val="2065491183"/>
+                  </a:ext>
+                </a:extLst>
+              </a:tr>
+              <a:tr h="370840">
+                <a:tc>
+                  <a:txBody>
+                    <a:bodyPr/>
+                    <a:lstStyle/>
+                    <a:p>
+                      <a:r>
+                        <a:rPr lang="en-US" dirty="0"/>
+                        <a:t>[30 min]</a:t>
+                      </a:r>
+                    </a:p>
+                  </a:txBody>
+                  <a:tcPr/>
+                </a:tc>
+                <a:tc>
+                  <a:txBody>
+                    <a:bodyPr/>
+                    <a:lstStyle/>
+                    <a:p>
+                      <a:pPr marL="0" marR="0" lvl="0" indent="0" algn="l" defTabSz="914400" rtl="0" eaLnBrk="1" fontAlgn="auto" latinLnBrk="0" hangingPunct="1">
+                        <a:lnSpc>
+                          <a:spcPct val="100000"/>
+                        </a:lnSpc>
+                        <a:spcBef>
+                          <a:spcPts val="0"/>
+                        </a:spcBef>
+                        <a:spcAft>
+                          <a:spcPts val="0"/>
+                        </a:spcAft>
+                        <a:buClrTx/>
+                        <a:buSzTx/>
+                        <a:buFontTx/>
+                        <a:buNone/>
+                        <a:tabLst/>
+                        <a:defRPr/>
+                      </a:pPr>
+                      <a:r>
+                        <a:rPr lang="en-US" sz="1800" kern="1200" dirty="0">
+                          <a:solidFill>
+                            <a:schemeClr val="dk1"/>
+                          </a:solidFill>
+                          <a:effectLst/>
+                          <a:latin typeface="+mn-lt"/>
+                          <a:ea typeface="+mn-ea"/>
+                          <a:cs typeface="+mn-cs"/>
+                        </a:rPr>
+                        <a:t>(2) NHPPPs – key properties</a:t>
+                      </a:r>
+                    </a:p>
+                  </a:txBody>
+                  <a:tcPr/>
+                </a:tc>
+                <a:tc>
+                  <a:txBody>
+                    <a:bodyPr/>
+                    <a:lstStyle/>
+                    <a:p>
+                      <a:r>
+                        <a:rPr lang="en-US" dirty="0" err="1"/>
+                        <a:t>Trikalinos</a:t>
+                      </a:r>
+                      <a:endParaRPr lang="en-US" dirty="0"/>
+                    </a:p>
+                  </a:txBody>
+                  <a:tcPr/>
+                </a:tc>
+                <a:extLst>
+                  <a:ext uri="{0D108BD9-81ED-4DB2-BD59-A6C34878D82A}">
+                    <a16:rowId xmlns:a16="http://schemas.microsoft.com/office/drawing/2014/main" val="2757944147"/>
+                  </a:ext>
+                </a:extLst>
+              </a:tr>
+              <a:tr h="370840">
+                <a:tc>
+                  <a:txBody>
+                    <a:bodyPr/>
+                    <a:lstStyle/>
+                    <a:p>
+                      <a:r>
+                        <a:rPr lang="en-US" dirty="0"/>
+                        <a:t>[30 min]</a:t>
+                      </a:r>
+                    </a:p>
+                  </a:txBody>
+                  <a:tcPr/>
+                </a:tc>
+                <a:tc>
+                  <a:txBody>
+                    <a:bodyPr/>
+                    <a:lstStyle/>
+                    <a:p>
+                      <a:r>
+                        <a:rPr lang="en-US" sz="1800" kern="1200" dirty="0">
+                          <a:solidFill>
+                            <a:schemeClr val="dk1"/>
+                          </a:solidFill>
+                          <a:effectLst/>
+                          <a:latin typeface="+mn-lt"/>
+                          <a:ea typeface="+mn-ea"/>
+                          <a:cs typeface="+mn-cs"/>
+                        </a:rPr>
+                        <a:t>(3) Sampling from NHPPPs</a:t>
+                      </a:r>
+                      <a:endParaRPr lang="en-US" dirty="0"/>
+                    </a:p>
+                  </a:txBody>
+                  <a:tcPr/>
+                </a:tc>
+                <a:tc>
+                  <a:txBody>
+                    <a:bodyPr/>
+                    <a:lstStyle/>
+                    <a:p>
+                      <a:r>
+                        <a:rPr lang="en-US" dirty="0" err="1"/>
+                        <a:t>Sereda</a:t>
+                      </a:r>
+                      <a:endParaRPr lang="en-US" dirty="0"/>
+                    </a:p>
+                  </a:txBody>
+                  <a:tcPr/>
+                </a:tc>
+                <a:extLst>
+                  <a:ext uri="{0D108BD9-81ED-4DB2-BD59-A6C34878D82A}">
+                    <a16:rowId xmlns:a16="http://schemas.microsoft.com/office/drawing/2014/main" val="1442363784"/>
+                  </a:ext>
+                </a:extLst>
+              </a:tr>
+              <a:tr h="370840">
+                <a:tc>
+                  <a:txBody>
+                    <a:bodyPr/>
+                    <a:lstStyle/>
+                    <a:p>
+                      <a:r>
+                        <a:rPr lang="en-US" dirty="0"/>
+                        <a:t>[15 min]</a:t>
+                      </a:r>
+                    </a:p>
+                  </a:txBody>
+                  <a:tcPr/>
+                </a:tc>
+                <a:tc>
+                  <a:txBody>
+                    <a:bodyPr/>
+                    <a:lstStyle/>
+                    <a:p>
+                      <a:pPr marL="0" marR="0" lvl="0" indent="0" algn="l" defTabSz="914400" rtl="0" eaLnBrk="1" fontAlgn="auto" latinLnBrk="0" hangingPunct="1">
+                        <a:lnSpc>
+                          <a:spcPct val="100000"/>
+                        </a:lnSpc>
+                        <a:spcBef>
+                          <a:spcPts val="0"/>
+                        </a:spcBef>
+                        <a:spcAft>
+                          <a:spcPts val="0"/>
+                        </a:spcAft>
+                        <a:buClrTx/>
+                        <a:buSzTx/>
+                        <a:buFontTx/>
+                        <a:buNone/>
+                        <a:tabLst/>
+                        <a:defRPr/>
+                      </a:pPr>
+                      <a:r>
+                        <a:rPr lang="en-US" b="1" dirty="0"/>
+                        <a:t>Break</a:t>
+                      </a:r>
+                    </a:p>
+                  </a:txBody>
+                  <a:tcPr/>
+                </a:tc>
+                <a:tc>
+                  <a:txBody>
+                    <a:bodyPr/>
+                    <a:lstStyle/>
+                    <a:p>
+                      <a:endParaRPr lang="en-US" dirty="0"/>
+                    </a:p>
+                  </a:txBody>
+                  <a:tcPr/>
+                </a:tc>
+                <a:extLst>
+                  <a:ext uri="{0D108BD9-81ED-4DB2-BD59-A6C34878D82A}">
+                    <a16:rowId xmlns:a16="http://schemas.microsoft.com/office/drawing/2014/main" val="1269228105"/>
+                  </a:ext>
+                </a:extLst>
+              </a:tr>
+              <a:tr h="370840">
+                <a:tc>
+                  <a:txBody>
+                    <a:bodyPr/>
+                    <a:lstStyle/>
+                    <a:p>
+                      <a:r>
+                        <a:rPr lang="en-US" dirty="0"/>
+                        <a:t>[80 min]</a:t>
+                      </a:r>
+                    </a:p>
+                  </a:txBody>
+                  <a:tcPr/>
+                </a:tc>
+                <a:tc>
+                  <a:txBody>
+                    <a:bodyPr/>
+                    <a:lstStyle/>
+                    <a:p>
+                      <a:r>
+                        <a:rPr lang="en-US" sz="1800" kern="1200" dirty="0">
+                          <a:solidFill>
+                            <a:schemeClr val="dk1"/>
+                          </a:solidFill>
+                          <a:effectLst/>
+                          <a:latin typeface="+mn-lt"/>
+                          <a:ea typeface="+mn-ea"/>
+                          <a:cs typeface="+mn-cs"/>
+                        </a:rPr>
+                        <a:t>(4) Guided exercise: </a:t>
+                      </a:r>
+                    </a:p>
+                    <a:p>
+                      <a:pPr marL="285750" indent="-285750">
+                        <a:buFontTx/>
+                        <a:buChar char="-"/>
+                      </a:pPr>
+                      <a:r>
+                        <a:rPr lang="en-US" sz="1800" kern="1200" dirty="0">
+                          <a:solidFill>
+                            <a:schemeClr val="dk1"/>
+                          </a:solidFill>
+                          <a:effectLst/>
+                          <a:latin typeface="+mn-lt"/>
+                          <a:ea typeface="+mn-ea"/>
+                          <a:cs typeface="+mn-cs"/>
+                        </a:rPr>
+                        <a:t>Implement a simple cancer natural history DES for one person</a:t>
+                      </a:r>
+                    </a:p>
+                    <a:p>
+                      <a:pPr marL="285750" indent="-285750">
+                        <a:buFontTx/>
+                        <a:buChar char="-"/>
+                      </a:pPr>
+                      <a:r>
+                        <a:rPr lang="en-US" sz="1800" kern="1200" dirty="0">
+                          <a:solidFill>
+                            <a:schemeClr val="dk1"/>
+                          </a:solidFill>
+                          <a:effectLst/>
+                          <a:latin typeface="+mn-lt"/>
+                          <a:ea typeface="+mn-ea"/>
+                          <a:cs typeface="+mn-cs"/>
+                        </a:rPr>
+                        <a:t>The many-person case</a:t>
+                      </a:r>
+                    </a:p>
+                    <a:p>
+                      <a:pPr marL="285750" indent="-285750">
+                        <a:buFontTx/>
+                        <a:buChar char="-"/>
+                      </a:pPr>
+                      <a:r>
+                        <a:rPr lang="en-US" sz="1800" kern="1200" dirty="0">
+                          <a:solidFill>
+                            <a:schemeClr val="dk1"/>
+                          </a:solidFill>
+                          <a:effectLst/>
+                          <a:latin typeface="+mn-lt"/>
+                          <a:ea typeface="+mn-ea"/>
+                          <a:cs typeface="+mn-cs"/>
+                        </a:rPr>
+                        <a:t>Packaging </a:t>
+                      </a:r>
+                    </a:p>
+                  </a:txBody>
+                  <a:tcPr/>
+                </a:tc>
+                <a:tc>
+                  <a:txBody>
+                    <a:bodyPr/>
+                    <a:lstStyle/>
+                    <a:p>
+                      <a:r>
+                        <a:rPr lang="en-US" dirty="0"/>
+                        <a:t>[All]</a:t>
+                      </a:r>
+                    </a:p>
+                    <a:p>
+                      <a:r>
+                        <a:rPr lang="en-US" dirty="0" err="1"/>
+                        <a:t>Chrysanthopoulou</a:t>
+                      </a:r>
+                      <a:endParaRPr lang="en-US" dirty="0"/>
+                    </a:p>
+                    <a:p>
+                      <a:endParaRPr lang="en-US" dirty="0"/>
+                    </a:p>
+                    <a:p>
+                      <a:r>
+                        <a:rPr lang="en-US" dirty="0" err="1"/>
+                        <a:t>Sereda</a:t>
+                      </a:r>
+                      <a:r>
+                        <a:rPr lang="en-US" dirty="0"/>
+                        <a:t>/</a:t>
+                      </a:r>
+                      <a:r>
+                        <a:rPr lang="en-US" dirty="0" err="1"/>
+                        <a:t>Alarid</a:t>
+                      </a:r>
+                      <a:r>
+                        <a:rPr lang="en-US" dirty="0"/>
+                        <a:t>-Escudero</a:t>
+                      </a:r>
+                    </a:p>
+                    <a:p>
+                      <a:r>
+                        <a:rPr lang="en-US" dirty="0" err="1"/>
+                        <a:t>Trikalinos</a:t>
+                      </a:r>
+                      <a:endParaRPr lang="en-US" dirty="0"/>
+                    </a:p>
+                  </a:txBody>
+                  <a:tcPr/>
+                </a:tc>
+                <a:extLst>
+                  <a:ext uri="{0D108BD9-81ED-4DB2-BD59-A6C34878D82A}">
+                    <a16:rowId xmlns:a16="http://schemas.microsoft.com/office/drawing/2014/main" val="1448491104"/>
+                  </a:ext>
+                </a:extLst>
+              </a:tr>
+              <a:tr h="370840">
+                <a:tc>
+                  <a:txBody>
+                    <a:bodyPr/>
+                    <a:lstStyle/>
+                    <a:p>
+                      <a:r>
+                        <a:rPr lang="en-US" dirty="0"/>
+                        <a:t>[10 min]</a:t>
+                      </a:r>
+                    </a:p>
+                  </a:txBody>
+                  <a:tcPr/>
+                </a:tc>
+                <a:tc>
+                  <a:txBody>
+                    <a:bodyPr/>
+                    <a:lstStyle/>
+                    <a:p>
+                      <a:pPr marL="0" marR="0" lvl="0" indent="0" algn="l" defTabSz="914400" rtl="0" eaLnBrk="1" fontAlgn="auto" latinLnBrk="0" hangingPunct="1">
+                        <a:lnSpc>
+                          <a:spcPct val="100000"/>
+                        </a:lnSpc>
+                        <a:spcBef>
+                          <a:spcPts val="0"/>
+                        </a:spcBef>
+                        <a:spcAft>
+                          <a:spcPts val="0"/>
+                        </a:spcAft>
+                        <a:buClrTx/>
+                        <a:buSzTx/>
+                        <a:buFontTx/>
+                        <a:buNone/>
+                        <a:tabLst/>
+                        <a:defRPr/>
+                      </a:pPr>
+                      <a:r>
+                        <a:rPr lang="en-US" sz="1800" kern="1200" dirty="0">
+                          <a:solidFill>
+                            <a:schemeClr val="dk1"/>
+                          </a:solidFill>
+                          <a:effectLst/>
+                          <a:latin typeface="+mn-lt"/>
+                          <a:ea typeface="+mn-ea"/>
+                          <a:cs typeface="+mn-cs"/>
+                        </a:rPr>
+                        <a:t>(5) Advanced Topic Teaser on self-excitatory processes: point processes that are not NHPPPs and when you may need them</a:t>
+                      </a:r>
+                    </a:p>
+                  </a:txBody>
+                  <a:tcPr/>
+                </a:tc>
+                <a:tc>
+                  <a:txBody>
+                    <a:bodyPr/>
+                    <a:lstStyle/>
+                    <a:p>
+                      <a:r>
+                        <a:rPr lang="en-US" dirty="0" err="1"/>
+                        <a:t>Trikalinos</a:t>
+                      </a:r>
+                      <a:endParaRPr lang="en-US" dirty="0"/>
+                    </a:p>
+                  </a:txBody>
+                  <a:tcPr/>
+                </a:tc>
+                <a:extLst>
+                  <a:ext uri="{0D108BD9-81ED-4DB2-BD59-A6C34878D82A}">
+                    <a16:rowId xmlns:a16="http://schemas.microsoft.com/office/drawing/2014/main" val="3766472740"/>
+                  </a:ext>
+                </a:extLst>
+              </a:tr>
+              <a:tr h="370840">
+                <a:tc>
+                  <a:txBody>
+                    <a:bodyPr/>
+                    <a:lstStyle/>
+                    <a:p>
+                      <a:r>
+                        <a:rPr lang="en-US" dirty="0"/>
+                        <a:t>[15 min]</a:t>
+                      </a:r>
+                    </a:p>
+                  </a:txBody>
+                  <a:tcPr/>
+                </a:tc>
+                <a:tc>
+                  <a:txBody>
+                    <a:bodyPr/>
+                    <a:lstStyle/>
+                    <a:p>
+                      <a:r>
+                        <a:rPr lang="en-US" dirty="0"/>
+                        <a:t>General Q &amp; A</a:t>
+                      </a:r>
+                    </a:p>
+                  </a:txBody>
+                  <a:tcPr/>
+                </a:tc>
+                <a:tc>
+                  <a:txBody>
+                    <a:bodyPr/>
+                    <a:lstStyle/>
+                    <a:p>
+                      <a:r>
+                        <a:rPr lang="en-US" dirty="0"/>
+                        <a:t>All</a:t>
+                      </a:r>
+                    </a:p>
+                  </a:txBody>
+                  <a:tcPr/>
+                </a:tc>
+                <a:extLst>
+                  <a:ext uri="{0D108BD9-81ED-4DB2-BD59-A6C34878D82A}">
+                    <a16:rowId xmlns:a16="http://schemas.microsoft.com/office/drawing/2014/main" val="3034331301"/>
+                  </a:ext>
+                </a:extLst>
+              </a:tr>
+            </a:tbl>
+          </a:graphicData>
+        </a:graphic>
+      </p:graphicFrame>
+      <p:sp>
+        <p:nvSpPr>
+          <p:cNvPr id="5" name="Right Arrow 4">
+            <a:extLst>
+              <a:ext uri="{FF2B5EF4-FFF2-40B4-BE49-F238E27FC236}">
+                <a16:creationId xmlns:a16="http://schemas.microsoft.com/office/drawing/2014/main" id="{68C45634-A874-B7E3-C11F-5C3696023CEC}"/>
+              </a:ext>
+            </a:extLst>
+          </p:cNvPr>
+          <p:cNvSpPr/>
+          <p:nvPr/>
+        </p:nvSpPr>
+        <p:spPr>
+          <a:xfrm>
+            <a:off x="189186" y="1671139"/>
+            <a:ext cx="914400" cy="420414"/>
+          </a:xfrm>
+          <a:prstGeom prst="rightArrow">
+            <a:avLst/>
+          </a:prstGeom>
+          <a:solidFill>
+            <a:srgbClr val="FF0000"/>
+          </a:solidFill>
+          <a:ln>
+            <a:noFill/>
+          </a:ln>
+          <a:effectLst/>
+        </p:spPr>
+        <p:style>
+          <a:lnRef idx="2">
+            <a:schemeClr val="accent1">
+              <a:shade val="15000"/>
+            </a:schemeClr>
+          </a:lnRef>
+          <a:fillRef idx="1">
+            <a:schemeClr val="accent1"/>
+          </a:fillRef>
+          <a:effectRef idx="0">
+            <a:schemeClr val="accent1"/>
+          </a:effectRef>
+          <a:fontRef idx="minor">
+            <a:schemeClr val="lt1"/>
+          </a:fontRef>
+        </p:style>
+        <p:txBody>
+          <a:bodyPr rtlCol="0" anchor="ctr"/>
           <a:lstStyle/>
           <a:p>
-            <a:r>
-              <a:rPr lang="en-US" dirty="0"/>
-              <a:t>Section 1: Big picture</a:t>
-            </a:r>
-          </a:p>
-        </p:txBody>
-      </p:sp>
-      <p:sp>
-        <p:nvSpPr>
-          <p:cNvPr id="3" name="Subtitle 2">
-            <a:extLst>
-              <a:ext uri="{FF2B5EF4-FFF2-40B4-BE49-F238E27FC236}">
-                <a16:creationId xmlns:a16="http://schemas.microsoft.com/office/drawing/2014/main" id="{0008BE15-D20D-3E7C-8C86-64BB11EB4851}"/>
-              </a:ext>
-            </a:extLst>
-          </p:cNvPr>
-          <p:cNvSpPr>
-            <a:spLocks noGrp="1"/>
-          </p:cNvSpPr>
-          <p:nvPr>
-            <p:ph type="subTitle" idx="1"/>
-          </p:nvPr>
-        </p:nvSpPr>
-        <p:spPr/>
-        <p:txBody>
-          <a:bodyPr/>
+            <a:pPr algn="ctr"/>
+            <a:endParaRPr lang="en-US"/>
+          </a:p>
+        </p:txBody>
+      </p:sp>
+      <p:sp>
+        <p:nvSpPr>
+          <p:cNvPr id="2" name="TextBox 1">
+            <a:extLst>
+              <a:ext uri="{FF2B5EF4-FFF2-40B4-BE49-F238E27FC236}">
+                <a16:creationId xmlns:a16="http://schemas.microsoft.com/office/drawing/2014/main" id="{B04BFB9E-F1AF-C1B9-A793-D2B5AAF73689}"/>
+              </a:ext>
+            </a:extLst>
+          </p:cNvPr>
+          <p:cNvSpPr txBox="1"/>
+          <p:nvPr/>
+        </p:nvSpPr>
+        <p:spPr>
+          <a:xfrm>
+            <a:off x="1208690" y="310250"/>
+            <a:ext cx="5017656" cy="461665"/>
+          </a:xfrm>
+          <a:prstGeom prst="rect">
+            <a:avLst/>
+          </a:prstGeom>
+          <a:noFill/>
+        </p:spPr>
+        <p:txBody>
+          <a:bodyPr wrap="none" rtlCol="0">
+            <a:spAutoFit/>
+          </a:bodyPr>
           <a:lstStyle/>
           <a:p>
-            <a:endParaRPr lang="en-US"/>
+            <a:r>
+              <a:rPr lang="en-US" sz="2400" dirty="0"/>
+              <a:t>Sunday 27</a:t>
+            </a:r>
+            <a:r>
+              <a:rPr lang="en-US" sz="2400" baseline="30000" dirty="0"/>
+              <a:t>th</a:t>
+            </a:r>
+            <a:r>
+              <a:rPr lang="en-US" sz="2400" dirty="0"/>
+              <a:t> of October 8:30 to 12:00</a:t>
+            </a:r>
           </a:p>
         </p:txBody>
       </p:sp>
     </p:spTree>
     <p:extLst>
       <p:ext uri="{BB962C8B-B14F-4D97-AF65-F5344CB8AC3E}">
-        <p14:creationId xmlns:p14="http://schemas.microsoft.com/office/powerpoint/2010/main" val="3585762051"/>
+        <p14:creationId xmlns:p14="http://schemas.microsoft.com/office/powerpoint/2010/main" val="2299049141"/>
       </p:ext>
     </p:extLst>
   </p:cSld>
@@ -3851,6 +4738,295 @@
 </file>
 
 <file path=ppt/slides/slide10.xml><?xml version="1.0" encoding="utf-8"?>
+<p:sld xmlns:a="http://schemas.openxmlformats.org/drawingml/2006/main" xmlns:r="http://schemas.openxmlformats.org/officeDocument/2006/relationships" xmlns:p="http://schemas.openxmlformats.org/presentationml/2006/main">
+  <p:cSld>
+    <p:spTree>
+      <p:nvGrpSpPr>
+        <p:cNvPr id="1" name="">
+          <a:extLst>
+            <a:ext uri="{FF2B5EF4-FFF2-40B4-BE49-F238E27FC236}">
+              <a16:creationId xmlns:a16="http://schemas.microsoft.com/office/drawing/2014/main" id="{F1EB297E-7934-2E3F-1DA3-1CADD4C9C468}"/>
+            </a:ext>
+          </a:extLst>
+        </p:cNvPr>
+        <p:cNvGrpSpPr/>
+        <p:nvPr/>
+      </p:nvGrpSpPr>
+      <p:grpSpPr>
+        <a:xfrm>
+          <a:off x="0" y="0"/>
+          <a:ext cx="0" cy="0"/>
+          <a:chOff x="0" y="0"/>
+          <a:chExt cx="0" cy="0"/>
+        </a:xfrm>
+      </p:grpSpPr>
+      <p:sp>
+        <p:nvSpPr>
+          <p:cNvPr id="2" name="Title 1">
+            <a:extLst>
+              <a:ext uri="{FF2B5EF4-FFF2-40B4-BE49-F238E27FC236}">
+                <a16:creationId xmlns:a16="http://schemas.microsoft.com/office/drawing/2014/main" id="{820AA2A9-4EC0-104B-6E38-D58D785D093F}"/>
+              </a:ext>
+            </a:extLst>
+          </p:cNvPr>
+          <p:cNvSpPr>
+            <a:spLocks noGrp="1"/>
+          </p:cNvSpPr>
+          <p:nvPr>
+            <p:ph type="title"/>
+          </p:nvPr>
+        </p:nvSpPr>
+        <p:spPr/>
+        <p:txBody>
+          <a:bodyPr/>
+          <a:lstStyle/>
+          <a:p>
+            <a:r>
+              <a:rPr lang="en-US" dirty="0"/>
+              <a:t>Graphical notation: Zero, one, or more events</a:t>
+            </a:r>
+          </a:p>
+        </p:txBody>
+      </p:sp>
+      <p:sp>
+        <p:nvSpPr>
+          <p:cNvPr id="10" name="Content Placeholder 9">
+            <a:extLst>
+              <a:ext uri="{FF2B5EF4-FFF2-40B4-BE49-F238E27FC236}">
+                <a16:creationId xmlns:a16="http://schemas.microsoft.com/office/drawing/2014/main" id="{BBF9BE2F-BAB1-0804-90F6-B5E6FE7F66DD}"/>
+              </a:ext>
+            </a:extLst>
+          </p:cNvPr>
+          <p:cNvSpPr>
+            <a:spLocks noGrp="1"/>
+          </p:cNvSpPr>
+          <p:nvPr>
+            <p:ph sz="half" idx="1"/>
+          </p:nvPr>
+        </p:nvSpPr>
+        <p:spPr/>
+        <p:txBody>
+          <a:bodyPr/>
+          <a:lstStyle/>
+          <a:p>
+            <a:pPr marL="0" indent="0">
+              <a:buNone/>
+            </a:pPr>
+            <a:r>
+              <a:rPr lang="en-US" dirty="0"/>
+              <a:t>Some events may happen zero, one or more times</a:t>
+            </a:r>
+            <a:r>
+              <a:rPr lang="en-US" b="1" dirty="0"/>
+              <a:t> </a:t>
+            </a:r>
+            <a:r>
+              <a:rPr lang="en-US" dirty="0"/>
+              <a:t>in the interval of interest.</a:t>
+            </a:r>
+          </a:p>
+          <a:p>
+            <a:pPr marL="0" indent="0">
+              <a:buNone/>
+            </a:pPr>
+            <a:r>
+              <a:rPr lang="en-US" dirty="0"/>
+              <a:t>Note, color blue.</a:t>
+            </a:r>
+          </a:p>
+          <a:p>
+            <a:pPr marL="0" indent="0">
+              <a:buNone/>
+            </a:pPr>
+            <a:r>
+              <a:rPr lang="en-US" dirty="0"/>
+              <a:t>Example:</a:t>
+            </a:r>
+          </a:p>
+          <a:p>
+            <a:r>
+              <a:rPr lang="en-US" dirty="0"/>
+              <a:t>Occurrence of lesions at 55 and 68 years</a:t>
+            </a:r>
+          </a:p>
+          <a:p>
+            <a:pPr marL="0" indent="0">
+              <a:buNone/>
+            </a:pPr>
+            <a:endParaRPr lang="en-US" dirty="0"/>
+          </a:p>
+          <a:p>
+            <a:pPr marL="0" indent="0">
+              <a:buNone/>
+            </a:pPr>
+            <a:endParaRPr lang="en-US" dirty="0"/>
+          </a:p>
+          <a:p>
+            <a:pPr marL="0" indent="0">
+              <a:buNone/>
+            </a:pPr>
+            <a:endParaRPr lang="en-US" dirty="0"/>
+          </a:p>
+          <a:p>
+            <a:pPr marL="0" indent="0">
+              <a:buNone/>
+            </a:pPr>
+            <a:endParaRPr lang="en-US" dirty="0"/>
+          </a:p>
+        </p:txBody>
+      </p:sp>
+      <p:pic>
+        <p:nvPicPr>
+          <p:cNvPr id="6" name="Content Placeholder 5">
+            <a:extLst>
+              <a:ext uri="{FF2B5EF4-FFF2-40B4-BE49-F238E27FC236}">
+                <a16:creationId xmlns:a16="http://schemas.microsoft.com/office/drawing/2014/main" id="{57AA3D46-2814-0C64-8277-270F84DEAD8C}"/>
+              </a:ext>
+            </a:extLst>
+          </p:cNvPr>
+          <p:cNvPicPr>
+            <a:picLocks noGrp="1" noChangeAspect="1"/>
+          </p:cNvPicPr>
+          <p:nvPr>
+            <p:ph sz="half" idx="2"/>
+          </p:nvPr>
+        </p:nvPicPr>
+        <p:blipFill>
+          <a:blip r:embed="rId2"/>
+          <a:stretch>
+            <a:fillRect/>
+          </a:stretch>
+        </p:blipFill>
+        <p:spPr>
+          <a:xfrm>
+            <a:off x="6477000" y="2629694"/>
+            <a:ext cx="4572000" cy="2743200"/>
+          </a:xfrm>
+        </p:spPr>
+      </p:pic>
+      <p:grpSp>
+        <p:nvGrpSpPr>
+          <p:cNvPr id="3" name="Group 2">
+            <a:extLst>
+              <a:ext uri="{FF2B5EF4-FFF2-40B4-BE49-F238E27FC236}">
+                <a16:creationId xmlns:a16="http://schemas.microsoft.com/office/drawing/2014/main" id="{A337A36B-281E-8EC0-EFC0-0BB0BAB60DF3}"/>
+              </a:ext>
+            </a:extLst>
+          </p:cNvPr>
+          <p:cNvGrpSpPr/>
+          <p:nvPr/>
+        </p:nvGrpSpPr>
+        <p:grpSpPr>
+          <a:xfrm>
+            <a:off x="10433223" y="1837025"/>
+            <a:ext cx="1682577" cy="1894716"/>
+            <a:chOff x="10433223" y="1837025"/>
+            <a:chExt cx="1682577" cy="1894716"/>
+          </a:xfrm>
+        </p:grpSpPr>
+        <p:sp>
+          <p:nvSpPr>
+            <p:cNvPr id="4" name="TextBox 3">
+              <a:extLst>
+                <a:ext uri="{FF2B5EF4-FFF2-40B4-BE49-F238E27FC236}">
+                  <a16:creationId xmlns:a16="http://schemas.microsoft.com/office/drawing/2014/main" id="{92E88864-11F2-2783-2461-617ADDA2D322}"/>
+                </a:ext>
+              </a:extLst>
+            </p:cNvPr>
+            <p:cNvSpPr txBox="1"/>
+            <p:nvPr/>
+          </p:nvSpPr>
+          <p:spPr>
+            <a:xfrm>
+              <a:off x="10433223" y="1837025"/>
+              <a:ext cx="1682577" cy="923330"/>
+            </a:xfrm>
+            <a:prstGeom prst="rect">
+              <a:avLst/>
+            </a:prstGeom>
+            <a:noFill/>
+          </p:spPr>
+          <p:txBody>
+            <a:bodyPr wrap="square" rtlCol="0">
+              <a:spAutoFit/>
+            </a:bodyPr>
+            <a:lstStyle/>
+            <a:p>
+              <a:r>
+                <a:rPr lang="en-US" i="1" dirty="0"/>
+                <a:t>time’s out, </a:t>
+              </a:r>
+              <a:r>
+                <a:rPr lang="en-US" b="1" i="1" dirty="0"/>
+                <a:t>no more events</a:t>
+              </a:r>
+              <a:r>
+                <a:rPr lang="en-US" i="1" dirty="0"/>
+                <a:t> realized</a:t>
+              </a:r>
+            </a:p>
+          </p:txBody>
+        </p:sp>
+        <p:cxnSp>
+          <p:nvCxnSpPr>
+            <p:cNvPr id="5" name="Straight Arrow Connector 4">
+              <a:extLst>
+                <a:ext uri="{FF2B5EF4-FFF2-40B4-BE49-F238E27FC236}">
+                  <a16:creationId xmlns:a16="http://schemas.microsoft.com/office/drawing/2014/main" id="{99CD4065-EDAB-1070-79CA-6F594233F03F}"/>
+                </a:ext>
+              </a:extLst>
+            </p:cNvPr>
+            <p:cNvCxnSpPr>
+              <a:cxnSpLocks/>
+              <a:stCxn id="4" idx="2"/>
+            </p:cNvCxnSpPr>
+            <p:nvPr/>
+          </p:nvCxnSpPr>
+          <p:spPr>
+            <a:xfrm flipH="1">
+              <a:off x="10836876" y="2760355"/>
+              <a:ext cx="437636" cy="971386"/>
+            </a:xfrm>
+            <a:prstGeom prst="straightConnector1">
+              <a:avLst/>
+            </a:prstGeom>
+            <a:ln w="12700">
+              <a:solidFill>
+                <a:schemeClr val="tx1"/>
+              </a:solidFill>
+              <a:tailEnd type="triangle"/>
+            </a:ln>
+          </p:spPr>
+          <p:style>
+            <a:lnRef idx="2">
+              <a:schemeClr val="accent1"/>
+            </a:lnRef>
+            <a:fillRef idx="0">
+              <a:schemeClr val="accent1"/>
+            </a:fillRef>
+            <a:effectRef idx="1">
+              <a:schemeClr val="accent1"/>
+            </a:effectRef>
+            <a:fontRef idx="minor">
+              <a:schemeClr val="tx1"/>
+            </a:fontRef>
+          </p:style>
+        </p:cxnSp>
+      </p:grpSp>
+    </p:spTree>
+    <p:extLst>
+      <p:ext uri="{BB962C8B-B14F-4D97-AF65-F5344CB8AC3E}">
+        <p14:creationId xmlns:p14="http://schemas.microsoft.com/office/powerpoint/2010/main" val="1701159781"/>
+      </p:ext>
+    </p:extLst>
+  </p:cSld>
+  <p:clrMapOvr>
+    <a:masterClrMapping/>
+  </p:clrMapOvr>
+</p:sld>
+</file>
+
+<file path=ppt/slides/slide11.xml><?xml version="1.0" encoding="utf-8"?>
 <p:sld xmlns:a="http://schemas.openxmlformats.org/drawingml/2006/main" xmlns:r="http://schemas.openxmlformats.org/officeDocument/2006/relationships" xmlns:p="http://schemas.openxmlformats.org/presentationml/2006/main">
   <p:cSld>
     <p:spTree>
@@ -3921,8 +5097,14 @@
             </a:pPr>
             <a:r>
               <a:rPr lang="en-US" dirty="0"/>
-              <a:t>In chained event processes, the subsequent event starts after the preceding event obtains. </a:t>
-            </a:r>
+              <a:t>For chained processes, the next one starts once the preceding one realizes an event. </a:t>
+            </a:r>
+          </a:p>
+          <a:p>
+            <a:pPr marL="0" indent="0">
+              <a:buNone/>
+            </a:pPr>
+            <a:endParaRPr lang="en-US" dirty="0"/>
           </a:p>
           <a:p>
             <a:pPr marL="0" indent="0">
@@ -3970,6 +5152,41 @@
           </a:xfrm>
         </p:spPr>
       </p:pic>
+      <p:sp>
+        <p:nvSpPr>
+          <p:cNvPr id="4" name="TextBox 3">
+            <a:extLst>
+              <a:ext uri="{FF2B5EF4-FFF2-40B4-BE49-F238E27FC236}">
+                <a16:creationId xmlns:a16="http://schemas.microsoft.com/office/drawing/2014/main" id="{7044C304-AB1B-C500-CAE5-528D9F0CE411}"/>
+              </a:ext>
+            </a:extLst>
+          </p:cNvPr>
+          <p:cNvSpPr txBox="1"/>
+          <p:nvPr/>
+        </p:nvSpPr>
+        <p:spPr>
+          <a:xfrm>
+            <a:off x="7648702" y="1825625"/>
+            <a:ext cx="2228595" cy="646331"/>
+          </a:xfrm>
+          <a:prstGeom prst="rect">
+            <a:avLst/>
+          </a:prstGeom>
+          <a:noFill/>
+        </p:spPr>
+        <p:txBody>
+          <a:bodyPr wrap="square" rtlCol="0">
+            <a:spAutoFit/>
+          </a:bodyPr>
+          <a:lstStyle/>
+          <a:p>
+            <a:r>
+              <a:rPr lang="en-US" i="1" dirty="0"/>
+              <a:t>imagine simulating the first row first, etc.</a:t>
+            </a:r>
+          </a:p>
+        </p:txBody>
+      </p:sp>
     </p:spTree>
     <p:extLst>
       <p:ext uri="{BB962C8B-B14F-4D97-AF65-F5344CB8AC3E}">
@@ -3983,7 +5200,7 @@
 </p:sld>
 </file>
 
-<file path=ppt/slides/slide11.xml><?xml version="1.0" encoding="utf-8"?>
+<file path=ppt/slides/slide12.xml><?xml version="1.0" encoding="utf-8"?>
 <p:sld xmlns:a="http://schemas.openxmlformats.org/drawingml/2006/main" xmlns:r="http://schemas.openxmlformats.org/officeDocument/2006/relationships" xmlns:p="http://schemas.openxmlformats.org/presentationml/2006/main">
   <p:cSld>
     <p:spTree>
@@ -4130,7 +5347,7 @@
 </p:sld>
 </file>
 
-<file path=ppt/slides/slide12.xml><?xml version="1.0" encoding="utf-8"?>
+<file path=ppt/slides/slide13.xml><?xml version="1.0" encoding="utf-8"?>
 <p:sld xmlns:a="http://schemas.openxmlformats.org/drawingml/2006/main" xmlns:r="http://schemas.openxmlformats.org/officeDocument/2006/relationships" xmlns:p="http://schemas.openxmlformats.org/presentationml/2006/main">
   <p:cSld>
     <p:spTree>
@@ -4260,7 +5477,7 @@
 </p:sld>
 </file>
 
-<file path=ppt/slides/slide13.xml><?xml version="1.0" encoding="utf-8"?>
+<file path=ppt/slides/slide14.xml><?xml version="1.0" encoding="utf-8"?>
 <p:sld xmlns:a="http://schemas.openxmlformats.org/drawingml/2006/main" xmlns:r="http://schemas.openxmlformats.org/officeDocument/2006/relationships" xmlns:p="http://schemas.openxmlformats.org/presentationml/2006/main">
   <p:cSld>
     <p:spTree>
@@ -4375,122 +5592,6 @@
 </p:sld>
 </file>
 
-<file path=ppt/slides/slide14.xml><?xml version="1.0" encoding="utf-8"?>
-<p:sld xmlns:a="http://schemas.openxmlformats.org/drawingml/2006/main" xmlns:r="http://schemas.openxmlformats.org/officeDocument/2006/relationships" xmlns:p="http://schemas.openxmlformats.org/presentationml/2006/main">
-  <p:cSld>
-    <p:spTree>
-      <p:nvGrpSpPr>
-        <p:cNvPr id="1" name=""/>
-        <p:cNvGrpSpPr/>
-        <p:nvPr/>
-      </p:nvGrpSpPr>
-      <p:grpSpPr>
-        <a:xfrm>
-          <a:off x="0" y="0"/>
-          <a:ext cx="0" cy="0"/>
-          <a:chOff x="0" y="0"/>
-          <a:chExt cx="0" cy="0"/>
-        </a:xfrm>
-      </p:grpSpPr>
-      <p:sp>
-        <p:nvSpPr>
-          <p:cNvPr id="2" name="Title 1">
-            <a:extLst>
-              <a:ext uri="{FF2B5EF4-FFF2-40B4-BE49-F238E27FC236}">
-                <a16:creationId xmlns:a16="http://schemas.microsoft.com/office/drawing/2014/main" id="{17518B30-E4C4-CE58-F558-99297DBAFC71}"/>
-              </a:ext>
-            </a:extLst>
-          </p:cNvPr>
-          <p:cNvSpPr>
-            <a:spLocks noGrp="1"/>
-          </p:cNvSpPr>
-          <p:nvPr>
-            <p:ph type="title"/>
-          </p:nvPr>
-        </p:nvSpPr>
-        <p:spPr/>
-        <p:txBody>
-          <a:bodyPr/>
-          <a:lstStyle/>
-          <a:p>
-            <a:r>
-              <a:rPr lang="en-US" dirty="0"/>
-              <a:t>The two examples side by side</a:t>
-            </a:r>
-          </a:p>
-        </p:txBody>
-      </p:sp>
-      <p:pic>
-        <p:nvPicPr>
-          <p:cNvPr id="6" name="Content Placeholder 5">
-            <a:extLst>
-              <a:ext uri="{FF2B5EF4-FFF2-40B4-BE49-F238E27FC236}">
-                <a16:creationId xmlns:a16="http://schemas.microsoft.com/office/drawing/2014/main" id="{0BAFF29B-C820-7AA6-F61F-6160780017D1}"/>
-              </a:ext>
-            </a:extLst>
-          </p:cNvPr>
-          <p:cNvPicPr>
-            <a:picLocks noGrp="1" noChangeAspect="1"/>
-          </p:cNvPicPr>
-          <p:nvPr>
-            <p:ph sz="half" idx="1"/>
-          </p:nvPr>
-        </p:nvPicPr>
-        <p:blipFill>
-          <a:blip r:embed="rId2"/>
-          <a:stretch>
-            <a:fillRect/>
-          </a:stretch>
-        </p:blipFill>
-        <p:spPr>
-          <a:xfrm>
-            <a:off x="1143000" y="2629694"/>
-            <a:ext cx="4572000" cy="2743200"/>
-          </a:xfrm>
-        </p:spPr>
-      </p:pic>
-      <p:pic>
-        <p:nvPicPr>
-          <p:cNvPr id="8" name="Content Placeholder 7">
-            <a:extLst>
-              <a:ext uri="{FF2B5EF4-FFF2-40B4-BE49-F238E27FC236}">
-                <a16:creationId xmlns:a16="http://schemas.microsoft.com/office/drawing/2014/main" id="{E72D00ED-FDEC-AA6A-1382-969813062FCA}"/>
-              </a:ext>
-            </a:extLst>
-          </p:cNvPr>
-          <p:cNvPicPr>
-            <a:picLocks noGrp="1" noChangeAspect="1"/>
-          </p:cNvPicPr>
-          <p:nvPr>
-            <p:ph sz="half" idx="2"/>
-          </p:nvPr>
-        </p:nvPicPr>
-        <p:blipFill>
-          <a:blip r:embed="rId3"/>
-          <a:stretch>
-            <a:fillRect/>
-          </a:stretch>
-        </p:blipFill>
-        <p:spPr>
-          <a:xfrm>
-            <a:off x="6477000" y="2629694"/>
-            <a:ext cx="4572000" cy="2743200"/>
-          </a:xfrm>
-        </p:spPr>
-      </p:pic>
-    </p:spTree>
-    <p:extLst>
-      <p:ext uri="{BB962C8B-B14F-4D97-AF65-F5344CB8AC3E}">
-        <p14:creationId xmlns:p14="http://schemas.microsoft.com/office/powerpoint/2010/main" val="4219316544"/>
-      </p:ext>
-    </p:extLst>
-  </p:cSld>
-  <p:clrMapOvr>
-    <a:masterClrMapping/>
-  </p:clrMapOvr>
-</p:sld>
-</file>
-
 <file path=ppt/slides/slide15.xml><?xml version="1.0" encoding="utf-8"?>
 <p:sld xmlns:a="http://schemas.openxmlformats.org/drawingml/2006/main" xmlns:r="http://schemas.openxmlformats.org/officeDocument/2006/relationships" xmlns:p="http://schemas.openxmlformats.org/presentationml/2006/main">
   <p:cSld>
@@ -4513,7 +5614,7 @@
           <p:cNvPr id="2" name="Title 1">
             <a:extLst>
               <a:ext uri="{FF2B5EF4-FFF2-40B4-BE49-F238E27FC236}">
-                <a16:creationId xmlns:a16="http://schemas.microsoft.com/office/drawing/2014/main" id="{36774EAF-FD6E-8984-C211-47F60330F8BC}"/>
+                <a16:creationId xmlns:a16="http://schemas.microsoft.com/office/drawing/2014/main" id="{17518B30-E4C4-CE58-F558-99297DBAFC71}"/>
               </a:ext>
             </a:extLst>
           </p:cNvPr>
@@ -4531,7 +5632,7 @@
           <a:p>
             <a:r>
               <a:rPr lang="en-US" dirty="0"/>
-              <a:t>Cancer death: what at-risk interval was chosen? </a:t>
+              <a:t>The two examples side by side</a:t>
             </a:r>
           </a:p>
         </p:txBody>
@@ -4541,7 +5642,7 @@
           <p:cNvPr id="6" name="Content Placeholder 5">
             <a:extLst>
               <a:ext uri="{FF2B5EF4-FFF2-40B4-BE49-F238E27FC236}">
-                <a16:creationId xmlns:a16="http://schemas.microsoft.com/office/drawing/2014/main" id="{A080E578-B65A-85BD-8A0B-3900913A34C5}"/>
+                <a16:creationId xmlns:a16="http://schemas.microsoft.com/office/drawing/2014/main" id="{0BAFF29B-C820-7AA6-F61F-6160780017D1}"/>
               </a:ext>
             </a:extLst>
           </p:cNvPr>
@@ -4553,7 +5654,7 @@
           </p:nvPr>
         </p:nvPicPr>
         <p:blipFill>
-          <a:blip r:embed="rId2"/>
+          <a:blip r:embed="rId3"/>
           <a:stretch>
             <a:fillRect/>
           </a:stretch>
@@ -4570,7 +5671,7 @@
           <p:cNvPr id="8" name="Content Placeholder 7">
             <a:extLst>
               <a:ext uri="{FF2B5EF4-FFF2-40B4-BE49-F238E27FC236}">
-                <a16:creationId xmlns:a16="http://schemas.microsoft.com/office/drawing/2014/main" id="{11E0F75B-3F2F-2429-14B8-0DA3BC1DDB85}"/>
+                <a16:creationId xmlns:a16="http://schemas.microsoft.com/office/drawing/2014/main" id="{E72D00ED-FDEC-AA6A-1382-969813062FCA}"/>
               </a:ext>
             </a:extLst>
           </p:cNvPr>
@@ -4582,7 +5683,7 @@
           </p:nvPr>
         </p:nvPicPr>
         <p:blipFill>
-          <a:blip r:embed="rId3"/>
+          <a:blip r:embed="rId4"/>
           <a:stretch>
             <a:fillRect/>
           </a:stretch>
@@ -4597,7 +5698,7 @@
     </p:spTree>
     <p:extLst>
       <p:ext uri="{BB962C8B-B14F-4D97-AF65-F5344CB8AC3E}">
-        <p14:creationId xmlns:p14="http://schemas.microsoft.com/office/powerpoint/2010/main" val="3640450252"/>
+        <p14:creationId xmlns:p14="http://schemas.microsoft.com/office/powerpoint/2010/main" val="4219316544"/>
       </p:ext>
     </p:extLst>
   </p:cSld>
@@ -4626,6 +5727,122 @@
       </p:grpSpPr>
       <p:sp>
         <p:nvSpPr>
+          <p:cNvPr id="2" name="Title 1">
+            <a:extLst>
+              <a:ext uri="{FF2B5EF4-FFF2-40B4-BE49-F238E27FC236}">
+                <a16:creationId xmlns:a16="http://schemas.microsoft.com/office/drawing/2014/main" id="{36774EAF-FD6E-8984-C211-47F60330F8BC}"/>
+              </a:ext>
+            </a:extLst>
+          </p:cNvPr>
+          <p:cNvSpPr>
+            <a:spLocks noGrp="1"/>
+          </p:cNvSpPr>
+          <p:nvPr>
+            <p:ph type="title"/>
+          </p:nvPr>
+        </p:nvSpPr>
+        <p:spPr/>
+        <p:txBody>
+          <a:bodyPr/>
+          <a:lstStyle/>
+          <a:p>
+            <a:r>
+              <a:rPr lang="en-US" dirty="0"/>
+              <a:t>Cancer death: what at-risk interval was chosen? </a:t>
+            </a:r>
+          </a:p>
+        </p:txBody>
+      </p:sp>
+      <p:pic>
+        <p:nvPicPr>
+          <p:cNvPr id="6" name="Content Placeholder 5">
+            <a:extLst>
+              <a:ext uri="{FF2B5EF4-FFF2-40B4-BE49-F238E27FC236}">
+                <a16:creationId xmlns:a16="http://schemas.microsoft.com/office/drawing/2014/main" id="{A080E578-B65A-85BD-8A0B-3900913A34C5}"/>
+              </a:ext>
+            </a:extLst>
+          </p:cNvPr>
+          <p:cNvPicPr>
+            <a:picLocks noGrp="1" noChangeAspect="1"/>
+          </p:cNvPicPr>
+          <p:nvPr>
+            <p:ph sz="half" idx="1"/>
+          </p:nvPr>
+        </p:nvPicPr>
+        <p:blipFill>
+          <a:blip r:embed="rId3"/>
+          <a:stretch>
+            <a:fillRect/>
+          </a:stretch>
+        </p:blipFill>
+        <p:spPr>
+          <a:xfrm>
+            <a:off x="1143000" y="2629694"/>
+            <a:ext cx="4572000" cy="2743200"/>
+          </a:xfrm>
+        </p:spPr>
+      </p:pic>
+      <p:pic>
+        <p:nvPicPr>
+          <p:cNvPr id="8" name="Content Placeholder 7">
+            <a:extLst>
+              <a:ext uri="{FF2B5EF4-FFF2-40B4-BE49-F238E27FC236}">
+                <a16:creationId xmlns:a16="http://schemas.microsoft.com/office/drawing/2014/main" id="{11E0F75B-3F2F-2429-14B8-0DA3BC1DDB85}"/>
+              </a:ext>
+            </a:extLst>
+          </p:cNvPr>
+          <p:cNvPicPr>
+            <a:picLocks noGrp="1" noChangeAspect="1"/>
+          </p:cNvPicPr>
+          <p:nvPr>
+            <p:ph sz="half" idx="2"/>
+          </p:nvPr>
+        </p:nvPicPr>
+        <p:blipFill>
+          <a:blip r:embed="rId4"/>
+          <a:stretch>
+            <a:fillRect/>
+          </a:stretch>
+        </p:blipFill>
+        <p:spPr>
+          <a:xfrm>
+            <a:off x="6477000" y="2629694"/>
+            <a:ext cx="4572000" cy="2743200"/>
+          </a:xfrm>
+        </p:spPr>
+      </p:pic>
+    </p:spTree>
+    <p:extLst>
+      <p:ext uri="{BB962C8B-B14F-4D97-AF65-F5344CB8AC3E}">
+        <p14:creationId xmlns:p14="http://schemas.microsoft.com/office/powerpoint/2010/main" val="3640450252"/>
+      </p:ext>
+    </p:extLst>
+  </p:cSld>
+  <p:clrMapOvr>
+    <a:masterClrMapping/>
+  </p:clrMapOvr>
+</p:sld>
+</file>
+
+<file path=ppt/slides/slide17.xml><?xml version="1.0" encoding="utf-8"?>
+<p:sld xmlns:a="http://schemas.openxmlformats.org/drawingml/2006/main" xmlns:r="http://schemas.openxmlformats.org/officeDocument/2006/relationships" xmlns:p="http://schemas.openxmlformats.org/presentationml/2006/main">
+  <p:cSld>
+    <p:spTree>
+      <p:nvGrpSpPr>
+        <p:cNvPr id="1" name=""/>
+        <p:cNvGrpSpPr/>
+        <p:nvPr/>
+      </p:nvGrpSpPr>
+      <p:grpSpPr>
+        <a:xfrm>
+          <a:off x="0" y="0"/>
+          <a:ext cx="0" cy="0"/>
+          <a:chOff x="0" y="0"/>
+          <a:chExt cx="0" cy="0"/>
+        </a:xfrm>
+      </p:grpSpPr>
+      <p:sp>
+        <p:nvSpPr>
           <p:cNvPr id="5" name="Title 4">
             <a:extLst>
               <a:ext uri="{FF2B5EF4-FFF2-40B4-BE49-F238E27FC236}">
@@ -4690,7 +5907,7 @@
 </p:sld>
 </file>
 
-<file path=ppt/slides/slide17.xml><?xml version="1.0" encoding="utf-8"?>
+<file path=ppt/slides/slide18.xml><?xml version="1.0" encoding="utf-8"?>
 <p:sld xmlns:a="http://schemas.openxmlformats.org/drawingml/2006/main" xmlns:r="http://schemas.openxmlformats.org/officeDocument/2006/relationships" xmlns:p="http://schemas.openxmlformats.org/presentationml/2006/main">
   <p:cSld>
     <p:spTree>
@@ -4817,7 +6034,7 @@
 </p:sld>
 </file>
 
-<file path=ppt/slides/slide18.xml><?xml version="1.0" encoding="utf-8"?>
+<file path=ppt/slides/slide19.xml><?xml version="1.0" encoding="utf-8"?>
 <p:sld xmlns:a="http://schemas.openxmlformats.org/drawingml/2006/main" xmlns:r="http://schemas.openxmlformats.org/officeDocument/2006/relationships" xmlns:p="http://schemas.openxmlformats.org/presentationml/2006/main">
   <p:cSld>
     <p:spTree>
@@ -5038,89 +6255,6 @@
 </p:sld>
 </file>
 
-<file path=ppt/slides/slide19.xml><?xml version="1.0" encoding="utf-8"?>
-<p:sld xmlns:a="http://schemas.openxmlformats.org/drawingml/2006/main" xmlns:r="http://schemas.openxmlformats.org/officeDocument/2006/relationships" xmlns:p="http://schemas.openxmlformats.org/presentationml/2006/main">
-  <p:cSld>
-    <p:spTree>
-      <p:nvGrpSpPr>
-        <p:cNvPr id="1" name=""/>
-        <p:cNvGrpSpPr/>
-        <p:nvPr/>
-      </p:nvGrpSpPr>
-      <p:grpSpPr>
-        <a:xfrm>
-          <a:off x="0" y="0"/>
-          <a:ext cx="0" cy="0"/>
-          <a:chOff x="0" y="0"/>
-          <a:chExt cx="0" cy="0"/>
-        </a:xfrm>
-      </p:grpSpPr>
-      <p:sp>
-        <p:nvSpPr>
-          <p:cNvPr id="5" name="Title 4">
-            <a:extLst>
-              <a:ext uri="{FF2B5EF4-FFF2-40B4-BE49-F238E27FC236}">
-                <a16:creationId xmlns:a16="http://schemas.microsoft.com/office/drawing/2014/main" id="{796990F9-E363-D941-494E-B7E531C22F07}"/>
-              </a:ext>
-            </a:extLst>
-          </p:cNvPr>
-          <p:cNvSpPr>
-            <a:spLocks noGrp="1"/>
-          </p:cNvSpPr>
-          <p:nvPr>
-            <p:ph type="title"/>
-          </p:nvPr>
-        </p:nvSpPr>
-        <p:spPr/>
-        <p:txBody>
-          <a:bodyPr/>
-          <a:lstStyle/>
-          <a:p>
-            <a:r>
-              <a:rPr lang="en-US" dirty="0"/>
-              <a:t>MAYBE SHOW A “PROFESSIONAL” MODEL</a:t>
-            </a:r>
-          </a:p>
-        </p:txBody>
-      </p:sp>
-      <p:sp>
-        <p:nvSpPr>
-          <p:cNvPr id="6" name="Text Placeholder 5">
-            <a:extLst>
-              <a:ext uri="{FF2B5EF4-FFF2-40B4-BE49-F238E27FC236}">
-                <a16:creationId xmlns:a16="http://schemas.microsoft.com/office/drawing/2014/main" id="{FE89C125-A9D8-3355-FC50-EB8EEFBE5D43}"/>
-              </a:ext>
-            </a:extLst>
-          </p:cNvPr>
-          <p:cNvSpPr>
-            <a:spLocks noGrp="1"/>
-          </p:cNvSpPr>
-          <p:nvPr>
-            <p:ph type="body" idx="1"/>
-          </p:nvPr>
-        </p:nvSpPr>
-        <p:spPr/>
-        <p:txBody>
-          <a:bodyPr/>
-          <a:lstStyle/>
-          <a:p>
-            <a:endParaRPr lang="en-US"/>
-          </a:p>
-        </p:txBody>
-      </p:sp>
-    </p:spTree>
-    <p:extLst>
-      <p:ext uri="{BB962C8B-B14F-4D97-AF65-F5344CB8AC3E}">
-        <p14:creationId xmlns:p14="http://schemas.microsoft.com/office/powerpoint/2010/main" val="3937908619"/>
-      </p:ext>
-    </p:extLst>
-  </p:cSld>
-  <p:clrMapOvr>
-    <a:masterClrMapping/>
-  </p:clrMapOvr>
-</p:sld>
-</file>
-
 <file path=ppt/slides/slide2.xml><?xml version="1.0" encoding="utf-8"?>
 <p:sld xmlns:a="http://schemas.openxmlformats.org/drawingml/2006/main" xmlns:r="http://schemas.openxmlformats.org/officeDocument/2006/relationships" xmlns:p="http://schemas.openxmlformats.org/presentationml/2006/main">
   <p:cSld>
@@ -5143,7 +6277,7 @@
           <p:cNvPr id="2" name="Title 1">
             <a:extLst>
               <a:ext uri="{FF2B5EF4-FFF2-40B4-BE49-F238E27FC236}">
-                <a16:creationId xmlns:a16="http://schemas.microsoft.com/office/drawing/2014/main" id="{329DDCB9-AA7F-8556-0A70-95522FB4833A}"/>
+                <a16:creationId xmlns:a16="http://schemas.microsoft.com/office/drawing/2014/main" id="{AE911888-4659-FF99-A69A-6AF8166101D8}"/>
               </a:ext>
             </a:extLst>
           </p:cNvPr>
@@ -5151,7 +6285,7 @@
             <a:spLocks noGrp="1"/>
           </p:cNvSpPr>
           <p:nvPr>
-            <p:ph type="title"/>
+            <p:ph type="ctrTitle"/>
           </p:nvPr>
         </p:nvSpPr>
         <p:spPr/>
@@ -5161,17 +6295,17 @@
           <a:p>
             <a:r>
               <a:rPr lang="en-US" dirty="0"/>
-              <a:t>MAYBE ADD AN INTOR SLIDE ?</a:t>
-            </a:r>
-          </a:p>
-        </p:txBody>
-      </p:sp>
-      <p:sp>
-        <p:nvSpPr>
-          <p:cNvPr id="3" name="Content Placeholder 2">
-            <a:extLst>
-              <a:ext uri="{FF2B5EF4-FFF2-40B4-BE49-F238E27FC236}">
-                <a16:creationId xmlns:a16="http://schemas.microsoft.com/office/drawing/2014/main" id="{7DDC0E91-9F4C-9BB3-865C-2D396587D910}"/>
+              <a:t>Section 1: Big picture</a:t>
+            </a:r>
+          </a:p>
+        </p:txBody>
+      </p:sp>
+      <p:sp>
+        <p:nvSpPr>
+          <p:cNvPr id="3" name="Subtitle 2">
+            <a:extLst>
+              <a:ext uri="{FF2B5EF4-FFF2-40B4-BE49-F238E27FC236}">
+                <a16:creationId xmlns:a16="http://schemas.microsoft.com/office/drawing/2014/main" id="{0008BE15-D20D-3E7C-8C86-64BB11EB4851}"/>
               </a:ext>
             </a:extLst>
           </p:cNvPr>
@@ -5179,7 +6313,7 @@
             <a:spLocks noGrp="1"/>
           </p:cNvSpPr>
           <p:nvPr>
-            <p:ph idx="1"/>
+            <p:ph type="subTitle" idx="1"/>
           </p:nvPr>
         </p:nvSpPr>
         <p:spPr/>
@@ -5194,7 +6328,7 @@
     </p:spTree>
     <p:extLst>
       <p:ext uri="{BB962C8B-B14F-4D97-AF65-F5344CB8AC3E}">
-        <p14:creationId xmlns:p14="http://schemas.microsoft.com/office/powerpoint/2010/main" val="3983415488"/>
+        <p14:creationId xmlns:p14="http://schemas.microsoft.com/office/powerpoint/2010/main" val="3585762051"/>
       </p:ext>
     </p:extLst>
   </p:cSld>
@@ -5223,6 +6357,89 @@
       </p:grpSpPr>
       <p:sp>
         <p:nvSpPr>
+          <p:cNvPr id="5" name="Title 4">
+            <a:extLst>
+              <a:ext uri="{FF2B5EF4-FFF2-40B4-BE49-F238E27FC236}">
+                <a16:creationId xmlns:a16="http://schemas.microsoft.com/office/drawing/2014/main" id="{796990F9-E363-D941-494E-B7E531C22F07}"/>
+              </a:ext>
+            </a:extLst>
+          </p:cNvPr>
+          <p:cNvSpPr>
+            <a:spLocks noGrp="1"/>
+          </p:cNvSpPr>
+          <p:nvPr>
+            <p:ph type="title"/>
+          </p:nvPr>
+        </p:nvSpPr>
+        <p:spPr/>
+        <p:txBody>
+          <a:bodyPr/>
+          <a:lstStyle/>
+          <a:p>
+            <a:r>
+              <a:rPr lang="en-US" dirty="0"/>
+              <a:t>MAYBE SHOW A “PROFESSIONAL” MODEL</a:t>
+            </a:r>
+          </a:p>
+        </p:txBody>
+      </p:sp>
+      <p:sp>
+        <p:nvSpPr>
+          <p:cNvPr id="6" name="Text Placeholder 5">
+            <a:extLst>
+              <a:ext uri="{FF2B5EF4-FFF2-40B4-BE49-F238E27FC236}">
+                <a16:creationId xmlns:a16="http://schemas.microsoft.com/office/drawing/2014/main" id="{FE89C125-A9D8-3355-FC50-EB8EEFBE5D43}"/>
+              </a:ext>
+            </a:extLst>
+          </p:cNvPr>
+          <p:cNvSpPr>
+            <a:spLocks noGrp="1"/>
+          </p:cNvSpPr>
+          <p:nvPr>
+            <p:ph type="body" idx="1"/>
+          </p:nvPr>
+        </p:nvSpPr>
+        <p:spPr/>
+        <p:txBody>
+          <a:bodyPr/>
+          <a:lstStyle/>
+          <a:p>
+            <a:endParaRPr lang="en-US"/>
+          </a:p>
+        </p:txBody>
+      </p:sp>
+    </p:spTree>
+    <p:extLst>
+      <p:ext uri="{BB962C8B-B14F-4D97-AF65-F5344CB8AC3E}">
+        <p14:creationId xmlns:p14="http://schemas.microsoft.com/office/powerpoint/2010/main" val="3937908619"/>
+      </p:ext>
+    </p:extLst>
+  </p:cSld>
+  <p:clrMapOvr>
+    <a:masterClrMapping/>
+  </p:clrMapOvr>
+</p:sld>
+</file>
+
+<file path=ppt/slides/slide21.xml><?xml version="1.0" encoding="utf-8"?>
+<p:sld xmlns:a="http://schemas.openxmlformats.org/drawingml/2006/main" xmlns:r="http://schemas.openxmlformats.org/officeDocument/2006/relationships" xmlns:p="http://schemas.openxmlformats.org/presentationml/2006/main">
+  <p:cSld>
+    <p:spTree>
+      <p:nvGrpSpPr>
+        <p:cNvPr id="1" name=""/>
+        <p:cNvGrpSpPr/>
+        <p:nvPr/>
+      </p:nvGrpSpPr>
+      <p:grpSpPr>
+        <a:xfrm>
+          <a:off x="0" y="0"/>
+          <a:ext cx="0" cy="0"/>
+          <a:chOff x="0" y="0"/>
+          <a:chExt cx="0" cy="0"/>
+        </a:xfrm>
+      </p:grpSpPr>
+      <p:sp>
+        <p:nvSpPr>
           <p:cNvPr id="2" name="Title 1">
             <a:extLst>
               <a:ext uri="{FF2B5EF4-FFF2-40B4-BE49-F238E27FC236}">
@@ -5262,7 +6479,915 @@
 </p:sld>
 </file>
 
+<file path=ppt/slides/slide22.xml><?xml version="1.0" encoding="utf-8"?>
+<p:sld xmlns:a="http://schemas.openxmlformats.org/drawingml/2006/main" xmlns:r="http://schemas.openxmlformats.org/officeDocument/2006/relationships" xmlns:p="http://schemas.openxmlformats.org/presentationml/2006/main">
+  <p:cSld>
+    <p:spTree>
+      <p:nvGrpSpPr>
+        <p:cNvPr id="1" name="">
+          <a:extLst>
+            <a:ext uri="{FF2B5EF4-FFF2-40B4-BE49-F238E27FC236}">
+              <a16:creationId xmlns:a16="http://schemas.microsoft.com/office/drawing/2014/main" id="{6E106633-18DA-650C-940F-CC5669AAD226}"/>
+            </a:ext>
+          </a:extLst>
+        </p:cNvPr>
+        <p:cNvGrpSpPr/>
+        <p:nvPr/>
+      </p:nvGrpSpPr>
+      <p:grpSpPr>
+        <a:xfrm>
+          <a:off x="0" y="0"/>
+          <a:ext cx="0" cy="0"/>
+          <a:chOff x="0" y="0"/>
+          <a:chExt cx="0" cy="0"/>
+        </a:xfrm>
+      </p:grpSpPr>
+      <p:graphicFrame>
+        <p:nvGraphicFramePr>
+          <p:cNvPr id="4" name="Content Placeholder 3">
+            <a:extLst>
+              <a:ext uri="{FF2B5EF4-FFF2-40B4-BE49-F238E27FC236}">
+                <a16:creationId xmlns:a16="http://schemas.microsoft.com/office/drawing/2014/main" id="{655314A2-2BED-36EA-B4B2-DECEE9EBBB31}"/>
+              </a:ext>
+            </a:extLst>
+          </p:cNvPr>
+          <p:cNvGraphicFramePr>
+            <a:graphicFrameLocks noGrp="1"/>
+          </p:cNvGraphicFramePr>
+          <p:nvPr>
+            <p:ph idx="1"/>
+          </p:nvPr>
+        </p:nvGraphicFramePr>
+        <p:xfrm>
+          <a:off x="1208690" y="942340"/>
+          <a:ext cx="10720551" cy="4973320"/>
+        </p:xfrm>
+        <a:graphic>
+          <a:graphicData uri="http://schemas.openxmlformats.org/drawingml/2006/table">
+            <a:tbl>
+              <a:tblPr firstRow="1" bandRow="1">
+                <a:tableStyleId>{21E4AEA4-8DFA-4A89-87EB-49C32662AFE0}</a:tableStyleId>
+              </a:tblPr>
+              <a:tblGrid>
+                <a:gridCol w="1717110">
+                  <a:extLst>
+                    <a:ext uri="{9D8B030D-6E8A-4147-A177-3AD203B41FA5}">
+                      <a16:colId xmlns:a16="http://schemas.microsoft.com/office/drawing/2014/main" val="4182014441"/>
+                    </a:ext>
+                  </a:extLst>
+                </a:gridCol>
+                <a:gridCol w="5976462">
+                  <a:extLst>
+                    <a:ext uri="{9D8B030D-6E8A-4147-A177-3AD203B41FA5}">
+                      <a16:colId xmlns:a16="http://schemas.microsoft.com/office/drawing/2014/main" val="906180283"/>
+                    </a:ext>
+                  </a:extLst>
+                </a:gridCol>
+                <a:gridCol w="3026979">
+                  <a:extLst>
+                    <a:ext uri="{9D8B030D-6E8A-4147-A177-3AD203B41FA5}">
+                      <a16:colId xmlns:a16="http://schemas.microsoft.com/office/drawing/2014/main" val="2769721792"/>
+                    </a:ext>
+                  </a:extLst>
+                </a:gridCol>
+              </a:tblGrid>
+              <a:tr h="370840">
+                <a:tc>
+                  <a:txBody>
+                    <a:bodyPr/>
+                    <a:lstStyle/>
+                    <a:p>
+                      <a:r>
+                        <a:rPr lang="en-US" dirty="0"/>
+                        <a:t>Time</a:t>
+                      </a:r>
+                    </a:p>
+                  </a:txBody>
+                  <a:tcPr/>
+                </a:tc>
+                <a:tc>
+                  <a:txBody>
+                    <a:bodyPr/>
+                    <a:lstStyle/>
+                    <a:p>
+                      <a:r>
+                        <a:rPr lang="en-US" dirty="0"/>
+                        <a:t>Description</a:t>
+                      </a:r>
+                    </a:p>
+                  </a:txBody>
+                  <a:tcPr/>
+                </a:tc>
+                <a:tc>
+                  <a:txBody>
+                    <a:bodyPr/>
+                    <a:lstStyle/>
+                    <a:p>
+                      <a:r>
+                        <a:rPr lang="en-US" dirty="0"/>
+                        <a:t>Discussant</a:t>
+                      </a:r>
+                    </a:p>
+                  </a:txBody>
+                  <a:tcPr/>
+                </a:tc>
+                <a:extLst>
+                  <a:ext uri="{0D108BD9-81ED-4DB2-BD59-A6C34878D82A}">
+                    <a16:rowId xmlns:a16="http://schemas.microsoft.com/office/drawing/2014/main" val="1700444250"/>
+                  </a:ext>
+                </a:extLst>
+              </a:tr>
+              <a:tr h="370840">
+                <a:tc>
+                  <a:txBody>
+                    <a:bodyPr/>
+                    <a:lstStyle/>
+                    <a:p>
+                      <a:r>
+                        <a:rPr lang="en-US" dirty="0"/>
+                        <a:t>[15 min]</a:t>
+                      </a:r>
+                    </a:p>
+                  </a:txBody>
+                  <a:tcPr/>
+                </a:tc>
+                <a:tc>
+                  <a:txBody>
+                    <a:bodyPr/>
+                    <a:lstStyle/>
+                    <a:p>
+                      <a:r>
+                        <a:rPr lang="en-US" sz="1800" kern="1200" dirty="0">
+                          <a:solidFill>
+                            <a:schemeClr val="dk1"/>
+                          </a:solidFill>
+                          <a:effectLst/>
+                          <a:latin typeface="+mn-lt"/>
+                          <a:ea typeface="+mn-ea"/>
+                          <a:cs typeface="+mn-cs"/>
+                        </a:rPr>
+                        <a:t>(0) Introductions and administrivia </a:t>
+                      </a:r>
+                      <a:endParaRPr lang="en-US" dirty="0"/>
+                    </a:p>
+                  </a:txBody>
+                  <a:tcPr/>
+                </a:tc>
+                <a:tc>
+                  <a:txBody>
+                    <a:bodyPr/>
+                    <a:lstStyle/>
+                    <a:p>
+                      <a:r>
+                        <a:rPr lang="en-US" dirty="0" err="1"/>
+                        <a:t>Trikalinos</a:t>
+                      </a:r>
+                      <a:endParaRPr lang="en-US" dirty="0"/>
+                    </a:p>
+                  </a:txBody>
+                  <a:tcPr/>
+                </a:tc>
+                <a:extLst>
+                  <a:ext uri="{0D108BD9-81ED-4DB2-BD59-A6C34878D82A}">
+                    <a16:rowId xmlns:a16="http://schemas.microsoft.com/office/drawing/2014/main" val="2490995723"/>
+                  </a:ext>
+                </a:extLst>
+              </a:tr>
+              <a:tr h="370840">
+                <a:tc>
+                  <a:txBody>
+                    <a:bodyPr/>
+                    <a:lstStyle/>
+                    <a:p>
+                      <a:r>
+                        <a:rPr lang="en-US" dirty="0"/>
+                        <a:t>[25 min]</a:t>
+                      </a:r>
+                    </a:p>
+                  </a:txBody>
+                  <a:tcPr/>
+                </a:tc>
+                <a:tc>
+                  <a:txBody>
+                    <a:bodyPr/>
+                    <a:lstStyle/>
+                    <a:p>
+                      <a:r>
+                        <a:rPr lang="en-US" sz="1800" kern="1200" dirty="0">
+                          <a:solidFill>
+                            <a:schemeClr val="dk1"/>
+                          </a:solidFill>
+                          <a:effectLst/>
+                          <a:latin typeface="+mn-lt"/>
+                          <a:ea typeface="+mn-ea"/>
+                          <a:cs typeface="+mn-cs"/>
+                        </a:rPr>
+                        <a:t>(1) DES as a composition of point processes</a:t>
+                      </a:r>
+                    </a:p>
+                  </a:txBody>
+                  <a:tcPr/>
+                </a:tc>
+                <a:tc>
+                  <a:txBody>
+                    <a:bodyPr/>
+                    <a:lstStyle/>
+                    <a:p>
+                      <a:r>
+                        <a:rPr lang="en-US" dirty="0" err="1"/>
+                        <a:t>Alarid</a:t>
+                      </a:r>
+                      <a:r>
+                        <a:rPr lang="en-US" dirty="0"/>
+                        <a:t>-Escudero</a:t>
+                      </a:r>
+                    </a:p>
+                  </a:txBody>
+                  <a:tcPr/>
+                </a:tc>
+                <a:extLst>
+                  <a:ext uri="{0D108BD9-81ED-4DB2-BD59-A6C34878D82A}">
+                    <a16:rowId xmlns:a16="http://schemas.microsoft.com/office/drawing/2014/main" val="2065491183"/>
+                  </a:ext>
+                </a:extLst>
+              </a:tr>
+              <a:tr h="370840">
+                <a:tc>
+                  <a:txBody>
+                    <a:bodyPr/>
+                    <a:lstStyle/>
+                    <a:p>
+                      <a:r>
+                        <a:rPr lang="en-US" dirty="0"/>
+                        <a:t>[30 min]</a:t>
+                      </a:r>
+                    </a:p>
+                  </a:txBody>
+                  <a:tcPr/>
+                </a:tc>
+                <a:tc>
+                  <a:txBody>
+                    <a:bodyPr/>
+                    <a:lstStyle/>
+                    <a:p>
+                      <a:pPr marL="0" marR="0" lvl="0" indent="0" algn="l" defTabSz="914400" rtl="0" eaLnBrk="1" fontAlgn="auto" latinLnBrk="0" hangingPunct="1">
+                        <a:lnSpc>
+                          <a:spcPct val="100000"/>
+                        </a:lnSpc>
+                        <a:spcBef>
+                          <a:spcPts val="0"/>
+                        </a:spcBef>
+                        <a:spcAft>
+                          <a:spcPts val="0"/>
+                        </a:spcAft>
+                        <a:buClrTx/>
+                        <a:buSzTx/>
+                        <a:buFontTx/>
+                        <a:buNone/>
+                        <a:tabLst/>
+                        <a:defRPr/>
+                      </a:pPr>
+                      <a:r>
+                        <a:rPr lang="en-US" sz="1800" kern="1200" dirty="0">
+                          <a:solidFill>
+                            <a:schemeClr val="dk1"/>
+                          </a:solidFill>
+                          <a:effectLst/>
+                          <a:latin typeface="+mn-lt"/>
+                          <a:ea typeface="+mn-ea"/>
+                          <a:cs typeface="+mn-cs"/>
+                        </a:rPr>
+                        <a:t>(2) NHPPPs – key properties</a:t>
+                      </a:r>
+                    </a:p>
+                  </a:txBody>
+                  <a:tcPr/>
+                </a:tc>
+                <a:tc>
+                  <a:txBody>
+                    <a:bodyPr/>
+                    <a:lstStyle/>
+                    <a:p>
+                      <a:r>
+                        <a:rPr lang="en-US" dirty="0" err="1"/>
+                        <a:t>Trikalinos</a:t>
+                      </a:r>
+                      <a:endParaRPr lang="en-US" dirty="0"/>
+                    </a:p>
+                  </a:txBody>
+                  <a:tcPr/>
+                </a:tc>
+                <a:extLst>
+                  <a:ext uri="{0D108BD9-81ED-4DB2-BD59-A6C34878D82A}">
+                    <a16:rowId xmlns:a16="http://schemas.microsoft.com/office/drawing/2014/main" val="2757944147"/>
+                  </a:ext>
+                </a:extLst>
+              </a:tr>
+              <a:tr h="370840">
+                <a:tc>
+                  <a:txBody>
+                    <a:bodyPr/>
+                    <a:lstStyle/>
+                    <a:p>
+                      <a:r>
+                        <a:rPr lang="en-US" dirty="0"/>
+                        <a:t>[30 min]</a:t>
+                      </a:r>
+                    </a:p>
+                  </a:txBody>
+                  <a:tcPr/>
+                </a:tc>
+                <a:tc>
+                  <a:txBody>
+                    <a:bodyPr/>
+                    <a:lstStyle/>
+                    <a:p>
+                      <a:r>
+                        <a:rPr lang="en-US" sz="1800" kern="1200" dirty="0">
+                          <a:solidFill>
+                            <a:schemeClr val="dk1"/>
+                          </a:solidFill>
+                          <a:effectLst/>
+                          <a:latin typeface="+mn-lt"/>
+                          <a:ea typeface="+mn-ea"/>
+                          <a:cs typeface="+mn-cs"/>
+                        </a:rPr>
+                        <a:t>(3) Sampling from NHPPPs</a:t>
+                      </a:r>
+                      <a:endParaRPr lang="en-US" dirty="0"/>
+                    </a:p>
+                  </a:txBody>
+                  <a:tcPr/>
+                </a:tc>
+                <a:tc>
+                  <a:txBody>
+                    <a:bodyPr/>
+                    <a:lstStyle/>
+                    <a:p>
+                      <a:r>
+                        <a:rPr lang="en-US" dirty="0" err="1"/>
+                        <a:t>Sereda</a:t>
+                      </a:r>
+                      <a:endParaRPr lang="en-US" dirty="0"/>
+                    </a:p>
+                  </a:txBody>
+                  <a:tcPr/>
+                </a:tc>
+                <a:extLst>
+                  <a:ext uri="{0D108BD9-81ED-4DB2-BD59-A6C34878D82A}">
+                    <a16:rowId xmlns:a16="http://schemas.microsoft.com/office/drawing/2014/main" val="1442363784"/>
+                  </a:ext>
+                </a:extLst>
+              </a:tr>
+              <a:tr h="370840">
+                <a:tc>
+                  <a:txBody>
+                    <a:bodyPr/>
+                    <a:lstStyle/>
+                    <a:p>
+                      <a:r>
+                        <a:rPr lang="en-US" dirty="0"/>
+                        <a:t>[15 min]</a:t>
+                      </a:r>
+                    </a:p>
+                  </a:txBody>
+                  <a:tcPr/>
+                </a:tc>
+                <a:tc>
+                  <a:txBody>
+                    <a:bodyPr/>
+                    <a:lstStyle/>
+                    <a:p>
+                      <a:pPr marL="0" marR="0" lvl="0" indent="0" algn="l" defTabSz="914400" rtl="0" eaLnBrk="1" fontAlgn="auto" latinLnBrk="0" hangingPunct="1">
+                        <a:lnSpc>
+                          <a:spcPct val="100000"/>
+                        </a:lnSpc>
+                        <a:spcBef>
+                          <a:spcPts val="0"/>
+                        </a:spcBef>
+                        <a:spcAft>
+                          <a:spcPts val="0"/>
+                        </a:spcAft>
+                        <a:buClrTx/>
+                        <a:buSzTx/>
+                        <a:buFontTx/>
+                        <a:buNone/>
+                        <a:tabLst/>
+                        <a:defRPr/>
+                      </a:pPr>
+                      <a:r>
+                        <a:rPr lang="en-US" b="1" dirty="0"/>
+                        <a:t>Break</a:t>
+                      </a:r>
+                    </a:p>
+                  </a:txBody>
+                  <a:tcPr/>
+                </a:tc>
+                <a:tc>
+                  <a:txBody>
+                    <a:bodyPr/>
+                    <a:lstStyle/>
+                    <a:p>
+                      <a:endParaRPr lang="en-US" dirty="0"/>
+                    </a:p>
+                  </a:txBody>
+                  <a:tcPr/>
+                </a:tc>
+                <a:extLst>
+                  <a:ext uri="{0D108BD9-81ED-4DB2-BD59-A6C34878D82A}">
+                    <a16:rowId xmlns:a16="http://schemas.microsoft.com/office/drawing/2014/main" val="1269228105"/>
+                  </a:ext>
+                </a:extLst>
+              </a:tr>
+              <a:tr h="370840">
+                <a:tc>
+                  <a:txBody>
+                    <a:bodyPr/>
+                    <a:lstStyle/>
+                    <a:p>
+                      <a:r>
+                        <a:rPr lang="en-US" dirty="0"/>
+                        <a:t>[80 min]</a:t>
+                      </a:r>
+                    </a:p>
+                  </a:txBody>
+                  <a:tcPr/>
+                </a:tc>
+                <a:tc>
+                  <a:txBody>
+                    <a:bodyPr/>
+                    <a:lstStyle/>
+                    <a:p>
+                      <a:r>
+                        <a:rPr lang="en-US" sz="1800" kern="1200" dirty="0">
+                          <a:solidFill>
+                            <a:schemeClr val="dk1"/>
+                          </a:solidFill>
+                          <a:effectLst/>
+                          <a:latin typeface="+mn-lt"/>
+                          <a:ea typeface="+mn-ea"/>
+                          <a:cs typeface="+mn-cs"/>
+                        </a:rPr>
+                        <a:t>(4) Guided exercise: </a:t>
+                      </a:r>
+                    </a:p>
+                    <a:p>
+                      <a:pPr marL="285750" indent="-285750">
+                        <a:buFontTx/>
+                        <a:buChar char="-"/>
+                      </a:pPr>
+                      <a:r>
+                        <a:rPr lang="en-US" sz="1800" kern="1200" dirty="0">
+                          <a:solidFill>
+                            <a:schemeClr val="dk1"/>
+                          </a:solidFill>
+                          <a:effectLst/>
+                          <a:latin typeface="+mn-lt"/>
+                          <a:ea typeface="+mn-ea"/>
+                          <a:cs typeface="+mn-cs"/>
+                        </a:rPr>
+                        <a:t>Implement a simple cancer natural history DES for one person</a:t>
+                      </a:r>
+                    </a:p>
+                    <a:p>
+                      <a:pPr marL="285750" indent="-285750">
+                        <a:buFontTx/>
+                        <a:buChar char="-"/>
+                      </a:pPr>
+                      <a:r>
+                        <a:rPr lang="en-US" sz="1800" kern="1200" dirty="0">
+                          <a:solidFill>
+                            <a:schemeClr val="dk1"/>
+                          </a:solidFill>
+                          <a:effectLst/>
+                          <a:latin typeface="+mn-lt"/>
+                          <a:ea typeface="+mn-ea"/>
+                          <a:cs typeface="+mn-cs"/>
+                        </a:rPr>
+                        <a:t>The many-person case</a:t>
+                      </a:r>
+                    </a:p>
+                    <a:p>
+                      <a:pPr marL="285750" indent="-285750">
+                        <a:buFontTx/>
+                        <a:buChar char="-"/>
+                      </a:pPr>
+                      <a:r>
+                        <a:rPr lang="en-US" sz="1800" kern="1200" dirty="0">
+                          <a:solidFill>
+                            <a:schemeClr val="dk1"/>
+                          </a:solidFill>
+                          <a:effectLst/>
+                          <a:latin typeface="+mn-lt"/>
+                          <a:ea typeface="+mn-ea"/>
+                          <a:cs typeface="+mn-cs"/>
+                        </a:rPr>
+                        <a:t>Packaging </a:t>
+                      </a:r>
+                    </a:p>
+                  </a:txBody>
+                  <a:tcPr/>
+                </a:tc>
+                <a:tc>
+                  <a:txBody>
+                    <a:bodyPr/>
+                    <a:lstStyle/>
+                    <a:p>
+                      <a:r>
+                        <a:rPr lang="en-US" dirty="0"/>
+                        <a:t>[All]</a:t>
+                      </a:r>
+                    </a:p>
+                    <a:p>
+                      <a:r>
+                        <a:rPr lang="en-US" dirty="0" err="1"/>
+                        <a:t>Chrysanthopoulou</a:t>
+                      </a:r>
+                      <a:endParaRPr lang="en-US" dirty="0"/>
+                    </a:p>
+                    <a:p>
+                      <a:endParaRPr lang="en-US" dirty="0"/>
+                    </a:p>
+                    <a:p>
+                      <a:r>
+                        <a:rPr lang="en-US" dirty="0" err="1"/>
+                        <a:t>Sereda</a:t>
+                      </a:r>
+                      <a:r>
+                        <a:rPr lang="en-US" dirty="0"/>
+                        <a:t>/</a:t>
+                      </a:r>
+                      <a:r>
+                        <a:rPr lang="en-US" dirty="0" err="1"/>
+                        <a:t>Alarid</a:t>
+                      </a:r>
+                      <a:r>
+                        <a:rPr lang="en-US" dirty="0"/>
+                        <a:t>-Escudero</a:t>
+                      </a:r>
+                    </a:p>
+                    <a:p>
+                      <a:r>
+                        <a:rPr lang="en-US" dirty="0" err="1"/>
+                        <a:t>Trikalinos</a:t>
+                      </a:r>
+                      <a:endParaRPr lang="en-US" dirty="0"/>
+                    </a:p>
+                  </a:txBody>
+                  <a:tcPr/>
+                </a:tc>
+                <a:extLst>
+                  <a:ext uri="{0D108BD9-81ED-4DB2-BD59-A6C34878D82A}">
+                    <a16:rowId xmlns:a16="http://schemas.microsoft.com/office/drawing/2014/main" val="1448491104"/>
+                  </a:ext>
+                </a:extLst>
+              </a:tr>
+              <a:tr h="370840">
+                <a:tc>
+                  <a:txBody>
+                    <a:bodyPr/>
+                    <a:lstStyle/>
+                    <a:p>
+                      <a:r>
+                        <a:rPr lang="en-US" dirty="0"/>
+                        <a:t>[10 min]</a:t>
+                      </a:r>
+                    </a:p>
+                  </a:txBody>
+                  <a:tcPr/>
+                </a:tc>
+                <a:tc>
+                  <a:txBody>
+                    <a:bodyPr/>
+                    <a:lstStyle/>
+                    <a:p>
+                      <a:pPr marL="0" marR="0" lvl="0" indent="0" algn="l" defTabSz="914400" rtl="0" eaLnBrk="1" fontAlgn="auto" latinLnBrk="0" hangingPunct="1">
+                        <a:lnSpc>
+                          <a:spcPct val="100000"/>
+                        </a:lnSpc>
+                        <a:spcBef>
+                          <a:spcPts val="0"/>
+                        </a:spcBef>
+                        <a:spcAft>
+                          <a:spcPts val="0"/>
+                        </a:spcAft>
+                        <a:buClrTx/>
+                        <a:buSzTx/>
+                        <a:buFontTx/>
+                        <a:buNone/>
+                        <a:tabLst/>
+                        <a:defRPr/>
+                      </a:pPr>
+                      <a:r>
+                        <a:rPr lang="en-US" sz="1800" kern="1200" dirty="0">
+                          <a:solidFill>
+                            <a:schemeClr val="dk1"/>
+                          </a:solidFill>
+                          <a:effectLst/>
+                          <a:latin typeface="+mn-lt"/>
+                          <a:ea typeface="+mn-ea"/>
+                          <a:cs typeface="+mn-cs"/>
+                        </a:rPr>
+                        <a:t>(5) Advanced Topic Teaser on self-excitatory processes: point processes that are not NHPPPs and when you may need them</a:t>
+                      </a:r>
+                    </a:p>
+                  </a:txBody>
+                  <a:tcPr/>
+                </a:tc>
+                <a:tc>
+                  <a:txBody>
+                    <a:bodyPr/>
+                    <a:lstStyle/>
+                    <a:p>
+                      <a:r>
+                        <a:rPr lang="en-US" dirty="0" err="1"/>
+                        <a:t>Trikalinos</a:t>
+                      </a:r>
+                      <a:endParaRPr lang="en-US" dirty="0"/>
+                    </a:p>
+                  </a:txBody>
+                  <a:tcPr/>
+                </a:tc>
+                <a:extLst>
+                  <a:ext uri="{0D108BD9-81ED-4DB2-BD59-A6C34878D82A}">
+                    <a16:rowId xmlns:a16="http://schemas.microsoft.com/office/drawing/2014/main" val="3766472740"/>
+                  </a:ext>
+                </a:extLst>
+              </a:tr>
+              <a:tr h="370840">
+                <a:tc>
+                  <a:txBody>
+                    <a:bodyPr/>
+                    <a:lstStyle/>
+                    <a:p>
+                      <a:r>
+                        <a:rPr lang="en-US" dirty="0"/>
+                        <a:t>[15 min]</a:t>
+                      </a:r>
+                    </a:p>
+                  </a:txBody>
+                  <a:tcPr/>
+                </a:tc>
+                <a:tc>
+                  <a:txBody>
+                    <a:bodyPr/>
+                    <a:lstStyle/>
+                    <a:p>
+                      <a:r>
+                        <a:rPr lang="en-US" dirty="0"/>
+                        <a:t>General Q &amp; A</a:t>
+                      </a:r>
+                    </a:p>
+                  </a:txBody>
+                  <a:tcPr/>
+                </a:tc>
+                <a:tc>
+                  <a:txBody>
+                    <a:bodyPr/>
+                    <a:lstStyle/>
+                    <a:p>
+                      <a:r>
+                        <a:rPr lang="en-US" dirty="0"/>
+                        <a:t>All</a:t>
+                      </a:r>
+                    </a:p>
+                  </a:txBody>
+                  <a:tcPr/>
+                </a:tc>
+                <a:extLst>
+                  <a:ext uri="{0D108BD9-81ED-4DB2-BD59-A6C34878D82A}">
+                    <a16:rowId xmlns:a16="http://schemas.microsoft.com/office/drawing/2014/main" val="3034331301"/>
+                  </a:ext>
+                </a:extLst>
+              </a:tr>
+            </a:tbl>
+          </a:graphicData>
+        </a:graphic>
+      </p:graphicFrame>
+      <p:sp>
+        <p:nvSpPr>
+          <p:cNvPr id="5" name="Right Arrow 4">
+            <a:extLst>
+              <a:ext uri="{FF2B5EF4-FFF2-40B4-BE49-F238E27FC236}">
+                <a16:creationId xmlns:a16="http://schemas.microsoft.com/office/drawing/2014/main" id="{ADF1176E-1AF6-B643-CB0C-12EB99035CC4}"/>
+              </a:ext>
+            </a:extLst>
+          </p:cNvPr>
+          <p:cNvSpPr/>
+          <p:nvPr/>
+        </p:nvSpPr>
+        <p:spPr>
+          <a:xfrm>
+            <a:off x="189186" y="2036895"/>
+            <a:ext cx="914400" cy="420414"/>
+          </a:xfrm>
+          <a:prstGeom prst="rightArrow">
+            <a:avLst/>
+          </a:prstGeom>
+          <a:solidFill>
+            <a:srgbClr val="FF0000"/>
+          </a:solidFill>
+          <a:ln>
+            <a:noFill/>
+          </a:ln>
+          <a:effectLst/>
+        </p:spPr>
+        <p:style>
+          <a:lnRef idx="2">
+            <a:schemeClr val="accent1">
+              <a:shade val="15000"/>
+            </a:schemeClr>
+          </a:lnRef>
+          <a:fillRef idx="1">
+            <a:schemeClr val="accent1"/>
+          </a:fillRef>
+          <a:effectRef idx="0">
+            <a:schemeClr val="accent1"/>
+          </a:effectRef>
+          <a:fontRef idx="minor">
+            <a:schemeClr val="lt1"/>
+          </a:fontRef>
+        </p:style>
+        <p:txBody>
+          <a:bodyPr rtlCol="0" anchor="ctr"/>
+          <a:lstStyle/>
+          <a:p>
+            <a:pPr algn="ctr"/>
+            <a:endParaRPr lang="en-US"/>
+          </a:p>
+        </p:txBody>
+      </p:sp>
+      <p:sp>
+        <p:nvSpPr>
+          <p:cNvPr id="2" name="TextBox 1">
+            <a:extLst>
+              <a:ext uri="{FF2B5EF4-FFF2-40B4-BE49-F238E27FC236}">
+                <a16:creationId xmlns:a16="http://schemas.microsoft.com/office/drawing/2014/main" id="{696FB621-0F70-DF5F-7F7A-719FEC9269B6}"/>
+              </a:ext>
+            </a:extLst>
+          </p:cNvPr>
+          <p:cNvSpPr txBox="1"/>
+          <p:nvPr/>
+        </p:nvSpPr>
+        <p:spPr>
+          <a:xfrm>
+            <a:off x="1208690" y="310250"/>
+            <a:ext cx="5017656" cy="461665"/>
+          </a:xfrm>
+          <a:prstGeom prst="rect">
+            <a:avLst/>
+          </a:prstGeom>
+          <a:noFill/>
+        </p:spPr>
+        <p:txBody>
+          <a:bodyPr wrap="none" rtlCol="0">
+            <a:spAutoFit/>
+          </a:bodyPr>
+          <a:lstStyle/>
+          <a:p>
+            <a:r>
+              <a:rPr lang="en-US" sz="2400" dirty="0"/>
+              <a:t>Sunday 27</a:t>
+            </a:r>
+            <a:r>
+              <a:rPr lang="en-US" sz="2400" baseline="30000" dirty="0"/>
+              <a:t>th</a:t>
+            </a:r>
+            <a:r>
+              <a:rPr lang="en-US" sz="2400" dirty="0"/>
+              <a:t> of October 8:30 to 12:00</a:t>
+            </a:r>
+          </a:p>
+        </p:txBody>
+      </p:sp>
+    </p:spTree>
+    <p:extLst>
+      <p:ext uri="{BB962C8B-B14F-4D97-AF65-F5344CB8AC3E}">
+        <p14:creationId xmlns:p14="http://schemas.microsoft.com/office/powerpoint/2010/main" val="1654626187"/>
+      </p:ext>
+    </p:extLst>
+  </p:cSld>
+  <p:clrMapOvr>
+    <a:masterClrMapping/>
+  </p:clrMapOvr>
+</p:sld>
+</file>
+
 <file path=ppt/slides/slide3.xml><?xml version="1.0" encoding="utf-8"?>
+<p:sld xmlns:a="http://schemas.openxmlformats.org/drawingml/2006/main" xmlns:r="http://schemas.openxmlformats.org/officeDocument/2006/relationships" xmlns:p="http://schemas.openxmlformats.org/presentationml/2006/main">
+  <p:cSld>
+    <p:spTree>
+      <p:nvGrpSpPr>
+        <p:cNvPr id="1" name=""/>
+        <p:cNvGrpSpPr/>
+        <p:nvPr/>
+      </p:nvGrpSpPr>
+      <p:grpSpPr>
+        <a:xfrm>
+          <a:off x="0" y="0"/>
+          <a:ext cx="0" cy="0"/>
+          <a:chOff x="0" y="0"/>
+          <a:chExt cx="0" cy="0"/>
+        </a:xfrm>
+      </p:grpSpPr>
+      <p:sp>
+        <p:nvSpPr>
+          <p:cNvPr id="2" name="Title 1">
+            <a:extLst>
+              <a:ext uri="{FF2B5EF4-FFF2-40B4-BE49-F238E27FC236}">
+                <a16:creationId xmlns:a16="http://schemas.microsoft.com/office/drawing/2014/main" id="{329DDCB9-AA7F-8556-0A70-95522FB4833A}"/>
+              </a:ext>
+            </a:extLst>
+          </p:cNvPr>
+          <p:cNvSpPr>
+            <a:spLocks noGrp="1"/>
+          </p:cNvSpPr>
+          <p:nvPr>
+            <p:ph type="title"/>
+          </p:nvPr>
+        </p:nvSpPr>
+        <p:spPr/>
+        <p:txBody>
+          <a:bodyPr/>
+          <a:lstStyle/>
+          <a:p>
+            <a:r>
+              <a:rPr lang="en-US" dirty="0"/>
+              <a:t>MAYBE ADD AN INTOR SLIDE ?</a:t>
+            </a:r>
+          </a:p>
+        </p:txBody>
+      </p:sp>
+      <p:sp>
+        <p:nvSpPr>
+          <p:cNvPr id="3" name="Content Placeholder 2">
+            <a:extLst>
+              <a:ext uri="{FF2B5EF4-FFF2-40B4-BE49-F238E27FC236}">
+                <a16:creationId xmlns:a16="http://schemas.microsoft.com/office/drawing/2014/main" id="{7DDC0E91-9F4C-9BB3-865C-2D396587D910}"/>
+              </a:ext>
+            </a:extLst>
+          </p:cNvPr>
+          <p:cNvSpPr>
+            <a:spLocks noGrp="1"/>
+          </p:cNvSpPr>
+          <p:nvPr>
+            <p:ph idx="1"/>
+          </p:nvPr>
+        </p:nvSpPr>
+        <p:spPr/>
+        <p:txBody>
+          <a:bodyPr/>
+          <a:lstStyle/>
+          <a:p>
+            <a:pPr marL="0" indent="0">
+              <a:buNone/>
+            </a:pPr>
+            <a:endParaRPr lang="en-US" dirty="0"/>
+          </a:p>
+          <a:p>
+            <a:pPr marL="0" indent="0">
+              <a:buNone/>
+            </a:pPr>
+            <a:r>
+              <a:rPr lang="en-US" dirty="0"/>
+              <a:t> </a:t>
+            </a:r>
+          </a:p>
+          <a:p>
+            <a:pPr marL="0" indent="0">
+              <a:buNone/>
+            </a:pPr>
+            <a:r>
+              <a:rPr lang="en-US" dirty="0"/>
+              <a:t>&lt;time bombs intuition?&gt;</a:t>
+            </a:r>
+          </a:p>
+          <a:p>
+            <a:pPr marL="0" indent="0">
+              <a:buNone/>
+            </a:pPr>
+            <a:r>
+              <a:rPr lang="en-US"/>
+              <a:t>&lt;speed&gt;</a:t>
+            </a:r>
+            <a:endParaRPr lang="en-US" dirty="0"/>
+          </a:p>
+        </p:txBody>
+      </p:sp>
+    </p:spTree>
+    <p:extLst>
+      <p:ext uri="{BB962C8B-B14F-4D97-AF65-F5344CB8AC3E}">
+        <p14:creationId xmlns:p14="http://schemas.microsoft.com/office/powerpoint/2010/main" val="3983415488"/>
+      </p:ext>
+    </p:extLst>
+  </p:cSld>
+  <p:clrMapOvr>
+    <a:masterClrMapping/>
+  </p:clrMapOvr>
+</p:sld>
+</file>
+
+<file path=ppt/slides/slide4.xml><?xml version="1.0" encoding="utf-8"?>
 <p:sld xmlns:a="http://schemas.openxmlformats.org/drawingml/2006/main" xmlns:r="http://schemas.openxmlformats.org/officeDocument/2006/relationships" xmlns:p="http://schemas.openxmlformats.org/presentationml/2006/main">
   <p:cSld>
     <p:spTree>
@@ -6705,7 +8830,7 @@
 </p:sld>
 </file>
 
-<file path=ppt/slides/slide4.xml><?xml version="1.0" encoding="utf-8"?>
+<file path=ppt/slides/slide5.xml><?xml version="1.0" encoding="utf-8"?>
 <p:sld xmlns:a="http://schemas.openxmlformats.org/drawingml/2006/main" xmlns:r="http://schemas.openxmlformats.org/officeDocument/2006/relationships" xmlns:p="http://schemas.openxmlformats.org/presentationml/2006/main">
   <p:cSld>
     <p:spTree>
@@ -6870,7 +8995,7 @@
 </p:sld>
 </file>
 
-<file path=ppt/slides/slide5.xml><?xml version="1.0" encoding="utf-8"?>
+<file path=ppt/slides/slide6.xml><?xml version="1.0" encoding="utf-8"?>
 <p:sld xmlns:a="http://schemas.openxmlformats.org/drawingml/2006/main" xmlns:r="http://schemas.openxmlformats.org/officeDocument/2006/relationships" xmlns:p="http://schemas.openxmlformats.org/presentationml/2006/main">
   <p:cSld>
     <p:spTree>
@@ -6999,6 +9124,41 @@
           </a:xfrm>
         </p:spPr>
       </p:pic>
+      <p:sp>
+        <p:nvSpPr>
+          <p:cNvPr id="3" name="TextBox 2">
+            <a:extLst>
+              <a:ext uri="{FF2B5EF4-FFF2-40B4-BE49-F238E27FC236}">
+                <a16:creationId xmlns:a16="http://schemas.microsoft.com/office/drawing/2014/main" id="{A523ED93-644A-3EFA-77FB-5B88C9CFBCD9}"/>
+              </a:ext>
+            </a:extLst>
+          </p:cNvPr>
+          <p:cNvSpPr txBox="1"/>
+          <p:nvPr/>
+        </p:nvSpPr>
+        <p:spPr>
+          <a:xfrm>
+            <a:off x="8471339" y="3631962"/>
+            <a:ext cx="2120004" cy="369332"/>
+          </a:xfrm>
+          <a:prstGeom prst="rect">
+            <a:avLst/>
+          </a:prstGeom>
+          <a:noFill/>
+        </p:spPr>
+        <p:txBody>
+          <a:bodyPr wrap="none" rtlCol="0">
+            <a:spAutoFit/>
+          </a:bodyPr>
+          <a:lstStyle/>
+          <a:p>
+            <a:r>
+              <a:rPr lang="en-US" i="1" dirty="0"/>
+              <a:t>Simulation window</a:t>
+            </a:r>
+          </a:p>
+        </p:txBody>
+      </p:sp>
     </p:spTree>
     <p:extLst>
       <p:ext uri="{BB962C8B-B14F-4D97-AF65-F5344CB8AC3E}">
@@ -7012,7 +9172,7 @@
 </p:sld>
 </file>
 
-<file path=ppt/slides/slide6.xml><?xml version="1.0" encoding="utf-8"?>
+<file path=ppt/slides/slide7.xml><?xml version="1.0" encoding="utf-8"?>
 <p:sld xmlns:a="http://schemas.openxmlformats.org/drawingml/2006/main" xmlns:r="http://schemas.openxmlformats.org/officeDocument/2006/relationships" xmlns:p="http://schemas.openxmlformats.org/presentationml/2006/main">
   <p:cSld>
     <p:spTree>
@@ -7097,7 +9257,16 @@
             </a:r>
             <a:r>
               <a:rPr lang="en-US" dirty="0"/>
-              <a:t>in the interval of interest </a:t>
+              <a:t>in the interval of interest. </a:t>
+            </a:r>
+          </a:p>
+          <a:p>
+            <a:pPr marL="0" indent="0">
+              <a:buNone/>
+            </a:pPr>
+            <a:r>
+              <a:rPr lang="en-US" dirty="0"/>
+              <a:t>We use black color for such processes. </a:t>
             </a:r>
           </a:p>
           <a:p>
@@ -7164,6 +9333,318 @@
           </a:xfrm>
         </p:spPr>
       </p:pic>
+      <p:grpSp>
+        <p:nvGrpSpPr>
+          <p:cNvPr id="6" name="Group 5">
+            <a:extLst>
+              <a:ext uri="{FF2B5EF4-FFF2-40B4-BE49-F238E27FC236}">
+                <a16:creationId xmlns:a16="http://schemas.microsoft.com/office/drawing/2014/main" id="{53C29079-FE18-4BD4-B475-CC3969FE70F3}"/>
+              </a:ext>
+            </a:extLst>
+          </p:cNvPr>
+          <p:cNvGrpSpPr/>
+          <p:nvPr/>
+        </p:nvGrpSpPr>
+        <p:grpSpPr>
+          <a:xfrm>
+            <a:off x="7588469" y="1513859"/>
+            <a:ext cx="1322478" cy="1115835"/>
+            <a:chOff x="7588469" y="1513859"/>
+            <a:chExt cx="1322478" cy="1115835"/>
+          </a:xfrm>
+        </p:grpSpPr>
+        <p:sp>
+          <p:nvSpPr>
+            <p:cNvPr id="3" name="TextBox 2">
+              <a:extLst>
+                <a:ext uri="{FF2B5EF4-FFF2-40B4-BE49-F238E27FC236}">
+                  <a16:creationId xmlns:a16="http://schemas.microsoft.com/office/drawing/2014/main" id="{B5D85A3A-EEA7-4851-4428-0207B0B0E68E}"/>
+                </a:ext>
+              </a:extLst>
+            </p:cNvPr>
+            <p:cNvSpPr txBox="1"/>
+            <p:nvPr/>
+          </p:nvSpPr>
+          <p:spPr>
+            <a:xfrm>
+              <a:off x="7588469" y="1513859"/>
+              <a:ext cx="1322478" cy="646331"/>
+            </a:xfrm>
+            <a:prstGeom prst="rect">
+              <a:avLst/>
+            </a:prstGeom>
+            <a:noFill/>
+          </p:spPr>
+          <p:txBody>
+            <a:bodyPr wrap="none" rtlCol="0">
+              <a:spAutoFit/>
+            </a:bodyPr>
+            <a:lstStyle/>
+            <a:p>
+              <a:r>
+                <a:rPr lang="en-US" i="1" dirty="0"/>
+                <a:t>start  being </a:t>
+              </a:r>
+            </a:p>
+            <a:p>
+              <a:r>
+                <a:rPr lang="en-US" i="1" dirty="0"/>
+                <a:t>at risk</a:t>
+              </a:r>
+            </a:p>
+          </p:txBody>
+        </p:sp>
+        <p:cxnSp>
+          <p:nvCxnSpPr>
+            <p:cNvPr id="5" name="Straight Arrow Connector 4">
+              <a:extLst>
+                <a:ext uri="{FF2B5EF4-FFF2-40B4-BE49-F238E27FC236}">
+                  <a16:creationId xmlns:a16="http://schemas.microsoft.com/office/drawing/2014/main" id="{425BA68A-4749-44EA-03D6-C80D809FE4E4}"/>
+                </a:ext>
+              </a:extLst>
+            </p:cNvPr>
+            <p:cNvCxnSpPr>
+              <a:stCxn id="3" idx="2"/>
+            </p:cNvCxnSpPr>
+            <p:nvPr/>
+          </p:nvCxnSpPr>
+          <p:spPr>
+            <a:xfrm flipH="1">
+              <a:off x="8240110" y="2160190"/>
+              <a:ext cx="9598" cy="469504"/>
+            </a:xfrm>
+            <a:prstGeom prst="straightConnector1">
+              <a:avLst/>
+            </a:prstGeom>
+            <a:ln w="12700">
+              <a:solidFill>
+                <a:schemeClr val="tx1"/>
+              </a:solidFill>
+              <a:tailEnd type="triangle"/>
+            </a:ln>
+          </p:spPr>
+          <p:style>
+            <a:lnRef idx="2">
+              <a:schemeClr val="accent1"/>
+            </a:lnRef>
+            <a:fillRef idx="0">
+              <a:schemeClr val="accent1"/>
+            </a:fillRef>
+            <a:effectRef idx="1">
+              <a:schemeClr val="accent1"/>
+            </a:effectRef>
+            <a:fontRef idx="minor">
+              <a:schemeClr val="tx1"/>
+            </a:fontRef>
+          </p:style>
+        </p:cxnSp>
+      </p:grpSp>
+      <p:grpSp>
+        <p:nvGrpSpPr>
+          <p:cNvPr id="7" name="Group 6">
+            <a:extLst>
+              <a:ext uri="{FF2B5EF4-FFF2-40B4-BE49-F238E27FC236}">
+                <a16:creationId xmlns:a16="http://schemas.microsoft.com/office/drawing/2014/main" id="{94815679-0F75-4DAA-11E1-EAA6701C0A1D}"/>
+              </a:ext>
+            </a:extLst>
+          </p:cNvPr>
+          <p:cNvGrpSpPr/>
+          <p:nvPr/>
+        </p:nvGrpSpPr>
+        <p:grpSpPr>
+          <a:xfrm>
+            <a:off x="10138087" y="1530332"/>
+            <a:ext cx="1305870" cy="1115835"/>
+            <a:chOff x="7588469" y="1513859"/>
+            <a:chExt cx="1305870" cy="1115835"/>
+          </a:xfrm>
+        </p:grpSpPr>
+        <p:sp>
+          <p:nvSpPr>
+            <p:cNvPr id="8" name="TextBox 7">
+              <a:extLst>
+                <a:ext uri="{FF2B5EF4-FFF2-40B4-BE49-F238E27FC236}">
+                  <a16:creationId xmlns:a16="http://schemas.microsoft.com/office/drawing/2014/main" id="{ED479ABD-A8DE-28E9-655D-63DA27241DF8}"/>
+                </a:ext>
+              </a:extLst>
+            </p:cNvPr>
+            <p:cNvSpPr txBox="1"/>
+            <p:nvPr/>
+          </p:nvSpPr>
+          <p:spPr>
+            <a:xfrm>
+              <a:off x="7588469" y="1513859"/>
+              <a:ext cx="1305870" cy="646331"/>
+            </a:xfrm>
+            <a:prstGeom prst="rect">
+              <a:avLst/>
+            </a:prstGeom>
+            <a:noFill/>
+          </p:spPr>
+          <p:txBody>
+            <a:bodyPr wrap="none" rtlCol="0">
+              <a:spAutoFit/>
+            </a:bodyPr>
+            <a:lstStyle/>
+            <a:p>
+              <a:r>
+                <a:rPr lang="en-US" i="1" dirty="0"/>
+                <a:t>stop  being </a:t>
+              </a:r>
+            </a:p>
+            <a:p>
+              <a:r>
+                <a:rPr lang="en-US" i="1" dirty="0"/>
+                <a:t>at risk</a:t>
+              </a:r>
+            </a:p>
+          </p:txBody>
+        </p:sp>
+        <p:cxnSp>
+          <p:nvCxnSpPr>
+            <p:cNvPr id="9" name="Straight Arrow Connector 8">
+              <a:extLst>
+                <a:ext uri="{FF2B5EF4-FFF2-40B4-BE49-F238E27FC236}">
+                  <a16:creationId xmlns:a16="http://schemas.microsoft.com/office/drawing/2014/main" id="{CE997D85-0633-32FF-6D2B-A1C8D7B72640}"/>
+                </a:ext>
+              </a:extLst>
+            </p:cNvPr>
+            <p:cNvCxnSpPr>
+              <a:stCxn id="8" idx="2"/>
+            </p:cNvCxnSpPr>
+            <p:nvPr/>
+          </p:nvCxnSpPr>
+          <p:spPr>
+            <a:xfrm flipH="1">
+              <a:off x="8240110" y="2160190"/>
+              <a:ext cx="1294" cy="469504"/>
+            </a:xfrm>
+            <a:prstGeom prst="straightConnector1">
+              <a:avLst/>
+            </a:prstGeom>
+            <a:ln w="12700">
+              <a:solidFill>
+                <a:schemeClr val="tx1"/>
+              </a:solidFill>
+              <a:tailEnd type="triangle"/>
+            </a:ln>
+          </p:spPr>
+          <p:style>
+            <a:lnRef idx="2">
+              <a:schemeClr val="accent1"/>
+            </a:lnRef>
+            <a:fillRef idx="0">
+              <a:schemeClr val="accent1"/>
+            </a:fillRef>
+            <a:effectRef idx="1">
+              <a:schemeClr val="accent1"/>
+            </a:effectRef>
+            <a:fontRef idx="minor">
+              <a:schemeClr val="tx1"/>
+            </a:fontRef>
+          </p:style>
+        </p:cxnSp>
+      </p:grpSp>
+      <p:grpSp>
+        <p:nvGrpSpPr>
+          <p:cNvPr id="15" name="Group 14">
+            <a:extLst>
+              <a:ext uri="{FF2B5EF4-FFF2-40B4-BE49-F238E27FC236}">
+                <a16:creationId xmlns:a16="http://schemas.microsoft.com/office/drawing/2014/main" id="{C4A253B2-63EC-0B53-A552-C88ED01C979F}"/>
+              </a:ext>
+            </a:extLst>
+          </p:cNvPr>
+          <p:cNvGrpSpPr/>
+          <p:nvPr/>
+        </p:nvGrpSpPr>
+        <p:grpSpPr>
+          <a:xfrm>
+            <a:off x="10021330" y="3816045"/>
+            <a:ext cx="1561510" cy="773940"/>
+            <a:chOff x="9228218" y="3807226"/>
+            <a:chExt cx="1561510" cy="773940"/>
+          </a:xfrm>
+        </p:grpSpPr>
+        <p:sp>
+          <p:nvSpPr>
+            <p:cNvPr id="12" name="TextBox 11">
+              <a:extLst>
+                <a:ext uri="{FF2B5EF4-FFF2-40B4-BE49-F238E27FC236}">
+                  <a16:creationId xmlns:a16="http://schemas.microsoft.com/office/drawing/2014/main" id="{D023D342-CE9E-7456-3A29-9AF5325B8F5E}"/>
+                </a:ext>
+              </a:extLst>
+            </p:cNvPr>
+            <p:cNvSpPr txBox="1"/>
+            <p:nvPr/>
+          </p:nvSpPr>
+          <p:spPr>
+            <a:xfrm>
+              <a:off x="10012207" y="4211834"/>
+              <a:ext cx="777521" cy="369332"/>
+            </a:xfrm>
+            <a:prstGeom prst="rect">
+              <a:avLst/>
+            </a:prstGeom>
+            <a:noFill/>
+          </p:spPr>
+          <p:txBody>
+            <a:bodyPr wrap="none" rtlCol="0">
+              <a:spAutoFit/>
+            </a:bodyPr>
+            <a:lstStyle/>
+            <a:p>
+              <a:r>
+                <a:rPr lang="en-US" i="1" dirty="0"/>
+                <a:t>event </a:t>
+              </a:r>
+            </a:p>
+          </p:txBody>
+        </p:sp>
+        <p:cxnSp>
+          <p:nvCxnSpPr>
+            <p:cNvPr id="14" name="Straight Arrow Connector 13">
+              <a:extLst>
+                <a:ext uri="{FF2B5EF4-FFF2-40B4-BE49-F238E27FC236}">
+                  <a16:creationId xmlns:a16="http://schemas.microsoft.com/office/drawing/2014/main" id="{AC42AF97-FB6E-7A9A-9E24-6DE2354D1BA3}"/>
+                </a:ext>
+              </a:extLst>
+            </p:cNvPr>
+            <p:cNvCxnSpPr>
+              <a:cxnSpLocks/>
+            </p:cNvCxnSpPr>
+            <p:nvPr/>
+          </p:nvCxnSpPr>
+          <p:spPr>
+            <a:xfrm flipH="1" flipV="1">
+              <a:off x="9228218" y="3807226"/>
+              <a:ext cx="1114387" cy="404608"/>
+            </a:xfrm>
+            <a:prstGeom prst="straightConnector1">
+              <a:avLst/>
+            </a:prstGeom>
+            <a:ln w="12700">
+              <a:solidFill>
+                <a:schemeClr val="tx1"/>
+              </a:solidFill>
+              <a:tailEnd type="triangle"/>
+            </a:ln>
+          </p:spPr>
+          <p:style>
+            <a:lnRef idx="2">
+              <a:schemeClr val="accent1"/>
+            </a:lnRef>
+            <a:fillRef idx="0">
+              <a:schemeClr val="accent1"/>
+            </a:fillRef>
+            <a:effectRef idx="1">
+              <a:schemeClr val="accent1"/>
+            </a:effectRef>
+            <a:fontRef idx="minor">
+              <a:schemeClr val="tx1"/>
+            </a:fontRef>
+          </p:style>
+        </p:cxnSp>
+      </p:grpSp>
     </p:spTree>
     <p:extLst>
       <p:ext uri="{BB962C8B-B14F-4D97-AF65-F5344CB8AC3E}">
@@ -7177,7 +9658,7 @@
 </p:sld>
 </file>
 
-<file path=ppt/slides/slide7.xml><?xml version="1.0" encoding="utf-8"?>
+<file path=ppt/slides/slide8.xml><?xml version="1.0" encoding="utf-8"?>
 <p:sld xmlns:a="http://schemas.openxmlformats.org/drawingml/2006/main" xmlns:r="http://schemas.openxmlformats.org/officeDocument/2006/relationships" xmlns:p="http://schemas.openxmlformats.org/presentationml/2006/main">
   <p:cSld>
     <p:spTree>
@@ -7262,7 +9743,16 @@
             </a:r>
             <a:r>
               <a:rPr lang="en-US" dirty="0"/>
-              <a:t>in the interval of interest </a:t>
+              <a:t>in the interval of interest.</a:t>
+            </a:r>
+          </a:p>
+          <a:p>
+            <a:pPr marL="0" indent="0">
+              <a:buNone/>
+            </a:pPr>
+            <a:r>
+              <a:rPr lang="en-US" dirty="0"/>
+              <a:t>Note, color red.</a:t>
             </a:r>
           </a:p>
           <a:p>
@@ -7348,7 +9838,7 @@
 </p:sld>
 </file>
 
-<file path=ppt/slides/slide8.xml><?xml version="1.0" encoding="utf-8"?>
+<file path=ppt/slides/slide9.xml><?xml version="1.0" encoding="utf-8"?>
 <p:sld xmlns:a="http://schemas.openxmlformats.org/drawingml/2006/main" xmlns:r="http://schemas.openxmlformats.org/officeDocument/2006/relationships" xmlns:p="http://schemas.openxmlformats.org/presentationml/2006/main">
   <p:cSld>
     <p:spTree>
@@ -7433,7 +9923,16 @@
             </a:r>
             <a:r>
               <a:rPr lang="en-US" dirty="0"/>
-              <a:t>in the interval of interest </a:t>
+              <a:t>in the interval of interest.</a:t>
+            </a:r>
+          </a:p>
+          <a:p>
+            <a:pPr marL="0" indent="0">
+              <a:buNone/>
+            </a:pPr>
+            <a:r>
+              <a:rPr lang="en-US" dirty="0"/>
+              <a:t>Note, color red.</a:t>
             </a:r>
           </a:p>
           <a:p>
@@ -7506,181 +10005,111 @@
           </a:xfrm>
         </p:spPr>
       </p:pic>
+      <p:grpSp>
+        <p:nvGrpSpPr>
+          <p:cNvPr id="7" name="Group 6">
+            <a:extLst>
+              <a:ext uri="{FF2B5EF4-FFF2-40B4-BE49-F238E27FC236}">
+                <a16:creationId xmlns:a16="http://schemas.microsoft.com/office/drawing/2014/main" id="{E5CE6DAA-D3B1-03A2-C972-FEA7E4FE214C}"/>
+              </a:ext>
+            </a:extLst>
+          </p:cNvPr>
+          <p:cNvGrpSpPr/>
+          <p:nvPr/>
+        </p:nvGrpSpPr>
+        <p:grpSpPr>
+          <a:xfrm>
+            <a:off x="10433223" y="1837025"/>
+            <a:ext cx="1682577" cy="1894716"/>
+            <a:chOff x="10433223" y="1837025"/>
+            <a:chExt cx="1682577" cy="1894716"/>
+          </a:xfrm>
+        </p:grpSpPr>
+        <p:sp>
+          <p:nvSpPr>
+            <p:cNvPr id="3" name="TextBox 2">
+              <a:extLst>
+                <a:ext uri="{FF2B5EF4-FFF2-40B4-BE49-F238E27FC236}">
+                  <a16:creationId xmlns:a16="http://schemas.microsoft.com/office/drawing/2014/main" id="{C19C2C32-25E9-9EC1-72D1-DE5543500611}"/>
+                </a:ext>
+              </a:extLst>
+            </p:cNvPr>
+            <p:cNvSpPr txBox="1"/>
+            <p:nvPr/>
+          </p:nvSpPr>
+          <p:spPr>
+            <a:xfrm>
+              <a:off x="10433223" y="1837025"/>
+              <a:ext cx="1682577" cy="646331"/>
+            </a:xfrm>
+            <a:prstGeom prst="rect">
+              <a:avLst/>
+            </a:prstGeom>
+            <a:noFill/>
+          </p:spPr>
+          <p:txBody>
+            <a:bodyPr wrap="square" rtlCol="0">
+              <a:spAutoFit/>
+            </a:bodyPr>
+            <a:lstStyle/>
+            <a:p>
+              <a:r>
+                <a:rPr lang="en-US" i="1" dirty="0"/>
+                <a:t>time’s out, no event realized</a:t>
+              </a:r>
+            </a:p>
+          </p:txBody>
+        </p:sp>
+        <p:cxnSp>
+          <p:nvCxnSpPr>
+            <p:cNvPr id="5" name="Straight Arrow Connector 4">
+              <a:extLst>
+                <a:ext uri="{FF2B5EF4-FFF2-40B4-BE49-F238E27FC236}">
+                  <a16:creationId xmlns:a16="http://schemas.microsoft.com/office/drawing/2014/main" id="{4C426DBC-5B43-6DB7-2247-BEC010F91939}"/>
+                </a:ext>
+              </a:extLst>
+            </p:cNvPr>
+            <p:cNvCxnSpPr>
+              <a:cxnSpLocks/>
+              <a:stCxn id="3" idx="2"/>
+            </p:cNvCxnSpPr>
+            <p:nvPr/>
+          </p:nvCxnSpPr>
+          <p:spPr>
+            <a:xfrm flipH="1">
+              <a:off x="10836876" y="2483356"/>
+              <a:ext cx="437636" cy="1248385"/>
+            </a:xfrm>
+            <a:prstGeom prst="straightConnector1">
+              <a:avLst/>
+            </a:prstGeom>
+            <a:ln w="12700">
+              <a:solidFill>
+                <a:schemeClr val="tx1"/>
+              </a:solidFill>
+              <a:tailEnd type="triangle"/>
+            </a:ln>
+          </p:spPr>
+          <p:style>
+            <a:lnRef idx="2">
+              <a:schemeClr val="accent1"/>
+            </a:lnRef>
+            <a:fillRef idx="0">
+              <a:schemeClr val="accent1"/>
+            </a:fillRef>
+            <a:effectRef idx="1">
+              <a:schemeClr val="accent1"/>
+            </a:effectRef>
+            <a:fontRef idx="minor">
+              <a:schemeClr val="tx1"/>
+            </a:fontRef>
+          </p:style>
+        </p:cxnSp>
+      </p:grpSp>
     </p:spTree>
     <p:extLst>
       <p:ext uri="{BB962C8B-B14F-4D97-AF65-F5344CB8AC3E}">
         <p14:creationId xmlns:p14="http://schemas.microsoft.com/office/powerpoint/2010/main" val="2035505641"/>
-      </p:ext>
-    </p:extLst>
-  </p:cSld>
-  <p:clrMapOvr>
-    <a:masterClrMapping/>
-  </p:clrMapOvr>
-</p:sld>
-</file>
-
-<file path=ppt/slides/slide9.xml><?xml version="1.0" encoding="utf-8"?>
-<p:sld xmlns:a="http://schemas.openxmlformats.org/drawingml/2006/main" xmlns:r="http://schemas.openxmlformats.org/officeDocument/2006/relationships" xmlns:p="http://schemas.openxmlformats.org/presentationml/2006/main">
-  <p:cSld>
-    <p:spTree>
-      <p:nvGrpSpPr>
-        <p:cNvPr id="1" name="">
-          <a:extLst>
-            <a:ext uri="{FF2B5EF4-FFF2-40B4-BE49-F238E27FC236}">
-              <a16:creationId xmlns:a16="http://schemas.microsoft.com/office/drawing/2014/main" id="{F1EB297E-7934-2E3F-1DA3-1CADD4C9C468}"/>
-            </a:ext>
-          </a:extLst>
-        </p:cNvPr>
-        <p:cNvGrpSpPr/>
-        <p:nvPr/>
-      </p:nvGrpSpPr>
-      <p:grpSpPr>
-        <a:xfrm>
-          <a:off x="0" y="0"/>
-          <a:ext cx="0" cy="0"/>
-          <a:chOff x="0" y="0"/>
-          <a:chExt cx="0" cy="0"/>
-        </a:xfrm>
-      </p:grpSpPr>
-      <p:sp>
-        <p:nvSpPr>
-          <p:cNvPr id="2" name="Title 1">
-            <a:extLst>
-              <a:ext uri="{FF2B5EF4-FFF2-40B4-BE49-F238E27FC236}">
-                <a16:creationId xmlns:a16="http://schemas.microsoft.com/office/drawing/2014/main" id="{820AA2A9-4EC0-104B-6E38-D58D785D093F}"/>
-              </a:ext>
-            </a:extLst>
-          </p:cNvPr>
-          <p:cNvSpPr>
-            <a:spLocks noGrp="1"/>
-          </p:cNvSpPr>
-          <p:nvPr>
-            <p:ph type="title"/>
-          </p:nvPr>
-        </p:nvSpPr>
-        <p:spPr/>
-        <p:txBody>
-          <a:bodyPr/>
-          <a:lstStyle/>
-          <a:p>
-            <a:r>
-              <a:rPr lang="en-US" dirty="0"/>
-              <a:t>Graphical notation: Zero, one, or more events</a:t>
-            </a:r>
-          </a:p>
-        </p:txBody>
-      </p:sp>
-      <p:sp>
-        <p:nvSpPr>
-          <p:cNvPr id="10" name="Content Placeholder 9">
-            <a:extLst>
-              <a:ext uri="{FF2B5EF4-FFF2-40B4-BE49-F238E27FC236}">
-                <a16:creationId xmlns:a16="http://schemas.microsoft.com/office/drawing/2014/main" id="{BBF9BE2F-BAB1-0804-90F6-B5E6FE7F66DD}"/>
-              </a:ext>
-            </a:extLst>
-          </p:cNvPr>
-          <p:cNvSpPr>
-            <a:spLocks noGrp="1"/>
-          </p:cNvSpPr>
-          <p:nvPr>
-            <p:ph sz="half" idx="1"/>
-          </p:nvPr>
-        </p:nvSpPr>
-        <p:spPr/>
-        <p:txBody>
-          <a:bodyPr/>
-          <a:lstStyle/>
-          <a:p>
-            <a:pPr marL="0" indent="0">
-              <a:buNone/>
-            </a:pPr>
-            <a:r>
-              <a:rPr lang="en-US" dirty="0"/>
-              <a:t>Some events may happen zero, one or more times</a:t>
-            </a:r>
-            <a:r>
-              <a:rPr lang="en-US" b="1" dirty="0"/>
-              <a:t> </a:t>
-            </a:r>
-            <a:r>
-              <a:rPr lang="en-US" dirty="0"/>
-              <a:t>in the interval of interest </a:t>
-            </a:r>
-          </a:p>
-          <a:p>
-            <a:pPr marL="0" indent="0">
-              <a:buNone/>
-            </a:pPr>
-            <a:r>
-              <a:rPr lang="en-US" dirty="0"/>
-              <a:t>Example:</a:t>
-            </a:r>
-          </a:p>
-          <a:p>
-            <a:r>
-              <a:rPr lang="en-US" dirty="0"/>
-              <a:t>Occurrence of lesions at 55 and 68 years</a:t>
-            </a:r>
-          </a:p>
-          <a:p>
-            <a:pPr marL="0" indent="0">
-              <a:buNone/>
-            </a:pPr>
-            <a:endParaRPr lang="en-US" dirty="0"/>
-          </a:p>
-          <a:p>
-            <a:pPr marL="0" indent="0">
-              <a:buNone/>
-            </a:pPr>
-            <a:endParaRPr lang="en-US" dirty="0"/>
-          </a:p>
-          <a:p>
-            <a:pPr marL="0" indent="0">
-              <a:buNone/>
-            </a:pPr>
-            <a:endParaRPr lang="en-US" dirty="0"/>
-          </a:p>
-          <a:p>
-            <a:pPr marL="0" indent="0">
-              <a:buNone/>
-            </a:pPr>
-            <a:endParaRPr lang="en-US" dirty="0"/>
-          </a:p>
-        </p:txBody>
-      </p:sp>
-      <p:pic>
-        <p:nvPicPr>
-          <p:cNvPr id="6" name="Content Placeholder 5">
-            <a:extLst>
-              <a:ext uri="{FF2B5EF4-FFF2-40B4-BE49-F238E27FC236}">
-                <a16:creationId xmlns:a16="http://schemas.microsoft.com/office/drawing/2014/main" id="{57AA3D46-2814-0C64-8277-270F84DEAD8C}"/>
-              </a:ext>
-            </a:extLst>
-          </p:cNvPr>
-          <p:cNvPicPr>
-            <a:picLocks noGrp="1" noChangeAspect="1"/>
-          </p:cNvPicPr>
-          <p:nvPr>
-            <p:ph sz="half" idx="2"/>
-          </p:nvPr>
-        </p:nvPicPr>
-        <p:blipFill>
-          <a:blip r:embed="rId2"/>
-          <a:stretch>
-            <a:fillRect/>
-          </a:stretch>
-        </p:blipFill>
-        <p:spPr>
-          <a:xfrm>
-            <a:off x="6477000" y="2629694"/>
-            <a:ext cx="4572000" cy="2743200"/>
-          </a:xfrm>
-        </p:spPr>
-      </p:pic>
-    </p:spTree>
-    <p:extLst>
-      <p:ext uri="{BB962C8B-B14F-4D97-AF65-F5344CB8AC3E}">
-        <p14:creationId xmlns:p14="http://schemas.microsoft.com/office/powerpoint/2010/main" val="1701159781"/>
       </p:ext>
     </p:extLst>
   </p:cSld>
@@ -8321,6 +10750,15 @@
 </file>
 
 <file path=customXml/item1.xml><?xml version="1.0" encoding="utf-8"?>
+<?mso-contentType ?>
+<FormTemplates xmlns="http://schemas.microsoft.com/sharepoint/v3/contenttype/forms">
+  <Display>DocumentLibraryForm</Display>
+  <Edit>DocumentLibraryForm</Edit>
+  <New>DocumentLibraryForm</New>
+</FormTemplates>
+</file>
+
+<file path=customXml/item2.xml><?xml version="1.0" encoding="utf-8"?>
 <p:properties xmlns:p="http://schemas.microsoft.com/office/2006/metadata/properties" xmlns:xsi="http://www.w3.org/2001/XMLSchema-instance" xmlns:pc="http://schemas.microsoft.com/office/infopath/2007/PartnerControls">
   <documentManagement>
     <TaxCatchAll xmlns="b6c9d19c-b34a-4cf4-8ebf-64c63fc48083" xsi:nil="true"/>
@@ -8331,7 +10769,7 @@
 </p:properties>
 </file>
 
-<file path=customXml/item2.xml><?xml version="1.0" encoding="utf-8"?>
+<file path=customXml/item3.xml><?xml version="1.0" encoding="utf-8"?>
 <ct:contentTypeSchema xmlns:ct="http://schemas.microsoft.com/office/2006/metadata/contentType" xmlns:ma="http://schemas.microsoft.com/office/2006/metadata/properties/metaAttributes" ct:_="" ma:_="" ma:contentTypeName="Document" ma:contentTypeID="0x0101007069032936BB004A979B3FCE77DE1EB1" ma:contentTypeVersion="16" ma:contentTypeDescription="Create a new document." ma:contentTypeScope="" ma:versionID="59b39aa881a230c9f06045ed60478b88">
   <xsd:schema xmlns:xsd="http://www.w3.org/2001/XMLSchema" xmlns:xs="http://www.w3.org/2001/XMLSchema" xmlns:p="http://schemas.microsoft.com/office/2006/metadata/properties" xmlns:ns2="33f92c16-e346-46b5-ac57-2b519ac4cf68" xmlns:ns3="0efde304-9646-43d8-8eee-5b1a55ab17f1" xmlns:ns4="b6c9d19c-b34a-4cf4-8ebf-64c63fc48083" targetNamespace="http://schemas.microsoft.com/office/2006/metadata/properties" ma:root="true" ma:fieldsID="c596c03b60b8e16cee14ab235af6374a" ns2:_="" ns3:_="" ns4:_="">
     <xsd:import namespace="33f92c16-e346-46b5-ac57-2b519ac4cf68"/>
@@ -8571,16 +11009,15 @@
 </ct:contentTypeSchema>
 </file>
 
-<file path=customXml/item3.xml><?xml version="1.0" encoding="utf-8"?>
-<?mso-contentType ?>
-<FormTemplates xmlns="http://schemas.microsoft.com/sharepoint/v3/contenttype/forms">
-  <Display>DocumentLibraryForm</Display>
-  <Edit>DocumentLibraryForm</Edit>
-  <New>DocumentLibraryForm</New>
-</FormTemplates>
+<file path=customXml/itemProps1.xml><?xml version="1.0" encoding="utf-8"?>
+<ds:datastoreItem xmlns:ds="http://schemas.openxmlformats.org/officeDocument/2006/customXml" ds:itemID="{EF0BFC65-ABD5-40EA-BAE0-821B9D6524E8}">
+  <ds:schemaRefs>
+    <ds:schemaRef ds:uri="http://schemas.microsoft.com/sharepoint/v3/contenttype/forms"/>
+  </ds:schemaRefs>
+</ds:datastoreItem>
 </file>
 
-<file path=customXml/itemProps1.xml><?xml version="1.0" encoding="utf-8"?>
+<file path=customXml/itemProps2.xml><?xml version="1.0" encoding="utf-8"?>
 <ds:datastoreItem xmlns:ds="http://schemas.openxmlformats.org/officeDocument/2006/customXml" ds:itemID="{E709C047-1DE0-4980-A90A-4D5EFC165D2C}">
   <ds:schemaRefs>
     <ds:schemaRef ds:uri="0efde304-9646-43d8-8eee-5b1a55ab17f1"/>
@@ -8598,7 +11035,7 @@
 </ds:datastoreItem>
 </file>
 
-<file path=customXml/itemProps2.xml><?xml version="1.0" encoding="utf-8"?>
+<file path=customXml/itemProps3.xml><?xml version="1.0" encoding="utf-8"?>
 <ds:datastoreItem xmlns:ds="http://schemas.openxmlformats.org/officeDocument/2006/customXml" ds:itemID="{2D7DA705-6300-4113-B183-485198D9C84E}">
   <ds:schemaRefs>
     <ds:schemaRef ds:uri="0efde304-9646-43d8-8eee-5b1a55ab17f1"/>
@@ -8616,12 +11053,4 @@
     <ds:schemaRef ds:uri="http://www.w3.org/2001/XMLSchema"/>
   </ds:schemaRefs>
 </ds:datastoreItem>
-</file>
-
-<file path=customXml/itemProps3.xml><?xml version="1.0" encoding="utf-8"?>
-<ds:datastoreItem xmlns:ds="http://schemas.openxmlformats.org/officeDocument/2006/customXml" ds:itemID="{EF0BFC65-ABD5-40EA-BAE0-821B9D6524E8}">
-  <ds:schemaRefs>
-    <ds:schemaRef ds:uri="http://schemas.microsoft.com/sharepoint/v3/contenttype/forms"/>
-  </ds:schemaRefs>
-</ds:datastoreItem>
 </file>
--- a/master_files/materials/01_DES.pptx
+++ b/master_files/materials/01_DES.pptx
@@ -5,7 +5,7 @@
     <p:sldMasterId id="2147483648" r:id="rId4"/>
   </p:sldMasterIdLst>
   <p:notesMasterIdLst>
-    <p:notesMasterId r:id="rId27"/>
+    <p:notesMasterId r:id="rId26"/>
   </p:notesMasterIdLst>
   <p:sldIdLst>
     <p:sldId id="257" r:id="rId5"/>
@@ -16,20 +16,19 @@
     <p:sldId id="1052" r:id="rId10"/>
     <p:sldId id="1080" r:id="rId11"/>
     <p:sldId id="1082" r:id="rId12"/>
-    <p:sldId id="1083" r:id="rId13"/>
-    <p:sldId id="1084" r:id="rId14"/>
-    <p:sldId id="1085" r:id="rId15"/>
-    <p:sldId id="1086" r:id="rId16"/>
-    <p:sldId id="1088" r:id="rId17"/>
-    <p:sldId id="1087" r:id="rId18"/>
-    <p:sldId id="1089" r:id="rId19"/>
-    <p:sldId id="1091" r:id="rId20"/>
-    <p:sldId id="1090" r:id="rId21"/>
-    <p:sldId id="1092" r:id="rId22"/>
-    <p:sldId id="1093" r:id="rId23"/>
-    <p:sldId id="1095" r:id="rId24"/>
-    <p:sldId id="1079" r:id="rId25"/>
-    <p:sldId id="1096" r:id="rId26"/>
+    <p:sldId id="1084" r:id="rId13"/>
+    <p:sldId id="1085" r:id="rId14"/>
+    <p:sldId id="1086" r:id="rId15"/>
+    <p:sldId id="1088" r:id="rId16"/>
+    <p:sldId id="1087" r:id="rId17"/>
+    <p:sldId id="1089" r:id="rId18"/>
+    <p:sldId id="1091" r:id="rId19"/>
+    <p:sldId id="1090" r:id="rId20"/>
+    <p:sldId id="1092" r:id="rId21"/>
+    <p:sldId id="1093" r:id="rId22"/>
+    <p:sldId id="1095" r:id="rId23"/>
+    <p:sldId id="1079" r:id="rId24"/>
+    <p:sldId id="1096" r:id="rId25"/>
   </p:sldIdLst>
   <p:sldSz cx="12192000" cy="6858000"/>
   <p:notesSz cx="6858000" cy="9144000"/>
@@ -529,10 +528,7 @@
           <a:bodyPr/>
           <a:lstStyle/>
           <a:p>
-            <a:r>
-              <a:rPr lang="en-US"/>
-              <a:t>or even the time when they died</a:t>
-            </a:r>
+            <a:endParaRPr lang="en-US" dirty="0"/>
           </a:p>
         </p:txBody>
       </p:sp>
@@ -551,9 +547,9 @@
           <a:bodyPr/>
           <a:lstStyle/>
           <a:p>
-            <a:fld id="{7ABBCDC5-E9FF-3D40-95AD-B1BB55908906}" type="slidenum">
+            <a:fld id="{96010A50-4423-6040-9AE0-885D13F9C550}" type="slidenum">
               <a:rPr lang="en-US" smtClean="0"/>
-              <a:t>4</a:t>
+              <a:t>1</a:t>
             </a:fld>
             <a:endParaRPr lang="en-US"/>
           </a:p>
@@ -562,7 +558,7 @@
     </p:spTree>
     <p:extLst>
       <p:ext uri="{BB962C8B-B14F-4D97-AF65-F5344CB8AC3E}">
-        <p14:creationId xmlns:p14="http://schemas.microsoft.com/office/powerpoint/2010/main" val="1575202907"/>
+        <p14:creationId xmlns:p14="http://schemas.microsoft.com/office/powerpoint/2010/main" val="1302031914"/>
       </p:ext>
     </p:extLst>
   </p:cSld>
@@ -617,14 +613,8 @@
           <a:lstStyle/>
           <a:p>
             <a:r>
-              <a:rPr lang="en-US" dirty="0"/>
-              <a:t>Left: some people may never die. </a:t>
-            </a:r>
-          </a:p>
-          <a:p>
-            <a:r>
-              <a:rPr lang="en-US" dirty="0"/>
-              <a:t>Right: all people will die. </a:t>
+              <a:rPr lang="en-US"/>
+              <a:t>or even the time when they died</a:t>
             </a:r>
           </a:p>
         </p:txBody>
@@ -644,9 +634,9 @@
           <a:bodyPr/>
           <a:lstStyle/>
           <a:p>
-            <a:fld id="{96010A50-4423-6040-9AE0-885D13F9C550}" type="slidenum">
+            <a:fld id="{7ABBCDC5-E9FF-3D40-95AD-B1BB55908906}" type="slidenum">
               <a:rPr lang="en-US" smtClean="0"/>
-              <a:t>15</a:t>
+              <a:t>4</a:t>
             </a:fld>
             <a:endParaRPr lang="en-US"/>
           </a:p>
@@ -655,7 +645,7 @@
     </p:spTree>
     <p:extLst>
       <p:ext uri="{BB962C8B-B14F-4D97-AF65-F5344CB8AC3E}">
-        <p14:creationId xmlns:p14="http://schemas.microsoft.com/office/powerpoint/2010/main" val="2421636405"/>
+        <p14:creationId xmlns:p14="http://schemas.microsoft.com/office/powerpoint/2010/main" val="1575202907"/>
       </p:ext>
     </p:extLst>
   </p:cSld>
@@ -711,7 +701,13 @@
           <a:p>
             <a:r>
               <a:rPr lang="en-US" dirty="0"/>
-              <a:t>The at risk interval for death cancer ends at the end of the simulation window on the left panel or the “death (other)” on the right panel.</a:t>
+              <a:t>Left: some people may never die. </a:t>
+            </a:r>
+          </a:p>
+          <a:p>
+            <a:r>
+              <a:rPr lang="en-US" dirty="0"/>
+              <a:t>Right: all people will die. </a:t>
             </a:r>
           </a:p>
         </p:txBody>
@@ -733,7 +729,94 @@
           <a:p>
             <a:fld id="{96010A50-4423-6040-9AE0-885D13F9C550}" type="slidenum">
               <a:rPr lang="en-US" smtClean="0"/>
-              <a:t>16</a:t>
+              <a:t>14</a:t>
+            </a:fld>
+            <a:endParaRPr lang="en-US"/>
+          </a:p>
+        </p:txBody>
+      </p:sp>
+    </p:spTree>
+    <p:extLst>
+      <p:ext uri="{BB962C8B-B14F-4D97-AF65-F5344CB8AC3E}">
+        <p14:creationId xmlns:p14="http://schemas.microsoft.com/office/powerpoint/2010/main" val="2421636405"/>
+      </p:ext>
+    </p:extLst>
+  </p:cSld>
+  <p:clrMapOvr>
+    <a:masterClrMapping/>
+  </p:clrMapOvr>
+</p:notes>
+</file>
+
+<file path=ppt/notesSlides/notesSlide4.xml><?xml version="1.0" encoding="utf-8"?>
+<p:notes xmlns:a="http://schemas.openxmlformats.org/drawingml/2006/main" xmlns:r="http://schemas.openxmlformats.org/officeDocument/2006/relationships" xmlns:p="http://schemas.openxmlformats.org/presentationml/2006/main">
+  <p:cSld>
+    <p:spTree>
+      <p:nvGrpSpPr>
+        <p:cNvPr id="1" name=""/>
+        <p:cNvGrpSpPr/>
+        <p:nvPr/>
+      </p:nvGrpSpPr>
+      <p:grpSpPr>
+        <a:xfrm>
+          <a:off x="0" y="0"/>
+          <a:ext cx="0" cy="0"/>
+          <a:chOff x="0" y="0"/>
+          <a:chExt cx="0" cy="0"/>
+        </a:xfrm>
+      </p:grpSpPr>
+      <p:sp>
+        <p:nvSpPr>
+          <p:cNvPr id="2" name="Slide Image Placeholder 1"/>
+          <p:cNvSpPr>
+            <a:spLocks noGrp="1" noRot="1" noChangeAspect="1"/>
+          </p:cNvSpPr>
+          <p:nvPr>
+            <p:ph type="sldImg"/>
+          </p:nvPr>
+        </p:nvSpPr>
+        <p:spPr/>
+      </p:sp>
+      <p:sp>
+        <p:nvSpPr>
+          <p:cNvPr id="3" name="Notes Placeholder 2"/>
+          <p:cNvSpPr>
+            <a:spLocks noGrp="1"/>
+          </p:cNvSpPr>
+          <p:nvPr>
+            <p:ph type="body" idx="1"/>
+          </p:nvPr>
+        </p:nvSpPr>
+        <p:spPr/>
+        <p:txBody>
+          <a:bodyPr/>
+          <a:lstStyle/>
+          <a:p>
+            <a:r>
+              <a:rPr lang="en-US" dirty="0"/>
+              <a:t>The at risk interval for death cancer ends at the end of the simulation window on the left panel or the “death (other)” on the right panel.</a:t>
+            </a:r>
+          </a:p>
+        </p:txBody>
+      </p:sp>
+      <p:sp>
+        <p:nvSpPr>
+          <p:cNvPr id="4" name="Slide Number Placeholder 3"/>
+          <p:cNvSpPr>
+            <a:spLocks noGrp="1"/>
+          </p:cNvSpPr>
+          <p:nvPr>
+            <p:ph type="sldNum" sz="quarter" idx="5"/>
+          </p:nvPr>
+        </p:nvSpPr>
+        <p:spPr/>
+        <p:txBody>
+          <a:bodyPr/>
+          <a:lstStyle/>
+          <a:p>
+            <a:fld id="{96010A50-4423-6040-9AE0-885D13F9C550}" type="slidenum">
+              <a:rPr lang="en-US" smtClean="0"/>
+              <a:t>15</a:t>
             </a:fld>
             <a:endParaRPr lang="en-US"/>
           </a:p>
@@ -4742,13 +4825,7 @@
   <p:cSld>
     <p:spTree>
       <p:nvGrpSpPr>
-        <p:cNvPr id="1" name="">
-          <a:extLst>
-            <a:ext uri="{FF2B5EF4-FFF2-40B4-BE49-F238E27FC236}">
-              <a16:creationId xmlns:a16="http://schemas.microsoft.com/office/drawing/2014/main" id="{F1EB297E-7934-2E3F-1DA3-1CADD4C9C468}"/>
-            </a:ext>
-          </a:extLst>
-        </p:cNvPr>
+        <p:cNvPr id="1" name=""/>
         <p:cNvGrpSpPr/>
         <p:nvPr/>
       </p:nvGrpSpPr>
@@ -4765,7 +4842,7 @@
           <p:cNvPr id="2" name="Title 1">
             <a:extLst>
               <a:ext uri="{FF2B5EF4-FFF2-40B4-BE49-F238E27FC236}">
-                <a16:creationId xmlns:a16="http://schemas.microsoft.com/office/drawing/2014/main" id="{820AA2A9-4EC0-104B-6E38-D58D785D093F}"/>
+                <a16:creationId xmlns:a16="http://schemas.microsoft.com/office/drawing/2014/main" id="{8201683B-C269-B078-0AA5-FFAFAE5D2ED3}"/>
               </a:ext>
             </a:extLst>
           </p:cNvPr>
@@ -4783,17 +4860,17 @@
           <a:p>
             <a:r>
               <a:rPr lang="en-US" dirty="0"/>
-              <a:t>Graphical notation: Zero, one, or more events</a:t>
-            </a:r>
-          </a:p>
-        </p:txBody>
-      </p:sp>
-      <p:sp>
-        <p:nvSpPr>
-          <p:cNvPr id="10" name="Content Placeholder 9">
-            <a:extLst>
-              <a:ext uri="{FF2B5EF4-FFF2-40B4-BE49-F238E27FC236}">
-                <a16:creationId xmlns:a16="http://schemas.microsoft.com/office/drawing/2014/main" id="{BBF9BE2F-BAB1-0804-90F6-B5E6FE7F66DD}"/>
+              <a:t>Graphical notation: Chained events (in series)</a:t>
+            </a:r>
+          </a:p>
+        </p:txBody>
+      </p:sp>
+      <p:sp>
+        <p:nvSpPr>
+          <p:cNvPr id="3" name="Content Placeholder 2">
+            <a:extLst>
+              <a:ext uri="{FF2B5EF4-FFF2-40B4-BE49-F238E27FC236}">
+                <a16:creationId xmlns:a16="http://schemas.microsoft.com/office/drawing/2014/main" id="{F8619C45-26A6-2FC3-FBB3-72A5C9372E50}"/>
               </a:ext>
             </a:extLst>
           </p:cNvPr>
@@ -4814,39 +4891,7 @@
             </a:pPr>
             <a:r>
               <a:rPr lang="en-US" dirty="0"/>
-              <a:t>Some events may happen zero, one or more times</a:t>
-            </a:r>
-            <a:r>
-              <a:rPr lang="en-US" b="1" dirty="0"/>
-              <a:t> </a:t>
-            </a:r>
-            <a:r>
-              <a:rPr lang="en-US" dirty="0"/>
-              <a:t>in the interval of interest.</a:t>
-            </a:r>
-          </a:p>
-          <a:p>
-            <a:pPr marL="0" indent="0">
-              <a:buNone/>
-            </a:pPr>
-            <a:r>
-              <a:rPr lang="en-US" dirty="0"/>
-              <a:t>Note, color blue.</a:t>
-            </a:r>
-          </a:p>
-          <a:p>
-            <a:pPr marL="0" indent="0">
-              <a:buNone/>
-            </a:pPr>
-            <a:r>
-              <a:rPr lang="en-US" dirty="0"/>
-              <a:t>Example:</a:t>
-            </a:r>
-          </a:p>
-          <a:p>
-            <a:r>
-              <a:rPr lang="en-US" dirty="0"/>
-              <a:t>Occurrence of lesions at 55 and 68 years</a:t>
+              <a:t>For chained processes, the next one starts once the preceding one realizes an event. </a:t>
             </a:r>
           </a:p>
           <a:p>
@@ -4859,19 +4904,16 @@
             <a:pPr marL="0" indent="0">
               <a:buNone/>
             </a:pPr>
-            <a:endParaRPr lang="en-US" dirty="0"/>
-          </a:p>
-          <a:p>
-            <a:pPr marL="0" indent="0">
-              <a:buNone/>
-            </a:pPr>
-            <a:endParaRPr lang="en-US" dirty="0"/>
-          </a:p>
-          <a:p>
-            <a:pPr marL="0" indent="0">
-              <a:buNone/>
-            </a:pPr>
-            <a:endParaRPr lang="en-US" dirty="0"/>
+            <a:r>
+              <a:rPr lang="en-US" dirty="0"/>
+              <a:t>Example:</a:t>
+            </a:r>
+          </a:p>
+          <a:p>
+            <a:r>
+              <a:rPr lang="en-US" dirty="0"/>
+              <a:t>Clinical cancer diagnosis happens at 80, but the process starts only after cancer has emerged at 62</a:t>
+            </a:r>
           </a:p>
         </p:txBody>
       </p:sp>
@@ -4880,7 +4922,7 @@
           <p:cNvPr id="6" name="Content Placeholder 5">
             <a:extLst>
               <a:ext uri="{FF2B5EF4-FFF2-40B4-BE49-F238E27FC236}">
-                <a16:creationId xmlns:a16="http://schemas.microsoft.com/office/drawing/2014/main" id="{57AA3D46-2814-0C64-8277-270F84DEAD8C}"/>
+                <a16:creationId xmlns:a16="http://schemas.microsoft.com/office/drawing/2014/main" id="{4CDB285C-F2E0-3EB9-D0D8-9635A3ADBB4E}"/>
               </a:ext>
             </a:extLst>
           </p:cNvPr>
@@ -4904,254 +4946,6 @@
           </a:xfrm>
         </p:spPr>
       </p:pic>
-      <p:grpSp>
-        <p:nvGrpSpPr>
-          <p:cNvPr id="3" name="Group 2">
-            <a:extLst>
-              <a:ext uri="{FF2B5EF4-FFF2-40B4-BE49-F238E27FC236}">
-                <a16:creationId xmlns:a16="http://schemas.microsoft.com/office/drawing/2014/main" id="{A337A36B-281E-8EC0-EFC0-0BB0BAB60DF3}"/>
-              </a:ext>
-            </a:extLst>
-          </p:cNvPr>
-          <p:cNvGrpSpPr/>
-          <p:nvPr/>
-        </p:nvGrpSpPr>
-        <p:grpSpPr>
-          <a:xfrm>
-            <a:off x="10433223" y="1837025"/>
-            <a:ext cx="1682577" cy="1894716"/>
-            <a:chOff x="10433223" y="1837025"/>
-            <a:chExt cx="1682577" cy="1894716"/>
-          </a:xfrm>
-        </p:grpSpPr>
-        <p:sp>
-          <p:nvSpPr>
-            <p:cNvPr id="4" name="TextBox 3">
-              <a:extLst>
-                <a:ext uri="{FF2B5EF4-FFF2-40B4-BE49-F238E27FC236}">
-                  <a16:creationId xmlns:a16="http://schemas.microsoft.com/office/drawing/2014/main" id="{92E88864-11F2-2783-2461-617ADDA2D322}"/>
-                </a:ext>
-              </a:extLst>
-            </p:cNvPr>
-            <p:cNvSpPr txBox="1"/>
-            <p:nvPr/>
-          </p:nvSpPr>
-          <p:spPr>
-            <a:xfrm>
-              <a:off x="10433223" y="1837025"/>
-              <a:ext cx="1682577" cy="923330"/>
-            </a:xfrm>
-            <a:prstGeom prst="rect">
-              <a:avLst/>
-            </a:prstGeom>
-            <a:noFill/>
-          </p:spPr>
-          <p:txBody>
-            <a:bodyPr wrap="square" rtlCol="0">
-              <a:spAutoFit/>
-            </a:bodyPr>
-            <a:lstStyle/>
-            <a:p>
-              <a:r>
-                <a:rPr lang="en-US" i="1" dirty="0"/>
-                <a:t>time’s out, </a:t>
-              </a:r>
-              <a:r>
-                <a:rPr lang="en-US" b="1" i="1" dirty="0"/>
-                <a:t>no more events</a:t>
-              </a:r>
-              <a:r>
-                <a:rPr lang="en-US" i="1" dirty="0"/>
-                <a:t> realized</a:t>
-              </a:r>
-            </a:p>
-          </p:txBody>
-        </p:sp>
-        <p:cxnSp>
-          <p:nvCxnSpPr>
-            <p:cNvPr id="5" name="Straight Arrow Connector 4">
-              <a:extLst>
-                <a:ext uri="{FF2B5EF4-FFF2-40B4-BE49-F238E27FC236}">
-                  <a16:creationId xmlns:a16="http://schemas.microsoft.com/office/drawing/2014/main" id="{99CD4065-EDAB-1070-79CA-6F594233F03F}"/>
-                </a:ext>
-              </a:extLst>
-            </p:cNvPr>
-            <p:cNvCxnSpPr>
-              <a:cxnSpLocks/>
-              <a:stCxn id="4" idx="2"/>
-            </p:cNvCxnSpPr>
-            <p:nvPr/>
-          </p:nvCxnSpPr>
-          <p:spPr>
-            <a:xfrm flipH="1">
-              <a:off x="10836876" y="2760355"/>
-              <a:ext cx="437636" cy="971386"/>
-            </a:xfrm>
-            <a:prstGeom prst="straightConnector1">
-              <a:avLst/>
-            </a:prstGeom>
-            <a:ln w="12700">
-              <a:solidFill>
-                <a:schemeClr val="tx1"/>
-              </a:solidFill>
-              <a:tailEnd type="triangle"/>
-            </a:ln>
-          </p:spPr>
-          <p:style>
-            <a:lnRef idx="2">
-              <a:schemeClr val="accent1"/>
-            </a:lnRef>
-            <a:fillRef idx="0">
-              <a:schemeClr val="accent1"/>
-            </a:fillRef>
-            <a:effectRef idx="1">
-              <a:schemeClr val="accent1"/>
-            </a:effectRef>
-            <a:fontRef idx="minor">
-              <a:schemeClr val="tx1"/>
-            </a:fontRef>
-          </p:style>
-        </p:cxnSp>
-      </p:grpSp>
-    </p:spTree>
-    <p:extLst>
-      <p:ext uri="{BB962C8B-B14F-4D97-AF65-F5344CB8AC3E}">
-        <p14:creationId xmlns:p14="http://schemas.microsoft.com/office/powerpoint/2010/main" val="1701159781"/>
-      </p:ext>
-    </p:extLst>
-  </p:cSld>
-  <p:clrMapOvr>
-    <a:masterClrMapping/>
-  </p:clrMapOvr>
-</p:sld>
-</file>
-
-<file path=ppt/slides/slide11.xml><?xml version="1.0" encoding="utf-8"?>
-<p:sld xmlns:a="http://schemas.openxmlformats.org/drawingml/2006/main" xmlns:r="http://schemas.openxmlformats.org/officeDocument/2006/relationships" xmlns:p="http://schemas.openxmlformats.org/presentationml/2006/main">
-  <p:cSld>
-    <p:spTree>
-      <p:nvGrpSpPr>
-        <p:cNvPr id="1" name=""/>
-        <p:cNvGrpSpPr/>
-        <p:nvPr/>
-      </p:nvGrpSpPr>
-      <p:grpSpPr>
-        <a:xfrm>
-          <a:off x="0" y="0"/>
-          <a:ext cx="0" cy="0"/>
-          <a:chOff x="0" y="0"/>
-          <a:chExt cx="0" cy="0"/>
-        </a:xfrm>
-      </p:grpSpPr>
-      <p:sp>
-        <p:nvSpPr>
-          <p:cNvPr id="2" name="Title 1">
-            <a:extLst>
-              <a:ext uri="{FF2B5EF4-FFF2-40B4-BE49-F238E27FC236}">
-                <a16:creationId xmlns:a16="http://schemas.microsoft.com/office/drawing/2014/main" id="{8201683B-C269-B078-0AA5-FFAFAE5D2ED3}"/>
-              </a:ext>
-            </a:extLst>
-          </p:cNvPr>
-          <p:cNvSpPr>
-            <a:spLocks noGrp="1"/>
-          </p:cNvSpPr>
-          <p:nvPr>
-            <p:ph type="title"/>
-          </p:nvPr>
-        </p:nvSpPr>
-        <p:spPr/>
-        <p:txBody>
-          <a:bodyPr/>
-          <a:lstStyle/>
-          <a:p>
-            <a:r>
-              <a:rPr lang="en-US" dirty="0"/>
-              <a:t>Graphical notation: Chained events (in series)</a:t>
-            </a:r>
-          </a:p>
-        </p:txBody>
-      </p:sp>
-      <p:sp>
-        <p:nvSpPr>
-          <p:cNvPr id="3" name="Content Placeholder 2">
-            <a:extLst>
-              <a:ext uri="{FF2B5EF4-FFF2-40B4-BE49-F238E27FC236}">
-                <a16:creationId xmlns:a16="http://schemas.microsoft.com/office/drawing/2014/main" id="{F8619C45-26A6-2FC3-FBB3-72A5C9372E50}"/>
-              </a:ext>
-            </a:extLst>
-          </p:cNvPr>
-          <p:cNvSpPr>
-            <a:spLocks noGrp="1"/>
-          </p:cNvSpPr>
-          <p:nvPr>
-            <p:ph sz="half" idx="1"/>
-          </p:nvPr>
-        </p:nvSpPr>
-        <p:spPr/>
-        <p:txBody>
-          <a:bodyPr/>
-          <a:lstStyle/>
-          <a:p>
-            <a:pPr marL="0" indent="0">
-              <a:buNone/>
-            </a:pPr>
-            <a:r>
-              <a:rPr lang="en-US" dirty="0"/>
-              <a:t>For chained processes, the next one starts once the preceding one realizes an event. </a:t>
-            </a:r>
-          </a:p>
-          <a:p>
-            <a:pPr marL="0" indent="0">
-              <a:buNone/>
-            </a:pPr>
-            <a:endParaRPr lang="en-US" dirty="0"/>
-          </a:p>
-          <a:p>
-            <a:pPr marL="0" indent="0">
-              <a:buNone/>
-            </a:pPr>
-            <a:r>
-              <a:rPr lang="en-US" dirty="0"/>
-              <a:t>Example:</a:t>
-            </a:r>
-          </a:p>
-          <a:p>
-            <a:r>
-              <a:rPr lang="en-US" dirty="0"/>
-              <a:t>Clinical cancer diagnosis happens at 80, but the process starts only after cancer has emerged at 62</a:t>
-            </a:r>
-          </a:p>
-        </p:txBody>
-      </p:sp>
-      <p:pic>
-        <p:nvPicPr>
-          <p:cNvPr id="6" name="Content Placeholder 5">
-            <a:extLst>
-              <a:ext uri="{FF2B5EF4-FFF2-40B4-BE49-F238E27FC236}">
-                <a16:creationId xmlns:a16="http://schemas.microsoft.com/office/drawing/2014/main" id="{4CDB285C-F2E0-3EB9-D0D8-9635A3ADBB4E}"/>
-              </a:ext>
-            </a:extLst>
-          </p:cNvPr>
-          <p:cNvPicPr>
-            <a:picLocks noGrp="1" noChangeAspect="1"/>
-          </p:cNvPicPr>
-          <p:nvPr>
-            <p:ph sz="half" idx="2"/>
-          </p:nvPr>
-        </p:nvPicPr>
-        <p:blipFill>
-          <a:blip r:embed="rId2"/>
-          <a:stretch>
-            <a:fillRect/>
-          </a:stretch>
-        </p:blipFill>
-        <p:spPr>
-          <a:xfrm>
-            <a:off x="6477000" y="2629694"/>
-            <a:ext cx="4572000" cy="2743200"/>
-          </a:xfrm>
-        </p:spPr>
-      </p:pic>
       <p:sp>
         <p:nvSpPr>
           <p:cNvPr id="4" name="TextBox 3">
@@ -5200,7 +4994,7 @@
 </p:sld>
 </file>
 
-<file path=ppt/slides/slide12.xml><?xml version="1.0" encoding="utf-8"?>
+<file path=ppt/slides/slide11.xml><?xml version="1.0" encoding="utf-8"?>
 <p:sld xmlns:a="http://schemas.openxmlformats.org/drawingml/2006/main" xmlns:r="http://schemas.openxmlformats.org/officeDocument/2006/relationships" xmlns:p="http://schemas.openxmlformats.org/presentationml/2006/main">
   <p:cSld>
     <p:spTree>
@@ -5347,7 +5141,7 @@
 </p:sld>
 </file>
 
-<file path=ppt/slides/slide13.xml><?xml version="1.0" encoding="utf-8"?>
+<file path=ppt/slides/slide12.xml><?xml version="1.0" encoding="utf-8"?>
 <p:sld xmlns:a="http://schemas.openxmlformats.org/drawingml/2006/main" xmlns:r="http://schemas.openxmlformats.org/officeDocument/2006/relationships" xmlns:p="http://schemas.openxmlformats.org/presentationml/2006/main">
   <p:cSld>
     <p:spTree>
@@ -5477,7 +5271,7 @@
 </p:sld>
 </file>
 
-<file path=ppt/slides/slide14.xml><?xml version="1.0" encoding="utf-8"?>
+<file path=ppt/slides/slide13.xml><?xml version="1.0" encoding="utf-8"?>
 <p:sld xmlns:a="http://schemas.openxmlformats.org/drawingml/2006/main" xmlns:r="http://schemas.openxmlformats.org/officeDocument/2006/relationships" xmlns:p="http://schemas.openxmlformats.org/presentationml/2006/main">
   <p:cSld>
     <p:spTree>
@@ -5592,7 +5386,7 @@
 </p:sld>
 </file>
 
-<file path=ppt/slides/slide15.xml><?xml version="1.0" encoding="utf-8"?>
+<file path=ppt/slides/slide14.xml><?xml version="1.0" encoding="utf-8"?>
 <p:sld xmlns:a="http://schemas.openxmlformats.org/drawingml/2006/main" xmlns:r="http://schemas.openxmlformats.org/officeDocument/2006/relationships" xmlns:p="http://schemas.openxmlformats.org/presentationml/2006/main">
   <p:cSld>
     <p:spTree>
@@ -5708,7 +5502,7 @@
 </p:sld>
 </file>
 
-<file path=ppt/slides/slide16.xml><?xml version="1.0" encoding="utf-8"?>
+<file path=ppt/slides/slide15.xml><?xml version="1.0" encoding="utf-8"?>
 <p:sld xmlns:a="http://schemas.openxmlformats.org/drawingml/2006/main" xmlns:r="http://schemas.openxmlformats.org/officeDocument/2006/relationships" xmlns:p="http://schemas.openxmlformats.org/presentationml/2006/main">
   <p:cSld>
     <p:spTree>
@@ -5824,7 +5618,7 @@
 </p:sld>
 </file>
 
-<file path=ppt/slides/slide17.xml><?xml version="1.0" encoding="utf-8"?>
+<file path=ppt/slides/slide16.xml><?xml version="1.0" encoding="utf-8"?>
 <p:sld xmlns:a="http://schemas.openxmlformats.org/drawingml/2006/main" xmlns:r="http://schemas.openxmlformats.org/officeDocument/2006/relationships" xmlns:p="http://schemas.openxmlformats.org/presentationml/2006/main">
   <p:cSld>
     <p:spTree>
@@ -5907,7 +5701,7 @@
 </p:sld>
 </file>
 
-<file path=ppt/slides/slide18.xml><?xml version="1.0" encoding="utf-8"?>
+<file path=ppt/slides/slide17.xml><?xml version="1.0" encoding="utf-8"?>
 <p:sld xmlns:a="http://schemas.openxmlformats.org/drawingml/2006/main" xmlns:r="http://schemas.openxmlformats.org/officeDocument/2006/relationships" xmlns:p="http://schemas.openxmlformats.org/presentationml/2006/main">
   <p:cSld>
     <p:spTree>
@@ -6034,7 +5828,7 @@
 </p:sld>
 </file>
 
-<file path=ppt/slides/slide19.xml><?xml version="1.0" encoding="utf-8"?>
+<file path=ppt/slides/slide18.xml><?xml version="1.0" encoding="utf-8"?>
 <p:sld xmlns:a="http://schemas.openxmlformats.org/drawingml/2006/main" xmlns:r="http://schemas.openxmlformats.org/officeDocument/2006/relationships" xmlns:p="http://schemas.openxmlformats.org/presentationml/2006/main">
   <p:cSld>
     <p:spTree>
@@ -6255,6 +6049,89 @@
 </p:sld>
 </file>
 
+<file path=ppt/slides/slide19.xml><?xml version="1.0" encoding="utf-8"?>
+<p:sld xmlns:a="http://schemas.openxmlformats.org/drawingml/2006/main" xmlns:r="http://schemas.openxmlformats.org/officeDocument/2006/relationships" xmlns:p="http://schemas.openxmlformats.org/presentationml/2006/main">
+  <p:cSld>
+    <p:spTree>
+      <p:nvGrpSpPr>
+        <p:cNvPr id="1" name=""/>
+        <p:cNvGrpSpPr/>
+        <p:nvPr/>
+      </p:nvGrpSpPr>
+      <p:grpSpPr>
+        <a:xfrm>
+          <a:off x="0" y="0"/>
+          <a:ext cx="0" cy="0"/>
+          <a:chOff x="0" y="0"/>
+          <a:chExt cx="0" cy="0"/>
+        </a:xfrm>
+      </p:grpSpPr>
+      <p:sp>
+        <p:nvSpPr>
+          <p:cNvPr id="5" name="Title 4">
+            <a:extLst>
+              <a:ext uri="{FF2B5EF4-FFF2-40B4-BE49-F238E27FC236}">
+                <a16:creationId xmlns:a16="http://schemas.microsoft.com/office/drawing/2014/main" id="{796990F9-E363-D941-494E-B7E531C22F07}"/>
+              </a:ext>
+            </a:extLst>
+          </p:cNvPr>
+          <p:cNvSpPr>
+            <a:spLocks noGrp="1"/>
+          </p:cNvSpPr>
+          <p:nvPr>
+            <p:ph type="title"/>
+          </p:nvPr>
+        </p:nvSpPr>
+        <p:spPr/>
+        <p:txBody>
+          <a:bodyPr/>
+          <a:lstStyle/>
+          <a:p>
+            <a:r>
+              <a:rPr lang="en-US" dirty="0"/>
+              <a:t>MAYBE SHOW A “PROFESSIONAL” MODEL</a:t>
+            </a:r>
+          </a:p>
+        </p:txBody>
+      </p:sp>
+      <p:sp>
+        <p:nvSpPr>
+          <p:cNvPr id="6" name="Text Placeholder 5">
+            <a:extLst>
+              <a:ext uri="{FF2B5EF4-FFF2-40B4-BE49-F238E27FC236}">
+                <a16:creationId xmlns:a16="http://schemas.microsoft.com/office/drawing/2014/main" id="{FE89C125-A9D8-3355-FC50-EB8EEFBE5D43}"/>
+              </a:ext>
+            </a:extLst>
+          </p:cNvPr>
+          <p:cNvSpPr>
+            <a:spLocks noGrp="1"/>
+          </p:cNvSpPr>
+          <p:nvPr>
+            <p:ph type="body" idx="1"/>
+          </p:nvPr>
+        </p:nvSpPr>
+        <p:spPr/>
+        <p:txBody>
+          <a:bodyPr/>
+          <a:lstStyle/>
+          <a:p>
+            <a:endParaRPr lang="en-US"/>
+          </a:p>
+        </p:txBody>
+      </p:sp>
+    </p:spTree>
+    <p:extLst>
+      <p:ext uri="{BB962C8B-B14F-4D97-AF65-F5344CB8AC3E}">
+        <p14:creationId xmlns:p14="http://schemas.microsoft.com/office/powerpoint/2010/main" val="3937908619"/>
+      </p:ext>
+    </p:extLst>
+  </p:cSld>
+  <p:clrMapOvr>
+    <a:masterClrMapping/>
+  </p:clrMapOvr>
+</p:sld>
+</file>
+
 <file path=ppt/slides/slide2.xml><?xml version="1.0" encoding="utf-8"?>
 <p:sld xmlns:a="http://schemas.openxmlformats.org/drawingml/2006/main" xmlns:r="http://schemas.openxmlformats.org/officeDocument/2006/relationships" xmlns:p="http://schemas.openxmlformats.org/presentationml/2006/main">
   <p:cSld>
@@ -6357,89 +6234,6 @@
       </p:grpSpPr>
       <p:sp>
         <p:nvSpPr>
-          <p:cNvPr id="5" name="Title 4">
-            <a:extLst>
-              <a:ext uri="{FF2B5EF4-FFF2-40B4-BE49-F238E27FC236}">
-                <a16:creationId xmlns:a16="http://schemas.microsoft.com/office/drawing/2014/main" id="{796990F9-E363-D941-494E-B7E531C22F07}"/>
-              </a:ext>
-            </a:extLst>
-          </p:cNvPr>
-          <p:cNvSpPr>
-            <a:spLocks noGrp="1"/>
-          </p:cNvSpPr>
-          <p:nvPr>
-            <p:ph type="title"/>
-          </p:nvPr>
-        </p:nvSpPr>
-        <p:spPr/>
-        <p:txBody>
-          <a:bodyPr/>
-          <a:lstStyle/>
-          <a:p>
-            <a:r>
-              <a:rPr lang="en-US" dirty="0"/>
-              <a:t>MAYBE SHOW A “PROFESSIONAL” MODEL</a:t>
-            </a:r>
-          </a:p>
-        </p:txBody>
-      </p:sp>
-      <p:sp>
-        <p:nvSpPr>
-          <p:cNvPr id="6" name="Text Placeholder 5">
-            <a:extLst>
-              <a:ext uri="{FF2B5EF4-FFF2-40B4-BE49-F238E27FC236}">
-                <a16:creationId xmlns:a16="http://schemas.microsoft.com/office/drawing/2014/main" id="{FE89C125-A9D8-3355-FC50-EB8EEFBE5D43}"/>
-              </a:ext>
-            </a:extLst>
-          </p:cNvPr>
-          <p:cNvSpPr>
-            <a:spLocks noGrp="1"/>
-          </p:cNvSpPr>
-          <p:nvPr>
-            <p:ph type="body" idx="1"/>
-          </p:nvPr>
-        </p:nvSpPr>
-        <p:spPr/>
-        <p:txBody>
-          <a:bodyPr/>
-          <a:lstStyle/>
-          <a:p>
-            <a:endParaRPr lang="en-US"/>
-          </a:p>
-        </p:txBody>
-      </p:sp>
-    </p:spTree>
-    <p:extLst>
-      <p:ext uri="{BB962C8B-B14F-4D97-AF65-F5344CB8AC3E}">
-        <p14:creationId xmlns:p14="http://schemas.microsoft.com/office/powerpoint/2010/main" val="3937908619"/>
-      </p:ext>
-    </p:extLst>
-  </p:cSld>
-  <p:clrMapOvr>
-    <a:masterClrMapping/>
-  </p:clrMapOvr>
-</p:sld>
-</file>
-
-<file path=ppt/slides/slide21.xml><?xml version="1.0" encoding="utf-8"?>
-<p:sld xmlns:a="http://schemas.openxmlformats.org/drawingml/2006/main" xmlns:r="http://schemas.openxmlformats.org/officeDocument/2006/relationships" xmlns:p="http://schemas.openxmlformats.org/presentationml/2006/main">
-  <p:cSld>
-    <p:spTree>
-      <p:nvGrpSpPr>
-        <p:cNvPr id="1" name=""/>
-        <p:cNvGrpSpPr/>
-        <p:nvPr/>
-      </p:nvGrpSpPr>
-      <p:grpSpPr>
-        <a:xfrm>
-          <a:off x="0" y="0"/>
-          <a:ext cx="0" cy="0"/>
-          <a:chOff x="0" y="0"/>
-          <a:chExt cx="0" cy="0"/>
-        </a:xfrm>
-      </p:grpSpPr>
-      <p:sp>
-        <p:nvSpPr>
           <p:cNvPr id="2" name="Title 1">
             <a:extLst>
               <a:ext uri="{FF2B5EF4-FFF2-40B4-BE49-F238E27FC236}">
@@ -6479,7 +6273,7 @@
 </p:sld>
 </file>
 
-<file path=ppt/slides/slide22.xml><?xml version="1.0" encoding="utf-8"?>
+<file path=ppt/slides/slide21.xml><?xml version="1.0" encoding="utf-8"?>
 <p:sld xmlns:a="http://schemas.openxmlformats.org/drawingml/2006/main" xmlns:r="http://schemas.openxmlformats.org/officeDocument/2006/relationships" xmlns:p="http://schemas.openxmlformats.org/presentationml/2006/main">
   <p:cSld>
     <p:spTree>
@@ -9846,7 +9640,7 @@
         <p:cNvPr id="1" name="">
           <a:extLst>
             <a:ext uri="{FF2B5EF4-FFF2-40B4-BE49-F238E27FC236}">
-              <a16:creationId xmlns:a16="http://schemas.microsoft.com/office/drawing/2014/main" id="{EB071B95-DF28-D78F-E85C-95698334F792}"/>
+              <a16:creationId xmlns:a16="http://schemas.microsoft.com/office/drawing/2014/main" id="{F1EB297E-7934-2E3F-1DA3-1CADD4C9C468}"/>
             </a:ext>
           </a:extLst>
         </p:cNvPr>
@@ -9866,7 +9660,7 @@
           <p:cNvPr id="2" name="Title 1">
             <a:extLst>
               <a:ext uri="{FF2B5EF4-FFF2-40B4-BE49-F238E27FC236}">
-                <a16:creationId xmlns:a16="http://schemas.microsoft.com/office/drawing/2014/main" id="{1CA0487D-3AC9-BA1F-587C-FE9B5B5FF5C9}"/>
+                <a16:creationId xmlns:a16="http://schemas.microsoft.com/office/drawing/2014/main" id="{820AA2A9-4EC0-104B-6E38-D58D785D093F}"/>
               </a:ext>
             </a:extLst>
           </p:cNvPr>
@@ -9884,7 +9678,7 @@
           <a:p>
             <a:r>
               <a:rPr lang="en-US" dirty="0"/>
-              <a:t>Graphical notation: At most one event</a:t>
+              <a:t>Graphical notation: Zero, one, or more events</a:t>
             </a:r>
           </a:p>
         </p:txBody>
@@ -9894,7 +9688,7 @@
           <p:cNvPr id="10" name="Content Placeholder 9">
             <a:extLst>
               <a:ext uri="{FF2B5EF4-FFF2-40B4-BE49-F238E27FC236}">
-                <a16:creationId xmlns:a16="http://schemas.microsoft.com/office/drawing/2014/main" id="{13F0F9BA-16B2-3027-0B88-256161F9F602}"/>
+                <a16:creationId xmlns:a16="http://schemas.microsoft.com/office/drawing/2014/main" id="{BBF9BE2F-BAB1-0804-90F6-B5E6FE7F66DD}"/>
               </a:ext>
             </a:extLst>
           </p:cNvPr>
@@ -9915,11 +9709,11 @@
             </a:pPr>
             <a:r>
               <a:rPr lang="en-US" dirty="0"/>
-              <a:t>Some events shall happen </a:t>
+              <a:t>Some events may happen zero, one or more times</a:t>
             </a:r>
             <a:r>
               <a:rPr lang="en-US" b="1" dirty="0"/>
-              <a:t>at most once </a:t>
+              <a:t> </a:t>
             </a:r>
             <a:r>
               <a:rPr lang="en-US" dirty="0"/>
@@ -9932,7 +9726,7 @@
             </a:pPr>
             <a:r>
               <a:rPr lang="en-US" dirty="0"/>
-              <a:t>Note, color red.</a:t>
+              <a:t>Note, color blue.</a:t>
             </a:r>
           </a:p>
           <a:p>
@@ -9947,7 +9741,7 @@
           <a:p>
             <a:r>
               <a:rPr lang="en-US" dirty="0"/>
-              <a:t>Death from CVD does not occur</a:t>
+              <a:t>Occurrence of lesions at 55 and 68 years</a:t>
             </a:r>
           </a:p>
           <a:p>
@@ -9978,10 +9772,10 @@
       </p:sp>
       <p:pic>
         <p:nvPicPr>
-          <p:cNvPr id="12" name="Content Placeholder 11">
-            <a:extLst>
-              <a:ext uri="{FF2B5EF4-FFF2-40B4-BE49-F238E27FC236}">
-                <a16:creationId xmlns:a16="http://schemas.microsoft.com/office/drawing/2014/main" id="{39E63DC5-D7F4-A016-7698-A11F6A2B52B4}"/>
+          <p:cNvPr id="6" name="Content Placeholder 5">
+            <a:extLst>
+              <a:ext uri="{FF2B5EF4-FFF2-40B4-BE49-F238E27FC236}">
+                <a16:creationId xmlns:a16="http://schemas.microsoft.com/office/drawing/2014/main" id="{57AA3D46-2814-0C64-8277-270F84DEAD8C}"/>
               </a:ext>
             </a:extLst>
           </p:cNvPr>
@@ -10007,10 +9801,10 @@
       </p:pic>
       <p:grpSp>
         <p:nvGrpSpPr>
-          <p:cNvPr id="7" name="Group 6">
-            <a:extLst>
-              <a:ext uri="{FF2B5EF4-FFF2-40B4-BE49-F238E27FC236}">
-                <a16:creationId xmlns:a16="http://schemas.microsoft.com/office/drawing/2014/main" id="{E5CE6DAA-D3B1-03A2-C972-FEA7E4FE214C}"/>
+          <p:cNvPr id="3" name="Group 2">
+            <a:extLst>
+              <a:ext uri="{FF2B5EF4-FFF2-40B4-BE49-F238E27FC236}">
+                <a16:creationId xmlns:a16="http://schemas.microsoft.com/office/drawing/2014/main" id="{A337A36B-281E-8EC0-EFC0-0BB0BAB60DF3}"/>
               </a:ext>
             </a:extLst>
           </p:cNvPr>
@@ -10027,10 +9821,10 @@
         </p:grpSpPr>
         <p:sp>
           <p:nvSpPr>
-            <p:cNvPr id="3" name="TextBox 2">
+            <p:cNvPr id="4" name="TextBox 3">
               <a:extLst>
                 <a:ext uri="{FF2B5EF4-FFF2-40B4-BE49-F238E27FC236}">
-                  <a16:creationId xmlns:a16="http://schemas.microsoft.com/office/drawing/2014/main" id="{C19C2C32-25E9-9EC1-72D1-DE5543500611}"/>
+                  <a16:creationId xmlns:a16="http://schemas.microsoft.com/office/drawing/2014/main" id="{92E88864-11F2-2783-2461-617ADDA2D322}"/>
                 </a:ext>
               </a:extLst>
             </p:cNvPr>
@@ -10040,7 +9834,7 @@
           <p:spPr>
             <a:xfrm>
               <a:off x="10433223" y="1837025"/>
-              <a:ext cx="1682577" cy="646331"/>
+              <a:ext cx="1682577" cy="923330"/>
             </a:xfrm>
             <a:prstGeom prst="rect">
               <a:avLst/>
@@ -10055,7 +9849,15 @@
             <a:p>
               <a:r>
                 <a:rPr lang="en-US" i="1" dirty="0"/>
-                <a:t>time’s out, no event realized</a:t>
+                <a:t>time’s out, </a:t>
+              </a:r>
+              <a:r>
+                <a:rPr lang="en-US" b="1" i="1" dirty="0"/>
+                <a:t>no more events</a:t>
+              </a:r>
+              <a:r>
+                <a:rPr lang="en-US" i="1" dirty="0"/>
+                <a:t> realized</a:t>
               </a:r>
             </a:p>
           </p:txBody>
@@ -10065,20 +9867,20 @@
             <p:cNvPr id="5" name="Straight Arrow Connector 4">
               <a:extLst>
                 <a:ext uri="{FF2B5EF4-FFF2-40B4-BE49-F238E27FC236}">
-                  <a16:creationId xmlns:a16="http://schemas.microsoft.com/office/drawing/2014/main" id="{4C426DBC-5B43-6DB7-2247-BEC010F91939}"/>
+                  <a16:creationId xmlns:a16="http://schemas.microsoft.com/office/drawing/2014/main" id="{99CD4065-EDAB-1070-79CA-6F594233F03F}"/>
                 </a:ext>
               </a:extLst>
             </p:cNvPr>
             <p:cNvCxnSpPr>
               <a:cxnSpLocks/>
-              <a:stCxn id="3" idx="2"/>
+              <a:stCxn id="4" idx="2"/>
             </p:cNvCxnSpPr>
             <p:nvPr/>
           </p:nvCxnSpPr>
           <p:spPr>
             <a:xfrm flipH="1">
-              <a:off x="10836876" y="2483356"/>
-              <a:ext cx="437636" cy="1248385"/>
+              <a:off x="10836876" y="2760355"/>
+              <a:ext cx="437636" cy="971386"/>
             </a:xfrm>
             <a:prstGeom prst="straightConnector1">
               <a:avLst/>
@@ -10109,7 +9911,7 @@
     </p:spTree>
     <p:extLst>
       <p:ext uri="{BB962C8B-B14F-4D97-AF65-F5344CB8AC3E}">
-        <p14:creationId xmlns:p14="http://schemas.microsoft.com/office/powerpoint/2010/main" val="2035505641"/>
+        <p14:creationId xmlns:p14="http://schemas.microsoft.com/office/powerpoint/2010/main" val="1701159781"/>
       </p:ext>
     </p:extLst>
   </p:cSld>
@@ -10750,15 +10552,6 @@
 </file>
 
 <file path=customXml/item1.xml><?xml version="1.0" encoding="utf-8"?>
-<?mso-contentType ?>
-<FormTemplates xmlns="http://schemas.microsoft.com/sharepoint/v3/contenttype/forms">
-  <Display>DocumentLibraryForm</Display>
-  <Edit>DocumentLibraryForm</Edit>
-  <New>DocumentLibraryForm</New>
-</FormTemplates>
-</file>
-
-<file path=customXml/item2.xml><?xml version="1.0" encoding="utf-8"?>
 <p:properties xmlns:p="http://schemas.microsoft.com/office/2006/metadata/properties" xmlns:xsi="http://www.w3.org/2001/XMLSchema-instance" xmlns:pc="http://schemas.microsoft.com/office/infopath/2007/PartnerControls">
   <documentManagement>
     <TaxCatchAll xmlns="b6c9d19c-b34a-4cf4-8ebf-64c63fc48083" xsi:nil="true"/>
@@ -10767,6 +10560,15 @@
     </lcf76f155ced4ddcb4097134ff3c332f>
   </documentManagement>
 </p:properties>
+</file>
+
+<file path=customXml/item2.xml><?xml version="1.0" encoding="utf-8"?>
+<?mso-contentType ?>
+<FormTemplates xmlns="http://schemas.microsoft.com/sharepoint/v3/contenttype/forms">
+  <Display>DocumentLibraryForm</Display>
+  <Edit>DocumentLibraryForm</Edit>
+  <New>DocumentLibraryForm</New>
+</FormTemplates>
 </file>
 
 <file path=customXml/item3.xml><?xml version="1.0" encoding="utf-8"?>
@@ -11010,14 +10812,6 @@
 </file>
 
 <file path=customXml/itemProps1.xml><?xml version="1.0" encoding="utf-8"?>
-<ds:datastoreItem xmlns:ds="http://schemas.openxmlformats.org/officeDocument/2006/customXml" ds:itemID="{EF0BFC65-ABD5-40EA-BAE0-821B9D6524E8}">
-  <ds:schemaRefs>
-    <ds:schemaRef ds:uri="http://schemas.microsoft.com/sharepoint/v3/contenttype/forms"/>
-  </ds:schemaRefs>
-</ds:datastoreItem>
-</file>
-
-<file path=customXml/itemProps2.xml><?xml version="1.0" encoding="utf-8"?>
 <ds:datastoreItem xmlns:ds="http://schemas.openxmlformats.org/officeDocument/2006/customXml" ds:itemID="{E709C047-1DE0-4980-A90A-4D5EFC165D2C}">
   <ds:schemaRefs>
     <ds:schemaRef ds:uri="0efde304-9646-43d8-8eee-5b1a55ab17f1"/>
@@ -11031,6 +10825,14 @@
     <ds:schemaRef ds:uri="http://schemas.microsoft.com/office/infopath/2007/PartnerControls"/>
     <ds:schemaRef ds:uri="http://schemas.openxmlformats.org/package/2006/metadata/core-properties"/>
     <ds:schemaRef ds:uri="http://www.w3.org/XML/1998/namespace"/>
+  </ds:schemaRefs>
+</ds:datastoreItem>
+</file>
+
+<file path=customXml/itemProps2.xml><?xml version="1.0" encoding="utf-8"?>
+<ds:datastoreItem xmlns:ds="http://schemas.openxmlformats.org/officeDocument/2006/customXml" ds:itemID="{EF0BFC65-ABD5-40EA-BAE0-821B9D6524E8}">
+  <ds:schemaRefs>
+    <ds:schemaRef ds:uri="http://schemas.microsoft.com/sharepoint/v3/contenttype/forms"/>
   </ds:schemaRefs>
 </ds:datastoreItem>
 </file>

--- a/master_files/materials/01_DES.pptx
+++ b/master_files/materials/01_DES.pptx
@@ -5,7 +5,7 @@
     <p:sldMasterId id="2147483648" r:id="rId4"/>
   </p:sldMasterIdLst>
   <p:notesMasterIdLst>
-    <p:notesMasterId r:id="rId26"/>
+    <p:notesMasterId r:id="rId27"/>
   </p:notesMasterIdLst>
   <p:sldIdLst>
     <p:sldId id="257" r:id="rId5"/>
@@ -16,19 +16,20 @@
     <p:sldId id="1052" r:id="rId10"/>
     <p:sldId id="1080" r:id="rId11"/>
     <p:sldId id="1082" r:id="rId12"/>
-    <p:sldId id="1084" r:id="rId13"/>
-    <p:sldId id="1085" r:id="rId14"/>
-    <p:sldId id="1086" r:id="rId15"/>
-    <p:sldId id="1088" r:id="rId16"/>
-    <p:sldId id="1087" r:id="rId17"/>
-    <p:sldId id="1089" r:id="rId18"/>
-    <p:sldId id="1091" r:id="rId19"/>
-    <p:sldId id="1090" r:id="rId20"/>
-    <p:sldId id="1092" r:id="rId21"/>
-    <p:sldId id="1093" r:id="rId22"/>
-    <p:sldId id="1095" r:id="rId23"/>
-    <p:sldId id="1079" r:id="rId24"/>
-    <p:sldId id="1096" r:id="rId25"/>
+    <p:sldId id="1097" r:id="rId13"/>
+    <p:sldId id="1084" r:id="rId14"/>
+    <p:sldId id="1085" r:id="rId15"/>
+    <p:sldId id="1086" r:id="rId16"/>
+    <p:sldId id="1088" r:id="rId17"/>
+    <p:sldId id="1087" r:id="rId18"/>
+    <p:sldId id="1089" r:id="rId19"/>
+    <p:sldId id="1091" r:id="rId20"/>
+    <p:sldId id="1090" r:id="rId21"/>
+    <p:sldId id="1092" r:id="rId22"/>
+    <p:sldId id="1093" r:id="rId23"/>
+    <p:sldId id="1095" r:id="rId24"/>
+    <p:sldId id="1079" r:id="rId25"/>
+    <p:sldId id="1096" r:id="rId26"/>
   </p:sldIdLst>
   <p:sldSz cx="12192000" cy="6858000"/>
   <p:notesSz cx="6858000" cy="9144000"/>
@@ -729,7 +730,7 @@
           <a:p>
             <a:fld id="{96010A50-4423-6040-9AE0-885D13F9C550}" type="slidenum">
               <a:rPr lang="en-US" smtClean="0"/>
-              <a:t>14</a:t>
+              <a:t>15</a:t>
             </a:fld>
             <a:endParaRPr lang="en-US"/>
           </a:p>
@@ -816,7 +817,7 @@
           <a:p>
             <a:fld id="{96010A50-4423-6040-9AE0-885D13F9C550}" type="slidenum">
               <a:rPr lang="en-US" smtClean="0"/>
-              <a:t>15</a:t>
+              <a:t>16</a:t>
             </a:fld>
             <a:endParaRPr lang="en-US"/>
           </a:p>
@@ -4825,7 +4826,13 @@
   <p:cSld>
     <p:spTree>
       <p:nvGrpSpPr>
-        <p:cNvPr id="1" name=""/>
+        <p:cNvPr id="1" name="">
+          <a:extLst>
+            <a:ext uri="{FF2B5EF4-FFF2-40B4-BE49-F238E27FC236}">
+              <a16:creationId xmlns:a16="http://schemas.microsoft.com/office/drawing/2014/main" id="{F1EB297E-7934-2E3F-1DA3-1CADD4C9C468}"/>
+            </a:ext>
+          </a:extLst>
+        </p:cNvPr>
         <p:cNvGrpSpPr/>
         <p:nvPr/>
       </p:nvGrpSpPr>
@@ -4837,92 +4844,12 @@
           <a:chExt cx="0" cy="0"/>
         </a:xfrm>
       </p:grpSpPr>
-      <p:sp>
-        <p:nvSpPr>
-          <p:cNvPr id="2" name="Title 1">
-            <a:extLst>
-              <a:ext uri="{FF2B5EF4-FFF2-40B4-BE49-F238E27FC236}">
-                <a16:creationId xmlns:a16="http://schemas.microsoft.com/office/drawing/2014/main" id="{8201683B-C269-B078-0AA5-FFAFAE5D2ED3}"/>
-              </a:ext>
-            </a:extLst>
-          </p:cNvPr>
-          <p:cNvSpPr>
-            <a:spLocks noGrp="1"/>
-          </p:cNvSpPr>
-          <p:nvPr>
-            <p:ph type="title"/>
-          </p:nvPr>
-        </p:nvSpPr>
-        <p:spPr/>
-        <p:txBody>
-          <a:bodyPr/>
-          <a:lstStyle/>
-          <a:p>
-            <a:r>
-              <a:rPr lang="en-US" dirty="0"/>
-              <a:t>Graphical notation: Chained events (in series)</a:t>
-            </a:r>
-          </a:p>
-        </p:txBody>
-      </p:sp>
-      <p:sp>
-        <p:nvSpPr>
-          <p:cNvPr id="3" name="Content Placeholder 2">
-            <a:extLst>
-              <a:ext uri="{FF2B5EF4-FFF2-40B4-BE49-F238E27FC236}">
-                <a16:creationId xmlns:a16="http://schemas.microsoft.com/office/drawing/2014/main" id="{F8619C45-26A6-2FC3-FBB3-72A5C9372E50}"/>
-              </a:ext>
-            </a:extLst>
-          </p:cNvPr>
-          <p:cNvSpPr>
-            <a:spLocks noGrp="1"/>
-          </p:cNvSpPr>
-          <p:nvPr>
-            <p:ph sz="half" idx="1"/>
-          </p:nvPr>
-        </p:nvSpPr>
-        <p:spPr/>
-        <p:txBody>
-          <a:bodyPr/>
-          <a:lstStyle/>
-          <a:p>
-            <a:pPr marL="0" indent="0">
-              <a:buNone/>
-            </a:pPr>
-            <a:r>
-              <a:rPr lang="en-US" dirty="0"/>
-              <a:t>For chained processes, the next one starts once the preceding one realizes an event. </a:t>
-            </a:r>
-          </a:p>
-          <a:p>
-            <a:pPr marL="0" indent="0">
-              <a:buNone/>
-            </a:pPr>
-            <a:endParaRPr lang="en-US" dirty="0"/>
-          </a:p>
-          <a:p>
-            <a:pPr marL="0" indent="0">
-              <a:buNone/>
-            </a:pPr>
-            <a:r>
-              <a:rPr lang="en-US" dirty="0"/>
-              <a:t>Example:</a:t>
-            </a:r>
-          </a:p>
-          <a:p>
-            <a:r>
-              <a:rPr lang="en-US" dirty="0"/>
-              <a:t>Clinical cancer diagnosis happens at 80, but the process starts only after cancer has emerged at 62</a:t>
-            </a:r>
-          </a:p>
-        </p:txBody>
-      </p:sp>
       <p:pic>
         <p:nvPicPr>
-          <p:cNvPr id="6" name="Content Placeholder 5">
-            <a:extLst>
-              <a:ext uri="{FF2B5EF4-FFF2-40B4-BE49-F238E27FC236}">
-                <a16:creationId xmlns:a16="http://schemas.microsoft.com/office/drawing/2014/main" id="{4CDB285C-F2E0-3EB9-D0D8-9635A3ADBB4E}"/>
+          <p:cNvPr id="15" name="Content Placeholder 14">
+            <a:extLst>
+              <a:ext uri="{FF2B5EF4-FFF2-40B4-BE49-F238E27FC236}">
+                <a16:creationId xmlns:a16="http://schemas.microsoft.com/office/drawing/2014/main" id="{E95E254B-73BE-4DC4-257E-062794359ACA}"/>
               </a:ext>
             </a:extLst>
           </p:cNvPr>
@@ -4948,43 +4875,232 @@
       </p:pic>
       <p:sp>
         <p:nvSpPr>
-          <p:cNvPr id="4" name="TextBox 3">
-            <a:extLst>
-              <a:ext uri="{FF2B5EF4-FFF2-40B4-BE49-F238E27FC236}">
-                <a16:creationId xmlns:a16="http://schemas.microsoft.com/office/drawing/2014/main" id="{7044C304-AB1B-C500-CAE5-528D9F0CE411}"/>
-              </a:ext>
-            </a:extLst>
-          </p:cNvPr>
-          <p:cNvSpPr txBox="1"/>
+          <p:cNvPr id="2" name="Title 1">
+            <a:extLst>
+              <a:ext uri="{FF2B5EF4-FFF2-40B4-BE49-F238E27FC236}">
+                <a16:creationId xmlns:a16="http://schemas.microsoft.com/office/drawing/2014/main" id="{820AA2A9-4EC0-104B-6E38-D58D785D093F}"/>
+              </a:ext>
+            </a:extLst>
+          </p:cNvPr>
+          <p:cNvSpPr>
+            <a:spLocks noGrp="1"/>
+          </p:cNvSpPr>
+          <p:nvPr>
+            <p:ph type="title"/>
+          </p:nvPr>
+        </p:nvSpPr>
+        <p:spPr/>
+        <p:txBody>
+          <a:bodyPr/>
+          <a:lstStyle/>
+          <a:p>
+            <a:r>
+              <a:rPr lang="en-US" dirty="0"/>
+              <a:t>Graphical notation: Zero, one, or more events</a:t>
+            </a:r>
+          </a:p>
+        </p:txBody>
+      </p:sp>
+      <p:sp>
+        <p:nvSpPr>
+          <p:cNvPr id="10" name="Content Placeholder 9">
+            <a:extLst>
+              <a:ext uri="{FF2B5EF4-FFF2-40B4-BE49-F238E27FC236}">
+                <a16:creationId xmlns:a16="http://schemas.microsoft.com/office/drawing/2014/main" id="{BBF9BE2F-BAB1-0804-90F6-B5E6FE7F66DD}"/>
+              </a:ext>
+            </a:extLst>
+          </p:cNvPr>
+          <p:cNvSpPr>
+            <a:spLocks noGrp="1"/>
+          </p:cNvSpPr>
+          <p:nvPr>
+            <p:ph sz="half" idx="1"/>
+          </p:nvPr>
+        </p:nvSpPr>
+        <p:spPr/>
+        <p:txBody>
+          <a:bodyPr/>
+          <a:lstStyle/>
+          <a:p>
+            <a:pPr marL="0" indent="0">
+              <a:buNone/>
+            </a:pPr>
+            <a:r>
+              <a:rPr lang="en-US" dirty="0"/>
+              <a:t>Some events may happen zero, one or more times</a:t>
+            </a:r>
+            <a:r>
+              <a:rPr lang="en-US" b="1" dirty="0"/>
+              <a:t> </a:t>
+            </a:r>
+            <a:r>
+              <a:rPr lang="en-US" dirty="0"/>
+              <a:t>in the interval of interest.</a:t>
+            </a:r>
+          </a:p>
+          <a:p>
+            <a:pPr marL="0" indent="0">
+              <a:buNone/>
+            </a:pPr>
+            <a:r>
+              <a:rPr lang="en-US" dirty="0"/>
+              <a:t>Note, color blue.</a:t>
+            </a:r>
+          </a:p>
+          <a:p>
+            <a:pPr marL="0" indent="0">
+              <a:buNone/>
+            </a:pPr>
+            <a:r>
+              <a:rPr lang="en-US" dirty="0"/>
+              <a:t>Example:</a:t>
+            </a:r>
+          </a:p>
+          <a:p>
+            <a:r>
+              <a:rPr lang="en-US" dirty="0"/>
+              <a:t>Occurrence of lesions at 55 and 68 years</a:t>
+            </a:r>
+          </a:p>
+          <a:p>
+            <a:pPr marL="0" indent="0">
+              <a:buNone/>
+            </a:pPr>
+            <a:endParaRPr lang="en-US" dirty="0"/>
+          </a:p>
+          <a:p>
+            <a:pPr marL="0" indent="0">
+              <a:buNone/>
+            </a:pPr>
+            <a:endParaRPr lang="en-US" dirty="0"/>
+          </a:p>
+          <a:p>
+            <a:pPr marL="0" indent="0">
+              <a:buNone/>
+            </a:pPr>
+            <a:endParaRPr lang="en-US" dirty="0"/>
+          </a:p>
+          <a:p>
+            <a:pPr marL="0" indent="0">
+              <a:buNone/>
+            </a:pPr>
+            <a:endParaRPr lang="en-US" dirty="0"/>
+          </a:p>
+        </p:txBody>
+      </p:sp>
+      <p:grpSp>
+        <p:nvGrpSpPr>
+          <p:cNvPr id="3" name="Group 2">
+            <a:extLst>
+              <a:ext uri="{FF2B5EF4-FFF2-40B4-BE49-F238E27FC236}">
+                <a16:creationId xmlns:a16="http://schemas.microsoft.com/office/drawing/2014/main" id="{A337A36B-281E-8EC0-EFC0-0BB0BAB60DF3}"/>
+              </a:ext>
+            </a:extLst>
+          </p:cNvPr>
+          <p:cNvGrpSpPr/>
           <p:nvPr/>
-        </p:nvSpPr>
-        <p:spPr>
+        </p:nvGrpSpPr>
+        <p:grpSpPr>
           <a:xfrm>
-            <a:off x="7648702" y="1825625"/>
-            <a:ext cx="2228595" cy="646331"/>
+            <a:off x="10433223" y="1837025"/>
+            <a:ext cx="1682577" cy="1894716"/>
+            <a:chOff x="10433223" y="1837025"/>
+            <a:chExt cx="1682577" cy="1894716"/>
           </a:xfrm>
-          <a:prstGeom prst="rect">
-            <a:avLst/>
-          </a:prstGeom>
-          <a:noFill/>
-        </p:spPr>
-        <p:txBody>
-          <a:bodyPr wrap="square" rtlCol="0">
-            <a:spAutoFit/>
-          </a:bodyPr>
-          <a:lstStyle/>
-          <a:p>
-            <a:r>
-              <a:rPr lang="en-US" i="1" dirty="0"/>
-              <a:t>imagine simulating the first row first, etc.</a:t>
-            </a:r>
-          </a:p>
-        </p:txBody>
-      </p:sp>
+        </p:grpSpPr>
+        <p:sp>
+          <p:nvSpPr>
+            <p:cNvPr id="4" name="TextBox 3">
+              <a:extLst>
+                <a:ext uri="{FF2B5EF4-FFF2-40B4-BE49-F238E27FC236}">
+                  <a16:creationId xmlns:a16="http://schemas.microsoft.com/office/drawing/2014/main" id="{92E88864-11F2-2783-2461-617ADDA2D322}"/>
+                </a:ext>
+              </a:extLst>
+            </p:cNvPr>
+            <p:cNvSpPr txBox="1"/>
+            <p:nvPr/>
+          </p:nvSpPr>
+          <p:spPr>
+            <a:xfrm>
+              <a:off x="10433223" y="1837025"/>
+              <a:ext cx="1682577" cy="923330"/>
+            </a:xfrm>
+            <a:prstGeom prst="rect">
+              <a:avLst/>
+            </a:prstGeom>
+            <a:noFill/>
+          </p:spPr>
+          <p:txBody>
+            <a:bodyPr wrap="square" rtlCol="0">
+              <a:spAutoFit/>
+            </a:bodyPr>
+            <a:lstStyle/>
+            <a:p>
+              <a:r>
+                <a:rPr lang="en-US" i="1" dirty="0"/>
+                <a:t>time’s out, </a:t>
+              </a:r>
+              <a:r>
+                <a:rPr lang="en-US" b="1" i="1" dirty="0"/>
+                <a:t>no more events</a:t>
+              </a:r>
+              <a:r>
+                <a:rPr lang="en-US" i="1" dirty="0"/>
+                <a:t> realized</a:t>
+              </a:r>
+            </a:p>
+          </p:txBody>
+        </p:sp>
+        <p:cxnSp>
+          <p:nvCxnSpPr>
+            <p:cNvPr id="5" name="Straight Arrow Connector 4">
+              <a:extLst>
+                <a:ext uri="{FF2B5EF4-FFF2-40B4-BE49-F238E27FC236}">
+                  <a16:creationId xmlns:a16="http://schemas.microsoft.com/office/drawing/2014/main" id="{99CD4065-EDAB-1070-79CA-6F594233F03F}"/>
+                </a:ext>
+              </a:extLst>
+            </p:cNvPr>
+            <p:cNvCxnSpPr>
+              <a:cxnSpLocks/>
+              <a:stCxn id="4" idx="2"/>
+            </p:cNvCxnSpPr>
+            <p:nvPr/>
+          </p:nvCxnSpPr>
+          <p:spPr>
+            <a:xfrm flipH="1">
+              <a:off x="10836876" y="2760355"/>
+              <a:ext cx="437636" cy="971386"/>
+            </a:xfrm>
+            <a:prstGeom prst="straightConnector1">
+              <a:avLst/>
+            </a:prstGeom>
+            <a:ln w="12700">
+              <a:solidFill>
+                <a:schemeClr val="tx1"/>
+              </a:solidFill>
+              <a:tailEnd type="triangle"/>
+            </a:ln>
+          </p:spPr>
+          <p:style>
+            <a:lnRef idx="2">
+              <a:schemeClr val="accent1"/>
+            </a:lnRef>
+            <a:fillRef idx="0">
+              <a:schemeClr val="accent1"/>
+            </a:fillRef>
+            <a:effectRef idx="1">
+              <a:schemeClr val="accent1"/>
+            </a:effectRef>
+            <a:fontRef idx="minor">
+              <a:schemeClr val="tx1"/>
+            </a:fontRef>
+          </p:style>
+        </p:cxnSp>
+      </p:grpSp>
     </p:spTree>
     <p:extLst>
       <p:ext uri="{BB962C8B-B14F-4D97-AF65-F5344CB8AC3E}">
-        <p14:creationId xmlns:p14="http://schemas.microsoft.com/office/powerpoint/2010/main" val="1375681185"/>
+        <p14:creationId xmlns:p14="http://schemas.microsoft.com/office/powerpoint/2010/main" val="1701159781"/>
       </p:ext>
     </p:extLst>
   </p:cSld>
@@ -5011,6 +5127,180 @@
           <a:chExt cx="0" cy="0"/>
         </a:xfrm>
       </p:grpSpPr>
+      <p:pic>
+        <p:nvPicPr>
+          <p:cNvPr id="9" name="Content Placeholder 8">
+            <a:extLst>
+              <a:ext uri="{FF2B5EF4-FFF2-40B4-BE49-F238E27FC236}">
+                <a16:creationId xmlns:a16="http://schemas.microsoft.com/office/drawing/2014/main" id="{B37BECA4-3955-8619-8706-BDFD63D5EFAF}"/>
+              </a:ext>
+            </a:extLst>
+          </p:cNvPr>
+          <p:cNvPicPr>
+            <a:picLocks noGrp="1" noChangeAspect="1"/>
+          </p:cNvPicPr>
+          <p:nvPr>
+            <p:ph sz="half" idx="2"/>
+          </p:nvPr>
+        </p:nvPicPr>
+        <p:blipFill>
+          <a:blip r:embed="rId2"/>
+          <a:stretch>
+            <a:fillRect/>
+          </a:stretch>
+        </p:blipFill>
+        <p:spPr>
+          <a:xfrm>
+            <a:off x="6477000" y="2629694"/>
+            <a:ext cx="4572000" cy="2743200"/>
+          </a:xfrm>
+        </p:spPr>
+      </p:pic>
+      <p:sp>
+        <p:nvSpPr>
+          <p:cNvPr id="2" name="Title 1">
+            <a:extLst>
+              <a:ext uri="{FF2B5EF4-FFF2-40B4-BE49-F238E27FC236}">
+                <a16:creationId xmlns:a16="http://schemas.microsoft.com/office/drawing/2014/main" id="{8201683B-C269-B078-0AA5-FFAFAE5D2ED3}"/>
+              </a:ext>
+            </a:extLst>
+          </p:cNvPr>
+          <p:cNvSpPr>
+            <a:spLocks noGrp="1"/>
+          </p:cNvSpPr>
+          <p:nvPr>
+            <p:ph type="title"/>
+          </p:nvPr>
+        </p:nvSpPr>
+        <p:spPr/>
+        <p:txBody>
+          <a:bodyPr/>
+          <a:lstStyle/>
+          <a:p>
+            <a:r>
+              <a:rPr lang="en-US" dirty="0"/>
+              <a:t>Graphical notation: Chained events (in series)</a:t>
+            </a:r>
+          </a:p>
+        </p:txBody>
+      </p:sp>
+      <p:sp>
+        <p:nvSpPr>
+          <p:cNvPr id="3" name="Content Placeholder 2">
+            <a:extLst>
+              <a:ext uri="{FF2B5EF4-FFF2-40B4-BE49-F238E27FC236}">
+                <a16:creationId xmlns:a16="http://schemas.microsoft.com/office/drawing/2014/main" id="{F8619C45-26A6-2FC3-FBB3-72A5C9372E50}"/>
+              </a:ext>
+            </a:extLst>
+          </p:cNvPr>
+          <p:cNvSpPr>
+            <a:spLocks noGrp="1"/>
+          </p:cNvSpPr>
+          <p:nvPr>
+            <p:ph sz="half" idx="1"/>
+          </p:nvPr>
+        </p:nvSpPr>
+        <p:spPr/>
+        <p:txBody>
+          <a:bodyPr/>
+          <a:lstStyle/>
+          <a:p>
+            <a:pPr marL="0" indent="0">
+              <a:buNone/>
+            </a:pPr>
+            <a:r>
+              <a:rPr lang="en-US" dirty="0"/>
+              <a:t>For chained processes, the next one starts once the preceding one realizes an event. </a:t>
+            </a:r>
+          </a:p>
+          <a:p>
+            <a:pPr marL="0" indent="0">
+              <a:buNone/>
+            </a:pPr>
+            <a:endParaRPr lang="en-US" dirty="0"/>
+          </a:p>
+          <a:p>
+            <a:pPr marL="0" indent="0">
+              <a:buNone/>
+            </a:pPr>
+            <a:r>
+              <a:rPr lang="en-US" dirty="0"/>
+              <a:t>Example:</a:t>
+            </a:r>
+          </a:p>
+          <a:p>
+            <a:r>
+              <a:rPr lang="en-US" dirty="0"/>
+              <a:t>Clinical cancer diagnosis happens at 80, but the process starts only after cancer has emerged at 62</a:t>
+            </a:r>
+          </a:p>
+        </p:txBody>
+      </p:sp>
+      <p:sp>
+        <p:nvSpPr>
+          <p:cNvPr id="4" name="TextBox 3">
+            <a:extLst>
+              <a:ext uri="{FF2B5EF4-FFF2-40B4-BE49-F238E27FC236}">
+                <a16:creationId xmlns:a16="http://schemas.microsoft.com/office/drawing/2014/main" id="{7044C304-AB1B-C500-CAE5-528D9F0CE411}"/>
+              </a:ext>
+            </a:extLst>
+          </p:cNvPr>
+          <p:cNvSpPr txBox="1"/>
+          <p:nvPr/>
+        </p:nvSpPr>
+        <p:spPr>
+          <a:xfrm>
+            <a:off x="7648702" y="1825625"/>
+            <a:ext cx="2228595" cy="646331"/>
+          </a:xfrm>
+          <a:prstGeom prst="rect">
+            <a:avLst/>
+          </a:prstGeom>
+          <a:noFill/>
+        </p:spPr>
+        <p:txBody>
+          <a:bodyPr wrap="square" rtlCol="0">
+            <a:spAutoFit/>
+          </a:bodyPr>
+          <a:lstStyle/>
+          <a:p>
+            <a:r>
+              <a:rPr lang="en-US" i="1" dirty="0"/>
+              <a:t>imagine simulating the first row first, etc.</a:t>
+            </a:r>
+          </a:p>
+        </p:txBody>
+      </p:sp>
+    </p:spTree>
+    <p:extLst>
+      <p:ext uri="{BB962C8B-B14F-4D97-AF65-F5344CB8AC3E}">
+        <p14:creationId xmlns:p14="http://schemas.microsoft.com/office/powerpoint/2010/main" val="1375681185"/>
+      </p:ext>
+    </p:extLst>
+  </p:cSld>
+  <p:clrMapOvr>
+    <a:masterClrMapping/>
+  </p:clrMapOvr>
+</p:sld>
+</file>
+
+<file path=ppt/slides/slide12.xml><?xml version="1.0" encoding="utf-8"?>
+<p:sld xmlns:a="http://schemas.openxmlformats.org/drawingml/2006/main" xmlns:r="http://schemas.openxmlformats.org/officeDocument/2006/relationships" xmlns:p="http://schemas.openxmlformats.org/presentationml/2006/main">
+  <p:cSld>
+    <p:spTree>
+      <p:nvGrpSpPr>
+        <p:cNvPr id="1" name=""/>
+        <p:cNvGrpSpPr/>
+        <p:nvPr/>
+      </p:nvGrpSpPr>
+      <p:grpSpPr>
+        <a:xfrm>
+          <a:off x="0" y="0"/>
+          <a:ext cx="0" cy="0"/>
+          <a:chOff x="0" y="0"/>
+          <a:chExt cx="0" cy="0"/>
+        </a:xfrm>
+      </p:grpSpPr>
       <p:sp>
         <p:nvSpPr>
           <p:cNvPr id="2" name="Title 1">
@@ -5101,10 +5391,10 @@
       </p:sp>
       <p:pic>
         <p:nvPicPr>
-          <p:cNvPr id="6" name="Content Placeholder 5">
-            <a:extLst>
-              <a:ext uri="{FF2B5EF4-FFF2-40B4-BE49-F238E27FC236}">
-                <a16:creationId xmlns:a16="http://schemas.microsoft.com/office/drawing/2014/main" id="{01C9429E-B23F-E236-1017-F5087BE07B50}"/>
+          <p:cNvPr id="8" name="Content Placeholder 7">
+            <a:extLst>
+              <a:ext uri="{FF2B5EF4-FFF2-40B4-BE49-F238E27FC236}">
+                <a16:creationId xmlns:a16="http://schemas.microsoft.com/office/drawing/2014/main" id="{2A60EC2A-F01C-8470-1B1C-BF5AA6A52066}"/>
               </a:ext>
             </a:extLst>
           </p:cNvPr>
@@ -5141,7 +5431,7 @@
 </p:sld>
 </file>
 
-<file path=ppt/slides/slide12.xml><?xml version="1.0" encoding="utf-8"?>
+<file path=ppt/slides/slide13.xml><?xml version="1.0" encoding="utf-8"?>
 <p:sld xmlns:a="http://schemas.openxmlformats.org/drawingml/2006/main" xmlns:r="http://schemas.openxmlformats.org/officeDocument/2006/relationships" xmlns:p="http://schemas.openxmlformats.org/presentationml/2006/main">
   <p:cSld>
     <p:spTree>
@@ -5192,12 +5482,49 @@
           </a:p>
         </p:txBody>
       </p:sp>
+      <p:sp>
+        <p:nvSpPr>
+          <p:cNvPr id="10" name="Content Placeholder 9">
+            <a:extLst>
+              <a:ext uri="{FF2B5EF4-FFF2-40B4-BE49-F238E27FC236}">
+                <a16:creationId xmlns:a16="http://schemas.microsoft.com/office/drawing/2014/main" id="{44083A7E-8C7A-1E4F-20C5-166265638583}"/>
+              </a:ext>
+            </a:extLst>
+          </p:cNvPr>
+          <p:cNvSpPr>
+            <a:spLocks noGrp="1"/>
+          </p:cNvSpPr>
+          <p:nvPr>
+            <p:ph sz="half" idx="1"/>
+          </p:nvPr>
+        </p:nvSpPr>
+        <p:spPr/>
+        <p:txBody>
+          <a:bodyPr/>
+          <a:lstStyle/>
+          <a:p>
+            <a:pPr marL="0" indent="0">
+              <a:buNone/>
+            </a:pPr>
+            <a:r>
+              <a:rPr lang="en-US" dirty="0"/>
+              <a:t>A DES model comprises the black, red, and blue processes, connected in series or in parallel, with proper accounting of start and stop ages.  </a:t>
+            </a:r>
+          </a:p>
+          <a:p>
+            <a:r>
+              <a:rPr lang="en-US" dirty="0"/>
+              <a:t>What does the modeler assume in this example? </a:t>
+            </a:r>
+          </a:p>
+        </p:txBody>
+      </p:sp>
       <p:pic>
         <p:nvPicPr>
-          <p:cNvPr id="8" name="Content Placeholder 7">
-            <a:extLst>
-              <a:ext uri="{FF2B5EF4-FFF2-40B4-BE49-F238E27FC236}">
-                <a16:creationId xmlns:a16="http://schemas.microsoft.com/office/drawing/2014/main" id="{7001CD47-F92B-EC7A-CBED-F2FF7FD0674D}"/>
+          <p:cNvPr id="6" name="Content Placeholder 5">
+            <a:extLst>
+              <a:ext uri="{FF2B5EF4-FFF2-40B4-BE49-F238E27FC236}">
+                <a16:creationId xmlns:a16="http://schemas.microsoft.com/office/drawing/2014/main" id="{9DF7EBA7-43CA-E490-4DC6-36B864D8F162}"/>
               </a:ext>
             </a:extLst>
           </p:cNvPr>
@@ -5221,43 +5548,6 @@
           </a:xfrm>
         </p:spPr>
       </p:pic>
-      <p:sp>
-        <p:nvSpPr>
-          <p:cNvPr id="10" name="Content Placeholder 9">
-            <a:extLst>
-              <a:ext uri="{FF2B5EF4-FFF2-40B4-BE49-F238E27FC236}">
-                <a16:creationId xmlns:a16="http://schemas.microsoft.com/office/drawing/2014/main" id="{44083A7E-8C7A-1E4F-20C5-166265638583}"/>
-              </a:ext>
-            </a:extLst>
-          </p:cNvPr>
-          <p:cNvSpPr>
-            <a:spLocks noGrp="1"/>
-          </p:cNvSpPr>
-          <p:nvPr>
-            <p:ph sz="half" idx="1"/>
-          </p:nvPr>
-        </p:nvSpPr>
-        <p:spPr/>
-        <p:txBody>
-          <a:bodyPr/>
-          <a:lstStyle/>
-          <a:p>
-            <a:pPr marL="0" indent="0">
-              <a:buNone/>
-            </a:pPr>
-            <a:r>
-              <a:rPr lang="en-US" dirty="0"/>
-              <a:t>A DES model comprises the black, red, and blue processes, connected in series or in parallel, with proper accounting of start and stop ages.  </a:t>
-            </a:r>
-          </a:p>
-          <a:p>
-            <a:r>
-              <a:rPr lang="en-US" dirty="0"/>
-              <a:t>What does the modeler assume in this example? </a:t>
-            </a:r>
-          </a:p>
-        </p:txBody>
-      </p:sp>
     </p:spTree>
     <p:extLst>
       <p:ext uri="{BB962C8B-B14F-4D97-AF65-F5344CB8AC3E}">
@@ -5271,7 +5561,7 @@
 </p:sld>
 </file>
 
-<file path=ppt/slides/slide13.xml><?xml version="1.0" encoding="utf-8"?>
+<file path=ppt/slides/slide14.xml><?xml version="1.0" encoding="utf-8"?>
 <p:sld xmlns:a="http://schemas.openxmlformats.org/drawingml/2006/main" xmlns:r="http://schemas.openxmlformats.org/officeDocument/2006/relationships" xmlns:p="http://schemas.openxmlformats.org/presentationml/2006/main">
   <p:cSld>
     <p:spTree>
@@ -5346,10 +5636,10 @@
       </p:sp>
       <p:pic>
         <p:nvPicPr>
-          <p:cNvPr id="14" name="Content Placeholder 13">
-            <a:extLst>
-              <a:ext uri="{FF2B5EF4-FFF2-40B4-BE49-F238E27FC236}">
-                <a16:creationId xmlns:a16="http://schemas.microsoft.com/office/drawing/2014/main" id="{98A57138-5729-A790-9BBC-0EEB71F5E2FB}"/>
+          <p:cNvPr id="6" name="Content Placeholder 5">
+            <a:extLst>
+              <a:ext uri="{FF2B5EF4-FFF2-40B4-BE49-F238E27FC236}">
+                <a16:creationId xmlns:a16="http://schemas.microsoft.com/office/drawing/2014/main" id="{483863EA-A296-C186-CE00-FDE853D76976}"/>
               </a:ext>
             </a:extLst>
           </p:cNvPr>
@@ -5386,7 +5676,7 @@
 </p:sld>
 </file>
 
-<file path=ppt/slides/slide14.xml><?xml version="1.0" encoding="utf-8"?>
+<file path=ppt/slides/slide15.xml><?xml version="1.0" encoding="utf-8"?>
 <p:sld xmlns:a="http://schemas.openxmlformats.org/drawingml/2006/main" xmlns:r="http://schemas.openxmlformats.org/officeDocument/2006/relationships" xmlns:p="http://schemas.openxmlformats.org/presentationml/2006/main">
   <p:cSld>
     <p:spTree>
@@ -5433,10 +5723,10 @@
       </p:sp>
       <p:pic>
         <p:nvPicPr>
-          <p:cNvPr id="6" name="Content Placeholder 5">
-            <a:extLst>
-              <a:ext uri="{FF2B5EF4-FFF2-40B4-BE49-F238E27FC236}">
-                <a16:creationId xmlns:a16="http://schemas.microsoft.com/office/drawing/2014/main" id="{0BAFF29B-C820-7AA6-F61F-6160780017D1}"/>
+          <p:cNvPr id="12" name="Content Placeholder 11">
+            <a:extLst>
+              <a:ext uri="{FF2B5EF4-FFF2-40B4-BE49-F238E27FC236}">
+                <a16:creationId xmlns:a16="http://schemas.microsoft.com/office/drawing/2014/main" id="{A9B4782A-C124-2C7F-A05A-F336C75DB05D}"/>
               </a:ext>
             </a:extLst>
           </p:cNvPr>
@@ -5462,10 +5752,10 @@
       </p:pic>
       <p:pic>
         <p:nvPicPr>
-          <p:cNvPr id="8" name="Content Placeholder 7">
-            <a:extLst>
-              <a:ext uri="{FF2B5EF4-FFF2-40B4-BE49-F238E27FC236}">
-                <a16:creationId xmlns:a16="http://schemas.microsoft.com/office/drawing/2014/main" id="{E72D00ED-FDEC-AA6A-1382-969813062FCA}"/>
+          <p:cNvPr id="14" name="Content Placeholder 13">
+            <a:extLst>
+              <a:ext uri="{FF2B5EF4-FFF2-40B4-BE49-F238E27FC236}">
+                <a16:creationId xmlns:a16="http://schemas.microsoft.com/office/drawing/2014/main" id="{B5A9123B-F456-B4A0-67E2-89DBA9E7B5C8}"/>
               </a:ext>
             </a:extLst>
           </p:cNvPr>
@@ -5502,122 +5792,6 @@
 </p:sld>
 </file>
 
-<file path=ppt/slides/slide15.xml><?xml version="1.0" encoding="utf-8"?>
-<p:sld xmlns:a="http://schemas.openxmlformats.org/drawingml/2006/main" xmlns:r="http://schemas.openxmlformats.org/officeDocument/2006/relationships" xmlns:p="http://schemas.openxmlformats.org/presentationml/2006/main">
-  <p:cSld>
-    <p:spTree>
-      <p:nvGrpSpPr>
-        <p:cNvPr id="1" name=""/>
-        <p:cNvGrpSpPr/>
-        <p:nvPr/>
-      </p:nvGrpSpPr>
-      <p:grpSpPr>
-        <a:xfrm>
-          <a:off x="0" y="0"/>
-          <a:ext cx="0" cy="0"/>
-          <a:chOff x="0" y="0"/>
-          <a:chExt cx="0" cy="0"/>
-        </a:xfrm>
-      </p:grpSpPr>
-      <p:sp>
-        <p:nvSpPr>
-          <p:cNvPr id="2" name="Title 1">
-            <a:extLst>
-              <a:ext uri="{FF2B5EF4-FFF2-40B4-BE49-F238E27FC236}">
-                <a16:creationId xmlns:a16="http://schemas.microsoft.com/office/drawing/2014/main" id="{36774EAF-FD6E-8984-C211-47F60330F8BC}"/>
-              </a:ext>
-            </a:extLst>
-          </p:cNvPr>
-          <p:cNvSpPr>
-            <a:spLocks noGrp="1"/>
-          </p:cNvSpPr>
-          <p:nvPr>
-            <p:ph type="title"/>
-          </p:nvPr>
-        </p:nvSpPr>
-        <p:spPr/>
-        <p:txBody>
-          <a:bodyPr/>
-          <a:lstStyle/>
-          <a:p>
-            <a:r>
-              <a:rPr lang="en-US" dirty="0"/>
-              <a:t>Cancer death: what at-risk interval was chosen? </a:t>
-            </a:r>
-          </a:p>
-        </p:txBody>
-      </p:sp>
-      <p:pic>
-        <p:nvPicPr>
-          <p:cNvPr id="6" name="Content Placeholder 5">
-            <a:extLst>
-              <a:ext uri="{FF2B5EF4-FFF2-40B4-BE49-F238E27FC236}">
-                <a16:creationId xmlns:a16="http://schemas.microsoft.com/office/drawing/2014/main" id="{A080E578-B65A-85BD-8A0B-3900913A34C5}"/>
-              </a:ext>
-            </a:extLst>
-          </p:cNvPr>
-          <p:cNvPicPr>
-            <a:picLocks noGrp="1" noChangeAspect="1"/>
-          </p:cNvPicPr>
-          <p:nvPr>
-            <p:ph sz="half" idx="1"/>
-          </p:nvPr>
-        </p:nvPicPr>
-        <p:blipFill>
-          <a:blip r:embed="rId3"/>
-          <a:stretch>
-            <a:fillRect/>
-          </a:stretch>
-        </p:blipFill>
-        <p:spPr>
-          <a:xfrm>
-            <a:off x="1143000" y="2629694"/>
-            <a:ext cx="4572000" cy="2743200"/>
-          </a:xfrm>
-        </p:spPr>
-      </p:pic>
-      <p:pic>
-        <p:nvPicPr>
-          <p:cNvPr id="8" name="Content Placeholder 7">
-            <a:extLst>
-              <a:ext uri="{FF2B5EF4-FFF2-40B4-BE49-F238E27FC236}">
-                <a16:creationId xmlns:a16="http://schemas.microsoft.com/office/drawing/2014/main" id="{11E0F75B-3F2F-2429-14B8-0DA3BC1DDB85}"/>
-              </a:ext>
-            </a:extLst>
-          </p:cNvPr>
-          <p:cNvPicPr>
-            <a:picLocks noGrp="1" noChangeAspect="1"/>
-          </p:cNvPicPr>
-          <p:nvPr>
-            <p:ph sz="half" idx="2"/>
-          </p:nvPr>
-        </p:nvPicPr>
-        <p:blipFill>
-          <a:blip r:embed="rId4"/>
-          <a:stretch>
-            <a:fillRect/>
-          </a:stretch>
-        </p:blipFill>
-        <p:spPr>
-          <a:xfrm>
-            <a:off x="6477000" y="2629694"/>
-            <a:ext cx="4572000" cy="2743200"/>
-          </a:xfrm>
-        </p:spPr>
-      </p:pic>
-    </p:spTree>
-    <p:extLst>
-      <p:ext uri="{BB962C8B-B14F-4D97-AF65-F5344CB8AC3E}">
-        <p14:creationId xmlns:p14="http://schemas.microsoft.com/office/powerpoint/2010/main" val="3640450252"/>
-      </p:ext>
-    </p:extLst>
-  </p:cSld>
-  <p:clrMapOvr>
-    <a:masterClrMapping/>
-  </p:clrMapOvr>
-</p:sld>
-</file>
-
 <file path=ppt/slides/slide16.xml><?xml version="1.0" encoding="utf-8"?>
 <p:sld xmlns:a="http://schemas.openxmlformats.org/drawingml/2006/main" xmlns:r="http://schemas.openxmlformats.org/officeDocument/2006/relationships" xmlns:p="http://schemas.openxmlformats.org/presentationml/2006/main">
   <p:cSld>
@@ -5637,10 +5811,10 @@
       </p:grpSpPr>
       <p:sp>
         <p:nvSpPr>
-          <p:cNvPr id="5" name="Title 4">
-            <a:extLst>
-              <a:ext uri="{FF2B5EF4-FFF2-40B4-BE49-F238E27FC236}">
-                <a16:creationId xmlns:a16="http://schemas.microsoft.com/office/drawing/2014/main" id="{F44FD0B8-4123-0D96-54AE-240E4727A98E}"/>
+          <p:cNvPr id="2" name="Title 1">
+            <a:extLst>
+              <a:ext uri="{FF2B5EF4-FFF2-40B4-BE49-F238E27FC236}">
+                <a16:creationId xmlns:a16="http://schemas.microsoft.com/office/drawing/2014/main" id="{36774EAF-FD6E-8984-C211-47F60330F8BC}"/>
               </a:ext>
             </a:extLst>
           </p:cNvPr>
@@ -5658,40 +5832,73 @@
           <a:p>
             <a:r>
               <a:rPr lang="en-US" dirty="0"/>
-              <a:t>What would a model with multiple tumors look like?</a:t>
-            </a:r>
-          </a:p>
-        </p:txBody>
-      </p:sp>
-      <p:sp>
-        <p:nvSpPr>
-          <p:cNvPr id="6" name="Text Placeholder 5">
-            <a:extLst>
-              <a:ext uri="{FF2B5EF4-FFF2-40B4-BE49-F238E27FC236}">
-                <a16:creationId xmlns:a16="http://schemas.microsoft.com/office/drawing/2014/main" id="{6E74305E-0CFB-A469-6958-42A2EABABE43}"/>
-              </a:ext>
-            </a:extLst>
-          </p:cNvPr>
-          <p:cNvSpPr>
-            <a:spLocks noGrp="1"/>
-          </p:cNvSpPr>
-          <p:nvPr>
-            <p:ph type="body" idx="1"/>
-          </p:nvPr>
-        </p:nvSpPr>
-        <p:spPr/>
-        <p:txBody>
-          <a:bodyPr/>
-          <a:lstStyle/>
-          <a:p>
-            <a:endParaRPr lang="en-US"/>
-          </a:p>
-        </p:txBody>
-      </p:sp>
+              <a:t>Cancer death: what at-risk interval was chosen? </a:t>
+            </a:r>
+          </a:p>
+        </p:txBody>
+      </p:sp>
+      <p:pic>
+        <p:nvPicPr>
+          <p:cNvPr id="7" name="Content Placeholder 6">
+            <a:extLst>
+              <a:ext uri="{FF2B5EF4-FFF2-40B4-BE49-F238E27FC236}">
+                <a16:creationId xmlns:a16="http://schemas.microsoft.com/office/drawing/2014/main" id="{9BE7ABF8-1BBA-02F2-D915-53DB21ED4583}"/>
+              </a:ext>
+            </a:extLst>
+          </p:cNvPr>
+          <p:cNvPicPr>
+            <a:picLocks noGrp="1" noChangeAspect="1"/>
+          </p:cNvPicPr>
+          <p:nvPr>
+            <p:ph sz="half" idx="2"/>
+          </p:nvPr>
+        </p:nvPicPr>
+        <p:blipFill>
+          <a:blip r:embed="rId3"/>
+          <a:stretch>
+            <a:fillRect/>
+          </a:stretch>
+        </p:blipFill>
+        <p:spPr>
+          <a:xfrm>
+            <a:off x="6477000" y="2629694"/>
+            <a:ext cx="4572000" cy="2743200"/>
+          </a:xfrm>
+        </p:spPr>
+      </p:pic>
+      <p:pic>
+        <p:nvPicPr>
+          <p:cNvPr id="12" name="Content Placeholder 11">
+            <a:extLst>
+              <a:ext uri="{FF2B5EF4-FFF2-40B4-BE49-F238E27FC236}">
+                <a16:creationId xmlns:a16="http://schemas.microsoft.com/office/drawing/2014/main" id="{EF0A4EA2-26E6-EA71-5A1F-B4469970C130}"/>
+              </a:ext>
+            </a:extLst>
+          </p:cNvPr>
+          <p:cNvPicPr>
+            <a:picLocks noGrp="1" noChangeAspect="1"/>
+          </p:cNvPicPr>
+          <p:nvPr>
+            <p:ph sz="half" idx="1"/>
+          </p:nvPr>
+        </p:nvPicPr>
+        <p:blipFill>
+          <a:blip r:embed="rId4"/>
+          <a:stretch>
+            <a:fillRect/>
+          </a:stretch>
+        </p:blipFill>
+        <p:spPr>
+          <a:xfrm>
+            <a:off x="1143000" y="2629694"/>
+            <a:ext cx="4572000" cy="2743200"/>
+          </a:xfrm>
+        </p:spPr>
+      </p:pic>
     </p:spTree>
     <p:extLst>
       <p:ext uri="{BB962C8B-B14F-4D97-AF65-F5344CB8AC3E}">
-        <p14:creationId xmlns:p14="http://schemas.microsoft.com/office/powerpoint/2010/main" val="990959416"/>
+        <p14:creationId xmlns:p14="http://schemas.microsoft.com/office/powerpoint/2010/main" val="3640450252"/>
       </p:ext>
     </p:extLst>
   </p:cSld>
@@ -5720,6 +5927,89 @@
       </p:grpSpPr>
       <p:sp>
         <p:nvSpPr>
+          <p:cNvPr id="5" name="Title 4">
+            <a:extLst>
+              <a:ext uri="{FF2B5EF4-FFF2-40B4-BE49-F238E27FC236}">
+                <a16:creationId xmlns:a16="http://schemas.microsoft.com/office/drawing/2014/main" id="{F44FD0B8-4123-0D96-54AE-240E4727A98E}"/>
+              </a:ext>
+            </a:extLst>
+          </p:cNvPr>
+          <p:cNvSpPr>
+            <a:spLocks noGrp="1"/>
+          </p:cNvSpPr>
+          <p:nvPr>
+            <p:ph type="title"/>
+          </p:nvPr>
+        </p:nvSpPr>
+        <p:spPr/>
+        <p:txBody>
+          <a:bodyPr/>
+          <a:lstStyle/>
+          <a:p>
+            <a:r>
+              <a:rPr lang="en-US" dirty="0"/>
+              <a:t>What would a model with multiple tumors look like?</a:t>
+            </a:r>
+          </a:p>
+        </p:txBody>
+      </p:sp>
+      <p:sp>
+        <p:nvSpPr>
+          <p:cNvPr id="6" name="Text Placeholder 5">
+            <a:extLst>
+              <a:ext uri="{FF2B5EF4-FFF2-40B4-BE49-F238E27FC236}">
+                <a16:creationId xmlns:a16="http://schemas.microsoft.com/office/drawing/2014/main" id="{6E74305E-0CFB-A469-6958-42A2EABABE43}"/>
+              </a:ext>
+            </a:extLst>
+          </p:cNvPr>
+          <p:cNvSpPr>
+            <a:spLocks noGrp="1"/>
+          </p:cNvSpPr>
+          <p:nvPr>
+            <p:ph type="body" idx="1"/>
+          </p:nvPr>
+        </p:nvSpPr>
+        <p:spPr/>
+        <p:txBody>
+          <a:bodyPr/>
+          <a:lstStyle/>
+          <a:p>
+            <a:endParaRPr lang="en-US"/>
+          </a:p>
+        </p:txBody>
+      </p:sp>
+    </p:spTree>
+    <p:extLst>
+      <p:ext uri="{BB962C8B-B14F-4D97-AF65-F5344CB8AC3E}">
+        <p14:creationId xmlns:p14="http://schemas.microsoft.com/office/powerpoint/2010/main" val="990959416"/>
+      </p:ext>
+    </p:extLst>
+  </p:cSld>
+  <p:clrMapOvr>
+    <a:masterClrMapping/>
+  </p:clrMapOvr>
+</p:sld>
+</file>
+
+<file path=ppt/slides/slide18.xml><?xml version="1.0" encoding="utf-8"?>
+<p:sld xmlns:a="http://schemas.openxmlformats.org/drawingml/2006/main" xmlns:r="http://schemas.openxmlformats.org/officeDocument/2006/relationships" xmlns:p="http://schemas.openxmlformats.org/presentationml/2006/main">
+  <p:cSld>
+    <p:spTree>
+      <p:nvGrpSpPr>
+        <p:cNvPr id="1" name=""/>
+        <p:cNvGrpSpPr/>
+        <p:nvPr/>
+      </p:nvGrpSpPr>
+      <p:grpSpPr>
+        <a:xfrm>
+          <a:off x="0" y="0"/>
+          <a:ext cx="0" cy="0"/>
+          <a:chOff x="0" y="0"/>
+          <a:chExt cx="0" cy="0"/>
+        </a:xfrm>
+      </p:grpSpPr>
+      <p:sp>
+        <p:nvSpPr>
           <p:cNvPr id="2" name="Title 1">
             <a:extLst>
               <a:ext uri="{FF2B5EF4-FFF2-40B4-BE49-F238E27FC236}">
@@ -5788,10 +6078,10 @@
       </p:sp>
       <p:pic>
         <p:nvPicPr>
-          <p:cNvPr id="6" name="Content Placeholder 5">
-            <a:extLst>
-              <a:ext uri="{FF2B5EF4-FFF2-40B4-BE49-F238E27FC236}">
-                <a16:creationId xmlns:a16="http://schemas.microsoft.com/office/drawing/2014/main" id="{7C1F1892-71B9-D529-977F-0336265BE324}"/>
+          <p:cNvPr id="8" name="Content Placeholder 7">
+            <a:extLst>
+              <a:ext uri="{FF2B5EF4-FFF2-40B4-BE49-F238E27FC236}">
+                <a16:creationId xmlns:a16="http://schemas.microsoft.com/office/drawing/2014/main" id="{F9E527BA-BC35-BDD8-8454-A16B50D3EAFB}"/>
               </a:ext>
             </a:extLst>
           </p:cNvPr>
@@ -5828,227 +6118,6 @@
 </p:sld>
 </file>
 
-<file path=ppt/slides/slide18.xml><?xml version="1.0" encoding="utf-8"?>
-<p:sld xmlns:a="http://schemas.openxmlformats.org/drawingml/2006/main" xmlns:r="http://schemas.openxmlformats.org/officeDocument/2006/relationships" xmlns:p="http://schemas.openxmlformats.org/presentationml/2006/main">
-  <p:cSld>
-    <p:spTree>
-      <p:nvGrpSpPr>
-        <p:cNvPr id="1" name=""/>
-        <p:cNvGrpSpPr/>
-        <p:nvPr/>
-      </p:nvGrpSpPr>
-      <p:grpSpPr>
-        <a:xfrm>
-          <a:off x="0" y="0"/>
-          <a:ext cx="0" cy="0"/>
-          <a:chOff x="0" y="0"/>
-          <a:chExt cx="0" cy="0"/>
-        </a:xfrm>
-      </p:grpSpPr>
-      <p:sp>
-        <p:nvSpPr>
-          <p:cNvPr id="2" name="Title 1">
-            <a:extLst>
-              <a:ext uri="{FF2B5EF4-FFF2-40B4-BE49-F238E27FC236}">
-                <a16:creationId xmlns:a16="http://schemas.microsoft.com/office/drawing/2014/main" id="{DE6E5C4B-29A5-7384-229D-842FAB44981B}"/>
-              </a:ext>
-            </a:extLst>
-          </p:cNvPr>
-          <p:cNvSpPr>
-            <a:spLocks noGrp="1"/>
-          </p:cNvSpPr>
-          <p:nvPr>
-            <p:ph type="title"/>
-          </p:nvPr>
-        </p:nvSpPr>
-        <p:spPr/>
-        <p:txBody>
-          <a:bodyPr/>
-          <a:lstStyle/>
-          <a:p>
-            <a:r>
-              <a:rPr lang="en-US" dirty="0"/>
-              <a:t>The building blocks of a DES</a:t>
-            </a:r>
-          </a:p>
-        </p:txBody>
-      </p:sp>
-      <p:sp>
-        <p:nvSpPr>
-          <p:cNvPr id="3" name="Content Placeholder 2">
-            <a:extLst>
-              <a:ext uri="{FF2B5EF4-FFF2-40B4-BE49-F238E27FC236}">
-                <a16:creationId xmlns:a16="http://schemas.microsoft.com/office/drawing/2014/main" id="{21B829DA-71B6-D3EF-08CE-D01997C44AB0}"/>
-              </a:ext>
-            </a:extLst>
-          </p:cNvPr>
-          <p:cNvSpPr>
-            <a:spLocks noGrp="1"/>
-          </p:cNvSpPr>
-          <p:nvPr>
-            <p:ph sz="half" idx="1"/>
-          </p:nvPr>
-        </p:nvSpPr>
-        <p:spPr>
-          <a:xfrm>
-            <a:off x="2382792" y="1940006"/>
-            <a:ext cx="5181600" cy="4051600"/>
-          </a:xfrm>
-        </p:spPr>
-        <p:txBody>
-          <a:bodyPr>
-            <a:normAutofit fontScale="92500" lnSpcReduction="10000"/>
-          </a:bodyPr>
-          <a:lstStyle/>
-          <a:p>
-            <a:pPr marL="0" indent="0">
-              <a:buNone/>
-            </a:pPr>
-            <a:r>
-              <a:rPr lang="en-US" dirty="0"/>
-              <a:t>Events that happen exactly once</a:t>
-            </a:r>
-          </a:p>
-          <a:p>
-            <a:endParaRPr lang="en-US" dirty="0"/>
-          </a:p>
-          <a:p>
-            <a:endParaRPr lang="en-US" dirty="0"/>
-          </a:p>
-          <a:p>
-            <a:endParaRPr lang="en-US" dirty="0"/>
-          </a:p>
-          <a:p>
-            <a:pPr marL="0" indent="0">
-              <a:buNone/>
-            </a:pPr>
-            <a:r>
-              <a:rPr lang="en-US" dirty="0"/>
-              <a:t>Events that happen 0 or 1 times </a:t>
-            </a:r>
-          </a:p>
-          <a:p>
-            <a:endParaRPr lang="en-US" dirty="0"/>
-          </a:p>
-          <a:p>
-            <a:endParaRPr lang="en-US" dirty="0"/>
-          </a:p>
-          <a:p>
-            <a:endParaRPr lang="en-US" dirty="0"/>
-          </a:p>
-          <a:p>
-            <a:pPr marL="0" indent="0">
-              <a:buNone/>
-            </a:pPr>
-            <a:r>
-              <a:rPr lang="en-US" dirty="0"/>
-              <a:t>Events that happen 0, 1, … times</a:t>
-            </a:r>
-          </a:p>
-        </p:txBody>
-      </p:sp>
-      <p:pic>
-        <p:nvPicPr>
-          <p:cNvPr id="6" name="Content Placeholder 5">
-            <a:extLst>
-              <a:ext uri="{FF2B5EF4-FFF2-40B4-BE49-F238E27FC236}">
-                <a16:creationId xmlns:a16="http://schemas.microsoft.com/office/drawing/2014/main" id="{2BA42E2E-2630-184A-F85C-BBBE0A17C99A}"/>
-              </a:ext>
-            </a:extLst>
-          </p:cNvPr>
-          <p:cNvPicPr>
-            <a:picLocks noGrp="1" noChangeAspect="1"/>
-          </p:cNvPicPr>
-          <p:nvPr>
-            <p:ph sz="half" idx="2"/>
-          </p:nvPr>
-        </p:nvPicPr>
-        <p:blipFill>
-          <a:blip r:embed="rId2"/>
-          <a:stretch>
-            <a:fillRect/>
-          </a:stretch>
-        </p:blipFill>
-        <p:spPr>
-          <a:xfrm>
-            <a:off x="7737394" y="1432956"/>
-            <a:ext cx="2837935" cy="1702761"/>
-          </a:xfrm>
-        </p:spPr>
-      </p:pic>
-      <p:pic>
-        <p:nvPicPr>
-          <p:cNvPr id="8" name="Picture 7">
-            <a:extLst>
-              <a:ext uri="{FF2B5EF4-FFF2-40B4-BE49-F238E27FC236}">
-                <a16:creationId xmlns:a16="http://schemas.microsoft.com/office/drawing/2014/main" id="{7D278B84-6B06-CC06-2C7A-C4B811EC274D}"/>
-              </a:ext>
-            </a:extLst>
-          </p:cNvPr>
-          <p:cNvPicPr>
-            <a:picLocks noChangeAspect="1"/>
-          </p:cNvPicPr>
-          <p:nvPr/>
-        </p:nvPicPr>
-        <p:blipFill>
-          <a:blip r:embed="rId3"/>
-          <a:stretch>
-            <a:fillRect/>
-          </a:stretch>
-        </p:blipFill>
-        <p:spPr>
-          <a:xfrm>
-            <a:off x="7737395" y="3114426"/>
-            <a:ext cx="2837935" cy="1702761"/>
-          </a:xfrm>
-          <a:prstGeom prst="rect">
-            <a:avLst/>
-          </a:prstGeom>
-        </p:spPr>
-      </p:pic>
-      <p:pic>
-        <p:nvPicPr>
-          <p:cNvPr id="12" name="Picture 11">
-            <a:extLst>
-              <a:ext uri="{FF2B5EF4-FFF2-40B4-BE49-F238E27FC236}">
-                <a16:creationId xmlns:a16="http://schemas.microsoft.com/office/drawing/2014/main" id="{D9556380-1ED0-FE82-B37F-07F61F971607}"/>
-              </a:ext>
-            </a:extLst>
-          </p:cNvPr>
-          <p:cNvPicPr>
-            <a:picLocks noChangeAspect="1"/>
-          </p:cNvPicPr>
-          <p:nvPr/>
-        </p:nvPicPr>
-        <p:blipFill>
-          <a:blip r:embed="rId4"/>
-          <a:stretch>
-            <a:fillRect/>
-          </a:stretch>
-        </p:blipFill>
-        <p:spPr>
-          <a:xfrm>
-            <a:off x="7737394" y="4772177"/>
-            <a:ext cx="2837935" cy="1702761"/>
-          </a:xfrm>
-          <a:prstGeom prst="rect">
-            <a:avLst/>
-          </a:prstGeom>
-        </p:spPr>
-      </p:pic>
-    </p:spTree>
-    <p:extLst>
-      <p:ext uri="{BB962C8B-B14F-4D97-AF65-F5344CB8AC3E}">
-        <p14:creationId xmlns:p14="http://schemas.microsoft.com/office/powerpoint/2010/main" val="3534701915"/>
-      </p:ext>
-    </p:extLst>
-  </p:cSld>
-  <p:clrMapOvr>
-    <a:masterClrMapping/>
-  </p:clrMapOvr>
-</p:sld>
-</file>
-
 <file path=ppt/slides/slide19.xml><?xml version="1.0" encoding="utf-8"?>
 <p:sld xmlns:a="http://schemas.openxmlformats.org/drawingml/2006/main" xmlns:r="http://schemas.openxmlformats.org/officeDocument/2006/relationships" xmlns:p="http://schemas.openxmlformats.org/presentationml/2006/main">
   <p:cSld>
@@ -6068,10 +6137,10 @@
       </p:grpSpPr>
       <p:sp>
         <p:nvSpPr>
-          <p:cNvPr id="5" name="Title 4">
-            <a:extLst>
-              <a:ext uri="{FF2B5EF4-FFF2-40B4-BE49-F238E27FC236}">
-                <a16:creationId xmlns:a16="http://schemas.microsoft.com/office/drawing/2014/main" id="{796990F9-E363-D941-494E-B7E531C22F07}"/>
+          <p:cNvPr id="2" name="Title 1">
+            <a:extLst>
+              <a:ext uri="{FF2B5EF4-FFF2-40B4-BE49-F238E27FC236}">
+                <a16:creationId xmlns:a16="http://schemas.microsoft.com/office/drawing/2014/main" id="{DE6E5C4B-29A5-7384-229D-842FAB44981B}"/>
               </a:ext>
             </a:extLst>
           </p:cNvPr>
@@ -6089,40 +6158,179 @@
           <a:p>
             <a:r>
               <a:rPr lang="en-US" dirty="0"/>
-              <a:t>MAYBE SHOW A “PROFESSIONAL” MODEL</a:t>
-            </a:r>
-          </a:p>
-        </p:txBody>
-      </p:sp>
-      <p:sp>
-        <p:nvSpPr>
-          <p:cNvPr id="6" name="Text Placeholder 5">
-            <a:extLst>
-              <a:ext uri="{FF2B5EF4-FFF2-40B4-BE49-F238E27FC236}">
-                <a16:creationId xmlns:a16="http://schemas.microsoft.com/office/drawing/2014/main" id="{FE89C125-A9D8-3355-FC50-EB8EEFBE5D43}"/>
-              </a:ext>
-            </a:extLst>
-          </p:cNvPr>
-          <p:cNvSpPr>
-            <a:spLocks noGrp="1"/>
-          </p:cNvSpPr>
-          <p:nvPr>
-            <p:ph type="body" idx="1"/>
-          </p:nvPr>
-        </p:nvSpPr>
-        <p:spPr/>
-        <p:txBody>
-          <a:bodyPr/>
+              <a:t>The building blocks of a DES</a:t>
+            </a:r>
+          </a:p>
+        </p:txBody>
+      </p:sp>
+      <p:sp>
+        <p:nvSpPr>
+          <p:cNvPr id="3" name="Content Placeholder 2">
+            <a:extLst>
+              <a:ext uri="{FF2B5EF4-FFF2-40B4-BE49-F238E27FC236}">
+                <a16:creationId xmlns:a16="http://schemas.microsoft.com/office/drawing/2014/main" id="{21B829DA-71B6-D3EF-08CE-D01997C44AB0}"/>
+              </a:ext>
+            </a:extLst>
+          </p:cNvPr>
+          <p:cNvSpPr>
+            <a:spLocks noGrp="1"/>
+          </p:cNvSpPr>
+          <p:nvPr>
+            <p:ph sz="half" idx="1"/>
+          </p:nvPr>
+        </p:nvSpPr>
+        <p:spPr>
+          <a:xfrm>
+            <a:off x="2382792" y="1757188"/>
+            <a:ext cx="5181600" cy="4111596"/>
+          </a:xfrm>
+        </p:spPr>
+        <p:txBody>
+          <a:bodyPr>
+            <a:normAutofit fontScale="92500" lnSpcReduction="10000"/>
+          </a:bodyPr>
           <a:lstStyle/>
           <a:p>
-            <a:endParaRPr lang="en-US"/>
-          </a:p>
-        </p:txBody>
-      </p:sp>
+            <a:pPr marL="0" indent="0">
+              <a:buNone/>
+            </a:pPr>
+            <a:r>
+              <a:rPr lang="en-US" dirty="0"/>
+              <a:t>Events that happen exactly once</a:t>
+            </a:r>
+          </a:p>
+          <a:p>
+            <a:endParaRPr lang="en-US" dirty="0"/>
+          </a:p>
+          <a:p>
+            <a:endParaRPr lang="en-US" dirty="0"/>
+          </a:p>
+          <a:p>
+            <a:endParaRPr lang="en-US" dirty="0"/>
+          </a:p>
+          <a:p>
+            <a:pPr marL="0" indent="0">
+              <a:buNone/>
+            </a:pPr>
+            <a:r>
+              <a:rPr lang="en-US" dirty="0"/>
+              <a:t>Events that happen 0 or 1 times </a:t>
+            </a:r>
+          </a:p>
+          <a:p>
+            <a:endParaRPr lang="en-US" dirty="0"/>
+          </a:p>
+          <a:p>
+            <a:endParaRPr lang="en-US" dirty="0"/>
+          </a:p>
+          <a:p>
+            <a:endParaRPr lang="en-US" dirty="0"/>
+          </a:p>
+          <a:p>
+            <a:pPr marL="0" indent="0">
+              <a:buNone/>
+            </a:pPr>
+            <a:r>
+              <a:rPr lang="en-US" dirty="0"/>
+              <a:t>Events that happen 0, 1, … times</a:t>
+            </a:r>
+          </a:p>
+        </p:txBody>
+      </p:sp>
+      <p:pic>
+        <p:nvPicPr>
+          <p:cNvPr id="9" name="Picture 8">
+            <a:extLst>
+              <a:ext uri="{FF2B5EF4-FFF2-40B4-BE49-F238E27FC236}">
+                <a16:creationId xmlns:a16="http://schemas.microsoft.com/office/drawing/2014/main" id="{42BE20E8-7B00-DCEE-AF96-6116E30EF17D}"/>
+              </a:ext>
+            </a:extLst>
+          </p:cNvPr>
+          <p:cNvPicPr>
+            <a:picLocks noChangeAspect="1"/>
+          </p:cNvPicPr>
+          <p:nvPr/>
+        </p:nvPicPr>
+        <p:blipFill>
+          <a:blip r:embed="rId2"/>
+          <a:stretch>
+            <a:fillRect/>
+          </a:stretch>
+        </p:blipFill>
+        <p:spPr>
+          <a:xfrm>
+            <a:off x="7737394" y="1200102"/>
+            <a:ext cx="3048000" cy="1828800"/>
+          </a:xfrm>
+          <a:prstGeom prst="rect">
+            <a:avLst/>
+          </a:prstGeom>
+        </p:spPr>
+      </p:pic>
+      <p:pic>
+        <p:nvPicPr>
+          <p:cNvPr id="11" name="Picture 10">
+            <a:extLst>
+              <a:ext uri="{FF2B5EF4-FFF2-40B4-BE49-F238E27FC236}">
+                <a16:creationId xmlns:a16="http://schemas.microsoft.com/office/drawing/2014/main" id="{66F49B9E-2639-3A98-5C33-54349987E9CB}"/>
+              </a:ext>
+            </a:extLst>
+          </p:cNvPr>
+          <p:cNvPicPr>
+            <a:picLocks noChangeAspect="1"/>
+          </p:cNvPicPr>
+          <p:nvPr/>
+        </p:nvPicPr>
+        <p:blipFill>
+          <a:blip r:embed="rId3"/>
+          <a:stretch>
+            <a:fillRect/>
+          </a:stretch>
+        </p:blipFill>
+        <p:spPr>
+          <a:xfrm>
+            <a:off x="7737394" y="2986140"/>
+            <a:ext cx="3048000" cy="1828800"/>
+          </a:xfrm>
+          <a:prstGeom prst="rect">
+            <a:avLst/>
+          </a:prstGeom>
+        </p:spPr>
+      </p:pic>
+      <p:pic>
+        <p:nvPicPr>
+          <p:cNvPr id="16" name="Picture 15">
+            <a:extLst>
+              <a:ext uri="{FF2B5EF4-FFF2-40B4-BE49-F238E27FC236}">
+                <a16:creationId xmlns:a16="http://schemas.microsoft.com/office/drawing/2014/main" id="{91D8FB2D-D50A-361C-CB3C-E1712D32FEC3}"/>
+              </a:ext>
+            </a:extLst>
+          </p:cNvPr>
+          <p:cNvPicPr>
+            <a:picLocks noChangeAspect="1"/>
+          </p:cNvPicPr>
+          <p:nvPr/>
+        </p:nvPicPr>
+        <p:blipFill>
+          <a:blip r:embed="rId4"/>
+          <a:stretch>
+            <a:fillRect/>
+          </a:stretch>
+        </p:blipFill>
+        <p:spPr>
+          <a:xfrm>
+            <a:off x="7737394" y="4772177"/>
+            <a:ext cx="3048000" cy="1828800"/>
+          </a:xfrm>
+          <a:prstGeom prst="rect">
+            <a:avLst/>
+          </a:prstGeom>
+        </p:spPr>
+      </p:pic>
     </p:spTree>
     <p:extLst>
       <p:ext uri="{BB962C8B-B14F-4D97-AF65-F5344CB8AC3E}">
-        <p14:creationId xmlns:p14="http://schemas.microsoft.com/office/powerpoint/2010/main" val="3937908619"/>
+        <p14:creationId xmlns:p14="http://schemas.microsoft.com/office/powerpoint/2010/main" val="3534701915"/>
       </p:ext>
     </p:extLst>
   </p:cSld>
@@ -6234,6 +6442,89 @@
       </p:grpSpPr>
       <p:sp>
         <p:nvSpPr>
+          <p:cNvPr id="5" name="Title 4">
+            <a:extLst>
+              <a:ext uri="{FF2B5EF4-FFF2-40B4-BE49-F238E27FC236}">
+                <a16:creationId xmlns:a16="http://schemas.microsoft.com/office/drawing/2014/main" id="{796990F9-E363-D941-494E-B7E531C22F07}"/>
+              </a:ext>
+            </a:extLst>
+          </p:cNvPr>
+          <p:cNvSpPr>
+            <a:spLocks noGrp="1"/>
+          </p:cNvSpPr>
+          <p:nvPr>
+            <p:ph type="title"/>
+          </p:nvPr>
+        </p:nvSpPr>
+        <p:spPr/>
+        <p:txBody>
+          <a:bodyPr/>
+          <a:lstStyle/>
+          <a:p>
+            <a:r>
+              <a:rPr lang="en-US" dirty="0"/>
+              <a:t>MAYBE SHOW A “PROFESSIONAL” MODEL</a:t>
+            </a:r>
+          </a:p>
+        </p:txBody>
+      </p:sp>
+      <p:sp>
+        <p:nvSpPr>
+          <p:cNvPr id="6" name="Text Placeholder 5">
+            <a:extLst>
+              <a:ext uri="{FF2B5EF4-FFF2-40B4-BE49-F238E27FC236}">
+                <a16:creationId xmlns:a16="http://schemas.microsoft.com/office/drawing/2014/main" id="{FE89C125-A9D8-3355-FC50-EB8EEFBE5D43}"/>
+              </a:ext>
+            </a:extLst>
+          </p:cNvPr>
+          <p:cNvSpPr>
+            <a:spLocks noGrp="1"/>
+          </p:cNvSpPr>
+          <p:nvPr>
+            <p:ph type="body" idx="1"/>
+          </p:nvPr>
+        </p:nvSpPr>
+        <p:spPr/>
+        <p:txBody>
+          <a:bodyPr/>
+          <a:lstStyle/>
+          <a:p>
+            <a:endParaRPr lang="en-US"/>
+          </a:p>
+        </p:txBody>
+      </p:sp>
+    </p:spTree>
+    <p:extLst>
+      <p:ext uri="{BB962C8B-B14F-4D97-AF65-F5344CB8AC3E}">
+        <p14:creationId xmlns:p14="http://schemas.microsoft.com/office/powerpoint/2010/main" val="3937908619"/>
+      </p:ext>
+    </p:extLst>
+  </p:cSld>
+  <p:clrMapOvr>
+    <a:masterClrMapping/>
+  </p:clrMapOvr>
+</p:sld>
+</file>
+
+<file path=ppt/slides/slide21.xml><?xml version="1.0" encoding="utf-8"?>
+<p:sld xmlns:a="http://schemas.openxmlformats.org/drawingml/2006/main" xmlns:r="http://schemas.openxmlformats.org/officeDocument/2006/relationships" xmlns:p="http://schemas.openxmlformats.org/presentationml/2006/main">
+  <p:cSld>
+    <p:spTree>
+      <p:nvGrpSpPr>
+        <p:cNvPr id="1" name=""/>
+        <p:cNvGrpSpPr/>
+        <p:nvPr/>
+      </p:nvGrpSpPr>
+      <p:grpSpPr>
+        <a:xfrm>
+          <a:off x="0" y="0"/>
+          <a:ext cx="0" cy="0"/>
+          <a:chOff x="0" y="0"/>
+          <a:chExt cx="0" cy="0"/>
+        </a:xfrm>
+      </p:grpSpPr>
+      <p:sp>
+        <p:nvSpPr>
           <p:cNvPr id="2" name="Title 1">
             <a:extLst>
               <a:ext uri="{FF2B5EF4-FFF2-40B4-BE49-F238E27FC236}">
@@ -6273,7 +6564,7 @@
 </p:sld>
 </file>
 
-<file path=ppt/slides/slide21.xml><?xml version="1.0" encoding="utf-8"?>
+<file path=ppt/slides/slide22.xml><?xml version="1.0" encoding="utf-8"?>
 <p:sld xmlns:a="http://schemas.openxmlformats.org/drawingml/2006/main" xmlns:r="http://schemas.openxmlformats.org/officeDocument/2006/relationships" xmlns:p="http://schemas.openxmlformats.org/presentationml/2006/main">
   <p:cSld>
     <p:spTree>
@@ -8989,121 +9280,12 @@
           <a:chExt cx="0" cy="0"/>
         </a:xfrm>
       </p:grpSpPr>
-      <p:sp>
-        <p:nvSpPr>
-          <p:cNvPr id="2" name="Title 1">
-            <a:extLst>
-              <a:ext uri="{FF2B5EF4-FFF2-40B4-BE49-F238E27FC236}">
-                <a16:creationId xmlns:a16="http://schemas.microsoft.com/office/drawing/2014/main" id="{31EF3DE0-6A88-25E1-A495-167A7E4EA909}"/>
-              </a:ext>
-            </a:extLst>
-          </p:cNvPr>
-          <p:cNvSpPr>
-            <a:spLocks noGrp="1"/>
-          </p:cNvSpPr>
-          <p:nvPr>
-            <p:ph type="title"/>
-          </p:nvPr>
-        </p:nvSpPr>
-        <p:spPr/>
-        <p:txBody>
-          <a:bodyPr/>
-          <a:lstStyle/>
-          <a:p>
-            <a:r>
-              <a:rPr lang="en-US" dirty="0"/>
-              <a:t>Graphical notation: Exactly one event</a:t>
-            </a:r>
-          </a:p>
-        </p:txBody>
-      </p:sp>
-      <p:sp>
-        <p:nvSpPr>
-          <p:cNvPr id="10" name="Content Placeholder 9">
-            <a:extLst>
-              <a:ext uri="{FF2B5EF4-FFF2-40B4-BE49-F238E27FC236}">
-                <a16:creationId xmlns:a16="http://schemas.microsoft.com/office/drawing/2014/main" id="{1017A1A5-712D-FF40-4A0F-C95B6BE872F7}"/>
-              </a:ext>
-            </a:extLst>
-          </p:cNvPr>
-          <p:cNvSpPr>
-            <a:spLocks noGrp="1"/>
-          </p:cNvSpPr>
-          <p:nvPr>
-            <p:ph sz="half" idx="1"/>
-          </p:nvPr>
-        </p:nvSpPr>
-        <p:spPr/>
-        <p:txBody>
-          <a:bodyPr/>
-          <a:lstStyle/>
-          <a:p>
-            <a:pPr marL="0" indent="0">
-              <a:buNone/>
-            </a:pPr>
-            <a:r>
-              <a:rPr lang="en-US" dirty="0"/>
-              <a:t>Some events shall happen </a:t>
-            </a:r>
-            <a:r>
-              <a:rPr lang="en-US" b="1" dirty="0"/>
-              <a:t>exactly once </a:t>
-            </a:r>
-            <a:r>
-              <a:rPr lang="en-US" dirty="0"/>
-              <a:t>in the interval of interest. </a:t>
-            </a:r>
-          </a:p>
-          <a:p>
-            <a:pPr marL="0" indent="0">
-              <a:buNone/>
-            </a:pPr>
-            <a:r>
-              <a:rPr lang="en-US" dirty="0"/>
-              <a:t>We use black color for such processes. </a:t>
-            </a:r>
-          </a:p>
-          <a:p>
-            <a:pPr marL="0" indent="0">
-              <a:buNone/>
-            </a:pPr>
-            <a:r>
-              <a:rPr lang="en-US" dirty="0"/>
-              <a:t>Example:</a:t>
-            </a:r>
-          </a:p>
-          <a:p>
-            <a:r>
-              <a:rPr lang="en-US" dirty="0"/>
-              <a:t>death from all causes </a:t>
-            </a:r>
-          </a:p>
-          <a:p>
-            <a:pPr marL="0" indent="0">
-              <a:buNone/>
-            </a:pPr>
-            <a:endParaRPr lang="en-US" dirty="0"/>
-          </a:p>
-          <a:p>
-            <a:pPr marL="0" indent="0">
-              <a:buNone/>
-            </a:pPr>
-            <a:endParaRPr lang="en-US" dirty="0"/>
-          </a:p>
-          <a:p>
-            <a:pPr marL="0" indent="0">
-              <a:buNone/>
-            </a:pPr>
-            <a:endParaRPr lang="en-US" dirty="0"/>
-          </a:p>
-        </p:txBody>
-      </p:sp>
       <p:pic>
         <p:nvPicPr>
-          <p:cNvPr id="11" name="Content Placeholder 10">
-            <a:extLst>
-              <a:ext uri="{FF2B5EF4-FFF2-40B4-BE49-F238E27FC236}">
-                <a16:creationId xmlns:a16="http://schemas.microsoft.com/office/drawing/2014/main" id="{93713FC3-531B-88B0-C82A-B58CF64CA6BA}"/>
+          <p:cNvPr id="17" name="Content Placeholder 16">
+            <a:extLst>
+              <a:ext uri="{FF2B5EF4-FFF2-40B4-BE49-F238E27FC236}">
+                <a16:creationId xmlns:a16="http://schemas.microsoft.com/office/drawing/2014/main" id="{849CD80F-6ECA-BDB1-B98B-FC3D844D0092}"/>
               </a:ext>
             </a:extLst>
           </p:cNvPr>
@@ -9127,6 +9309,115 @@
           </a:xfrm>
         </p:spPr>
       </p:pic>
+      <p:sp>
+        <p:nvSpPr>
+          <p:cNvPr id="2" name="Title 1">
+            <a:extLst>
+              <a:ext uri="{FF2B5EF4-FFF2-40B4-BE49-F238E27FC236}">
+                <a16:creationId xmlns:a16="http://schemas.microsoft.com/office/drawing/2014/main" id="{31EF3DE0-6A88-25E1-A495-167A7E4EA909}"/>
+              </a:ext>
+            </a:extLst>
+          </p:cNvPr>
+          <p:cNvSpPr>
+            <a:spLocks noGrp="1"/>
+          </p:cNvSpPr>
+          <p:nvPr>
+            <p:ph type="title"/>
+          </p:nvPr>
+        </p:nvSpPr>
+        <p:spPr/>
+        <p:txBody>
+          <a:bodyPr/>
+          <a:lstStyle/>
+          <a:p>
+            <a:r>
+              <a:rPr lang="en-US" dirty="0"/>
+              <a:t>Graphical notation: Exactly one event</a:t>
+            </a:r>
+          </a:p>
+        </p:txBody>
+      </p:sp>
+      <p:sp>
+        <p:nvSpPr>
+          <p:cNvPr id="10" name="Content Placeholder 9">
+            <a:extLst>
+              <a:ext uri="{FF2B5EF4-FFF2-40B4-BE49-F238E27FC236}">
+                <a16:creationId xmlns:a16="http://schemas.microsoft.com/office/drawing/2014/main" id="{1017A1A5-712D-FF40-4A0F-C95B6BE872F7}"/>
+              </a:ext>
+            </a:extLst>
+          </p:cNvPr>
+          <p:cNvSpPr>
+            <a:spLocks noGrp="1"/>
+          </p:cNvSpPr>
+          <p:nvPr>
+            <p:ph sz="half" idx="1"/>
+          </p:nvPr>
+        </p:nvSpPr>
+        <p:spPr/>
+        <p:txBody>
+          <a:bodyPr/>
+          <a:lstStyle/>
+          <a:p>
+            <a:pPr marL="0" indent="0">
+              <a:buNone/>
+            </a:pPr>
+            <a:r>
+              <a:rPr lang="en-US" dirty="0"/>
+              <a:t>Some events shall happen </a:t>
+            </a:r>
+            <a:r>
+              <a:rPr lang="en-US" b="1" dirty="0"/>
+              <a:t>exactly once </a:t>
+            </a:r>
+            <a:r>
+              <a:rPr lang="en-US" dirty="0"/>
+              <a:t>in the interval of interest. </a:t>
+            </a:r>
+          </a:p>
+          <a:p>
+            <a:pPr marL="0" indent="0">
+              <a:buNone/>
+            </a:pPr>
+            <a:r>
+              <a:rPr lang="en-US" dirty="0"/>
+              <a:t>We use black color for such processes. </a:t>
+            </a:r>
+          </a:p>
+          <a:p>
+            <a:pPr marL="0" indent="0">
+              <a:buNone/>
+            </a:pPr>
+            <a:r>
+              <a:rPr lang="en-US" dirty="0"/>
+              <a:t>Example:</a:t>
+            </a:r>
+          </a:p>
+          <a:p>
+            <a:r>
+              <a:rPr lang="en-US" dirty="0"/>
+              <a:t>death from all causes </a:t>
+            </a:r>
+          </a:p>
+          <a:p>
+            <a:pPr marL="0" indent="0">
+              <a:buNone/>
+            </a:pPr>
+            <a:endParaRPr lang="en-US" dirty="0"/>
+          </a:p>
+          <a:p>
+            <a:pPr marL="0" indent="0">
+              <a:buNone/>
+            </a:pPr>
+            <a:endParaRPr lang="en-US" dirty="0"/>
+          </a:p>
+          <a:p>
+            <a:pPr marL="0" indent="0">
+              <a:buNone/>
+            </a:pPr>
+            <a:endParaRPr lang="en-US" dirty="0"/>
+          </a:p>
+        </p:txBody>
+      </p:sp>
       <p:grpSp>
         <p:nvGrpSpPr>
           <p:cNvPr id="6" name="Group 5">
@@ -9141,7 +9432,7 @@
         </p:nvGrpSpPr>
         <p:grpSpPr>
           <a:xfrm>
-            <a:off x="7588469" y="1513859"/>
+            <a:off x="7588469" y="2511380"/>
             <a:ext cx="1322478" cy="1115835"/>
             <a:chOff x="7588469" y="1513859"/>
             <a:chExt cx="1322478" cy="1115835"/>
@@ -9247,7 +9538,7 @@
         </p:nvGrpSpPr>
         <p:grpSpPr>
           <a:xfrm>
-            <a:off x="10138087" y="1530332"/>
+            <a:off x="10138087" y="2527853"/>
             <a:ext cx="1305870" cy="1115835"/>
             <a:chOff x="7588469" y="1513859"/>
             <a:chExt cx="1305870" cy="1115835"/>
@@ -9592,10 +9883,10 @@
       </p:sp>
       <p:pic>
         <p:nvPicPr>
-          <p:cNvPr id="20" name="Content Placeholder 19">
-            <a:extLst>
-              <a:ext uri="{FF2B5EF4-FFF2-40B4-BE49-F238E27FC236}">
-                <a16:creationId xmlns:a16="http://schemas.microsoft.com/office/drawing/2014/main" id="{CD38FD12-8012-4CC7-BC47-E6AF6FEE498C}"/>
+          <p:cNvPr id="6" name="Content Placeholder 5">
+            <a:extLst>
+              <a:ext uri="{FF2B5EF4-FFF2-40B4-BE49-F238E27FC236}">
+                <a16:creationId xmlns:a16="http://schemas.microsoft.com/office/drawing/2014/main" id="{8D8C5B1C-C911-E887-4054-7DE2010C051D}"/>
               </a:ext>
             </a:extLst>
           </p:cNvPr>
@@ -9640,7 +9931,7 @@
         <p:cNvPr id="1" name="">
           <a:extLst>
             <a:ext uri="{FF2B5EF4-FFF2-40B4-BE49-F238E27FC236}">
-              <a16:creationId xmlns:a16="http://schemas.microsoft.com/office/drawing/2014/main" id="{F1EB297E-7934-2E3F-1DA3-1CADD4C9C468}"/>
+              <a16:creationId xmlns:a16="http://schemas.microsoft.com/office/drawing/2014/main" id="{025311FE-F6A4-F908-6397-003639BBF675}"/>
             </a:ext>
           </a:extLst>
         </p:cNvPr>
@@ -9660,7 +9951,7 @@
           <p:cNvPr id="2" name="Title 1">
             <a:extLst>
               <a:ext uri="{FF2B5EF4-FFF2-40B4-BE49-F238E27FC236}">
-                <a16:creationId xmlns:a16="http://schemas.microsoft.com/office/drawing/2014/main" id="{820AA2A9-4EC0-104B-6E38-D58D785D093F}"/>
+                <a16:creationId xmlns:a16="http://schemas.microsoft.com/office/drawing/2014/main" id="{4D53D1DF-4118-B13A-6BF8-A9B174F295F4}"/>
               </a:ext>
             </a:extLst>
           </p:cNvPr>
@@ -9678,7 +9969,7 @@
           <a:p>
             <a:r>
               <a:rPr lang="en-US" dirty="0"/>
-              <a:t>Graphical notation: Zero, one, or more events</a:t>
+              <a:t>Graphical notation: At most one event</a:t>
             </a:r>
           </a:p>
         </p:txBody>
@@ -9688,7 +9979,7 @@
           <p:cNvPr id="10" name="Content Placeholder 9">
             <a:extLst>
               <a:ext uri="{FF2B5EF4-FFF2-40B4-BE49-F238E27FC236}">
-                <a16:creationId xmlns:a16="http://schemas.microsoft.com/office/drawing/2014/main" id="{BBF9BE2F-BAB1-0804-90F6-B5E6FE7F66DD}"/>
+                <a16:creationId xmlns:a16="http://schemas.microsoft.com/office/drawing/2014/main" id="{15490C34-1F62-1857-BFB2-DF164AFC58CF}"/>
               </a:ext>
             </a:extLst>
           </p:cNvPr>
@@ -9709,11 +10000,11 @@
             </a:pPr>
             <a:r>
               <a:rPr lang="en-US" dirty="0"/>
-              <a:t>Some events may happen zero, one or more times</a:t>
+              <a:t>Some events shall happen </a:t>
             </a:r>
             <a:r>
               <a:rPr lang="en-US" b="1" dirty="0"/>
-              <a:t> </a:t>
+              <a:t>at most once </a:t>
             </a:r>
             <a:r>
               <a:rPr lang="en-US" dirty="0"/>
@@ -9726,7 +10017,7 @@
             </a:pPr>
             <a:r>
               <a:rPr lang="en-US" dirty="0"/>
-              <a:t>Note, color blue.</a:t>
+              <a:t>Note, color red.</a:t>
             </a:r>
           </a:p>
           <a:p>
@@ -9741,7 +10032,7 @@
           <a:p>
             <a:r>
               <a:rPr lang="en-US" dirty="0"/>
-              <a:t>Occurrence of lesions at 55 and 68 years</a:t>
+              <a:t>No death throughout the at-risk interval</a:t>
             </a:r>
           </a:p>
           <a:p>
@@ -9772,10 +10063,10 @@
       </p:sp>
       <p:pic>
         <p:nvPicPr>
-          <p:cNvPr id="6" name="Content Placeholder 5">
-            <a:extLst>
-              <a:ext uri="{FF2B5EF4-FFF2-40B4-BE49-F238E27FC236}">
-                <a16:creationId xmlns:a16="http://schemas.microsoft.com/office/drawing/2014/main" id="{57AA3D46-2814-0C64-8277-270F84DEAD8C}"/>
+          <p:cNvPr id="5" name="Content Placeholder 10">
+            <a:extLst>
+              <a:ext uri="{FF2B5EF4-FFF2-40B4-BE49-F238E27FC236}">
+                <a16:creationId xmlns:a16="http://schemas.microsoft.com/office/drawing/2014/main" id="{24F0B194-E97B-8FE6-EF4E-8C19E5894A27}"/>
               </a:ext>
             </a:extLst>
           </p:cNvPr>
@@ -9799,119 +10090,10 @@
           </a:xfrm>
         </p:spPr>
       </p:pic>
-      <p:grpSp>
-        <p:nvGrpSpPr>
-          <p:cNvPr id="3" name="Group 2">
-            <a:extLst>
-              <a:ext uri="{FF2B5EF4-FFF2-40B4-BE49-F238E27FC236}">
-                <a16:creationId xmlns:a16="http://schemas.microsoft.com/office/drawing/2014/main" id="{A337A36B-281E-8EC0-EFC0-0BB0BAB60DF3}"/>
-              </a:ext>
-            </a:extLst>
-          </p:cNvPr>
-          <p:cNvGrpSpPr/>
-          <p:nvPr/>
-        </p:nvGrpSpPr>
-        <p:grpSpPr>
-          <a:xfrm>
-            <a:off x="10433223" y="1837025"/>
-            <a:ext cx="1682577" cy="1894716"/>
-            <a:chOff x="10433223" y="1837025"/>
-            <a:chExt cx="1682577" cy="1894716"/>
-          </a:xfrm>
-        </p:grpSpPr>
-        <p:sp>
-          <p:nvSpPr>
-            <p:cNvPr id="4" name="TextBox 3">
-              <a:extLst>
-                <a:ext uri="{FF2B5EF4-FFF2-40B4-BE49-F238E27FC236}">
-                  <a16:creationId xmlns:a16="http://schemas.microsoft.com/office/drawing/2014/main" id="{92E88864-11F2-2783-2461-617ADDA2D322}"/>
-                </a:ext>
-              </a:extLst>
-            </p:cNvPr>
-            <p:cNvSpPr txBox="1"/>
-            <p:nvPr/>
-          </p:nvSpPr>
-          <p:spPr>
-            <a:xfrm>
-              <a:off x="10433223" y="1837025"/>
-              <a:ext cx="1682577" cy="923330"/>
-            </a:xfrm>
-            <a:prstGeom prst="rect">
-              <a:avLst/>
-            </a:prstGeom>
-            <a:noFill/>
-          </p:spPr>
-          <p:txBody>
-            <a:bodyPr wrap="square" rtlCol="0">
-              <a:spAutoFit/>
-            </a:bodyPr>
-            <a:lstStyle/>
-            <a:p>
-              <a:r>
-                <a:rPr lang="en-US" i="1" dirty="0"/>
-                <a:t>time’s out, </a:t>
-              </a:r>
-              <a:r>
-                <a:rPr lang="en-US" b="1" i="1" dirty="0"/>
-                <a:t>no more events</a:t>
-              </a:r>
-              <a:r>
-                <a:rPr lang="en-US" i="1" dirty="0"/>
-                <a:t> realized</a:t>
-              </a:r>
-            </a:p>
-          </p:txBody>
-        </p:sp>
-        <p:cxnSp>
-          <p:nvCxnSpPr>
-            <p:cNvPr id="5" name="Straight Arrow Connector 4">
-              <a:extLst>
-                <a:ext uri="{FF2B5EF4-FFF2-40B4-BE49-F238E27FC236}">
-                  <a16:creationId xmlns:a16="http://schemas.microsoft.com/office/drawing/2014/main" id="{99CD4065-EDAB-1070-79CA-6F594233F03F}"/>
-                </a:ext>
-              </a:extLst>
-            </p:cNvPr>
-            <p:cNvCxnSpPr>
-              <a:cxnSpLocks/>
-              <a:stCxn id="4" idx="2"/>
-            </p:cNvCxnSpPr>
-            <p:nvPr/>
-          </p:nvCxnSpPr>
-          <p:spPr>
-            <a:xfrm flipH="1">
-              <a:off x="10836876" y="2760355"/>
-              <a:ext cx="437636" cy="971386"/>
-            </a:xfrm>
-            <a:prstGeom prst="straightConnector1">
-              <a:avLst/>
-            </a:prstGeom>
-            <a:ln w="12700">
-              <a:solidFill>
-                <a:schemeClr val="tx1"/>
-              </a:solidFill>
-              <a:tailEnd type="triangle"/>
-            </a:ln>
-          </p:spPr>
-          <p:style>
-            <a:lnRef idx="2">
-              <a:schemeClr val="accent1"/>
-            </a:lnRef>
-            <a:fillRef idx="0">
-              <a:schemeClr val="accent1"/>
-            </a:fillRef>
-            <a:effectRef idx="1">
-              <a:schemeClr val="accent1"/>
-            </a:effectRef>
-            <a:fontRef idx="minor">
-              <a:schemeClr val="tx1"/>
-            </a:fontRef>
-          </p:style>
-        </p:cxnSp>
-      </p:grpSp>
     </p:spTree>
     <p:extLst>
       <p:ext uri="{BB962C8B-B14F-4D97-AF65-F5344CB8AC3E}">
-        <p14:creationId xmlns:p14="http://schemas.microsoft.com/office/powerpoint/2010/main" val="1701159781"/>
+        <p14:creationId xmlns:p14="http://schemas.microsoft.com/office/powerpoint/2010/main" val="2632180041"/>
       </p:ext>
     </p:extLst>
   </p:cSld>
@@ -10563,15 +10745,6 @@
 </file>
 
 <file path=customXml/item2.xml><?xml version="1.0" encoding="utf-8"?>
-<?mso-contentType ?>
-<FormTemplates xmlns="http://schemas.microsoft.com/sharepoint/v3/contenttype/forms">
-  <Display>DocumentLibraryForm</Display>
-  <Edit>DocumentLibraryForm</Edit>
-  <New>DocumentLibraryForm</New>
-</FormTemplates>
-</file>
-
-<file path=customXml/item3.xml><?xml version="1.0" encoding="utf-8"?>
 <ct:contentTypeSchema xmlns:ct="http://schemas.microsoft.com/office/2006/metadata/contentType" xmlns:ma="http://schemas.microsoft.com/office/2006/metadata/properties/metaAttributes" ct:_="" ma:_="" ma:contentTypeName="Document" ma:contentTypeID="0x0101007069032936BB004A979B3FCE77DE1EB1" ma:contentTypeVersion="16" ma:contentTypeDescription="Create a new document." ma:contentTypeScope="" ma:versionID="59b39aa881a230c9f06045ed60478b88">
   <xsd:schema xmlns:xsd="http://www.w3.org/2001/XMLSchema" xmlns:xs="http://www.w3.org/2001/XMLSchema" xmlns:p="http://schemas.microsoft.com/office/2006/metadata/properties" xmlns:ns2="33f92c16-e346-46b5-ac57-2b519ac4cf68" xmlns:ns3="0efde304-9646-43d8-8eee-5b1a55ab17f1" xmlns:ns4="b6c9d19c-b34a-4cf4-8ebf-64c63fc48083" targetNamespace="http://schemas.microsoft.com/office/2006/metadata/properties" ma:root="true" ma:fieldsID="c596c03b60b8e16cee14ab235af6374a" ns2:_="" ns3:_="" ns4:_="">
     <xsd:import namespace="33f92c16-e346-46b5-ac57-2b519ac4cf68"/>
@@ -10811,6 +10984,15 @@
 </ct:contentTypeSchema>
 </file>
 
+<file path=customXml/item3.xml><?xml version="1.0" encoding="utf-8"?>
+<?mso-contentType ?>
+<FormTemplates xmlns="http://schemas.microsoft.com/sharepoint/v3/contenttype/forms">
+  <Display>DocumentLibraryForm</Display>
+  <Edit>DocumentLibraryForm</Edit>
+  <New>DocumentLibraryForm</New>
+</FormTemplates>
+</file>
+
 <file path=customXml/itemProps1.xml><?xml version="1.0" encoding="utf-8"?>
 <ds:datastoreItem xmlns:ds="http://schemas.openxmlformats.org/officeDocument/2006/customXml" ds:itemID="{E709C047-1DE0-4980-A90A-4D5EFC165D2C}">
   <ds:schemaRefs>
@@ -10830,14 +11012,6 @@
 </file>
 
 <file path=customXml/itemProps2.xml><?xml version="1.0" encoding="utf-8"?>
-<ds:datastoreItem xmlns:ds="http://schemas.openxmlformats.org/officeDocument/2006/customXml" ds:itemID="{EF0BFC65-ABD5-40EA-BAE0-821B9D6524E8}">
-  <ds:schemaRefs>
-    <ds:schemaRef ds:uri="http://schemas.microsoft.com/sharepoint/v3/contenttype/forms"/>
-  </ds:schemaRefs>
-</ds:datastoreItem>
-</file>
-
-<file path=customXml/itemProps3.xml><?xml version="1.0" encoding="utf-8"?>
 <ds:datastoreItem xmlns:ds="http://schemas.openxmlformats.org/officeDocument/2006/customXml" ds:itemID="{2D7DA705-6300-4113-B183-485198D9C84E}">
   <ds:schemaRefs>
     <ds:schemaRef ds:uri="0efde304-9646-43d8-8eee-5b1a55ab17f1"/>
@@ -10855,4 +11029,12 @@
     <ds:schemaRef ds:uri="http://www.w3.org/2001/XMLSchema"/>
   </ds:schemaRefs>
 </ds:datastoreItem>
+</file>
+
+<file path=customXml/itemProps3.xml><?xml version="1.0" encoding="utf-8"?>
+<ds:datastoreItem xmlns:ds="http://schemas.openxmlformats.org/officeDocument/2006/customXml" ds:itemID="{EF0BFC65-ABD5-40EA-BAE0-821B9D6524E8}">
+  <ds:schemaRefs>
+    <ds:schemaRef ds:uri="http://schemas.microsoft.com/sharepoint/v3/contenttype/forms"/>
+  </ds:schemaRefs>
+</ds:datastoreItem>
 </file>